--- a/_SLIDES/2020_DEEL1/H6- Herhalingen/H6-herhalingen.pptx
+++ b/_SLIDES/2020_DEEL1/H6- Herhalingen/H6-herhalingen.pptx
@@ -5,7 +5,7 @@
     <p:sldMasterId id="2147483660" r:id="rId1"/>
   </p:sldMasterIdLst>
   <p:notesMasterIdLst>
-    <p:notesMasterId r:id="rId58"/>
+    <p:notesMasterId r:id="rId59"/>
   </p:notesMasterIdLst>
   <p:sldIdLst>
     <p:sldId id="326" r:id="rId2"/>
@@ -14,91 +14,92 @@
     <p:sldId id="280" r:id="rId5"/>
     <p:sldId id="297" r:id="rId6"/>
     <p:sldId id="272" r:id="rId7"/>
-    <p:sldId id="327" r:id="rId8"/>
-    <p:sldId id="271" r:id="rId9"/>
-    <p:sldId id="273" r:id="rId10"/>
-    <p:sldId id="275" r:id="rId11"/>
-    <p:sldId id="274" r:id="rId12"/>
-    <p:sldId id="276" r:id="rId13"/>
-    <p:sldId id="277" r:id="rId14"/>
-    <p:sldId id="278" r:id="rId15"/>
-    <p:sldId id="279" r:id="rId16"/>
-    <p:sldId id="318" r:id="rId17"/>
-    <p:sldId id="282" r:id="rId18"/>
-    <p:sldId id="283" r:id="rId19"/>
-    <p:sldId id="284" r:id="rId20"/>
-    <p:sldId id="285" r:id="rId21"/>
-    <p:sldId id="286" r:id="rId22"/>
-    <p:sldId id="325" r:id="rId23"/>
-    <p:sldId id="281" r:id="rId24"/>
-    <p:sldId id="317" r:id="rId25"/>
-    <p:sldId id="288" r:id="rId26"/>
-    <p:sldId id="300" r:id="rId27"/>
-    <p:sldId id="301" r:id="rId28"/>
-    <p:sldId id="2011" r:id="rId29"/>
-    <p:sldId id="2012" r:id="rId30"/>
-    <p:sldId id="263" r:id="rId31"/>
-    <p:sldId id="303" r:id="rId32"/>
-    <p:sldId id="264" r:id="rId33"/>
-    <p:sldId id="304" r:id="rId34"/>
-    <p:sldId id="265" r:id="rId35"/>
-    <p:sldId id="305" r:id="rId36"/>
-    <p:sldId id="2013" r:id="rId37"/>
-    <p:sldId id="306" r:id="rId38"/>
-    <p:sldId id="266" r:id="rId39"/>
-    <p:sldId id="267" r:id="rId40"/>
-    <p:sldId id="269" r:id="rId41"/>
-    <p:sldId id="2014" r:id="rId42"/>
-    <p:sldId id="2015" r:id="rId43"/>
-    <p:sldId id="308" r:id="rId44"/>
-    <p:sldId id="309" r:id="rId45"/>
-    <p:sldId id="310" r:id="rId46"/>
-    <p:sldId id="319" r:id="rId47"/>
-    <p:sldId id="322" r:id="rId48"/>
-    <p:sldId id="320" r:id="rId49"/>
-    <p:sldId id="321" r:id="rId50"/>
-    <p:sldId id="323" r:id="rId51"/>
-    <p:sldId id="324" r:id="rId52"/>
-    <p:sldId id="313" r:id="rId53"/>
-    <p:sldId id="312" r:id="rId54"/>
-    <p:sldId id="314" r:id="rId55"/>
-    <p:sldId id="315" r:id="rId56"/>
-    <p:sldId id="316" r:id="rId57"/>
+    <p:sldId id="2016" r:id="rId8"/>
+    <p:sldId id="327" r:id="rId9"/>
+    <p:sldId id="271" r:id="rId10"/>
+    <p:sldId id="273" r:id="rId11"/>
+    <p:sldId id="275" r:id="rId12"/>
+    <p:sldId id="274" r:id="rId13"/>
+    <p:sldId id="276" r:id="rId14"/>
+    <p:sldId id="277" r:id="rId15"/>
+    <p:sldId id="278" r:id="rId16"/>
+    <p:sldId id="279" r:id="rId17"/>
+    <p:sldId id="318" r:id="rId18"/>
+    <p:sldId id="282" r:id="rId19"/>
+    <p:sldId id="283" r:id="rId20"/>
+    <p:sldId id="284" r:id="rId21"/>
+    <p:sldId id="285" r:id="rId22"/>
+    <p:sldId id="286" r:id="rId23"/>
+    <p:sldId id="325" r:id="rId24"/>
+    <p:sldId id="281" r:id="rId25"/>
+    <p:sldId id="317" r:id="rId26"/>
+    <p:sldId id="288" r:id="rId27"/>
+    <p:sldId id="300" r:id="rId28"/>
+    <p:sldId id="301" r:id="rId29"/>
+    <p:sldId id="2011" r:id="rId30"/>
+    <p:sldId id="2012" r:id="rId31"/>
+    <p:sldId id="263" r:id="rId32"/>
+    <p:sldId id="303" r:id="rId33"/>
+    <p:sldId id="264" r:id="rId34"/>
+    <p:sldId id="304" r:id="rId35"/>
+    <p:sldId id="265" r:id="rId36"/>
+    <p:sldId id="305" r:id="rId37"/>
+    <p:sldId id="2013" r:id="rId38"/>
+    <p:sldId id="306" r:id="rId39"/>
+    <p:sldId id="266" r:id="rId40"/>
+    <p:sldId id="267" r:id="rId41"/>
+    <p:sldId id="269" r:id="rId42"/>
+    <p:sldId id="2014" r:id="rId43"/>
+    <p:sldId id="2015" r:id="rId44"/>
+    <p:sldId id="308" r:id="rId45"/>
+    <p:sldId id="309" r:id="rId46"/>
+    <p:sldId id="310" r:id="rId47"/>
+    <p:sldId id="319" r:id="rId48"/>
+    <p:sldId id="322" r:id="rId49"/>
+    <p:sldId id="320" r:id="rId50"/>
+    <p:sldId id="321" r:id="rId51"/>
+    <p:sldId id="323" r:id="rId52"/>
+    <p:sldId id="324" r:id="rId53"/>
+    <p:sldId id="313" r:id="rId54"/>
+    <p:sldId id="312" r:id="rId55"/>
+    <p:sldId id="314" r:id="rId56"/>
+    <p:sldId id="315" r:id="rId57"/>
+    <p:sldId id="316" r:id="rId58"/>
   </p:sldIdLst>
   <p:sldSz cx="12192000" cy="6858000"/>
   <p:notesSz cx="6858000" cy="9144000"/>
   <p:embeddedFontLst>
     <p:embeddedFont>
       <p:font typeface="Archivo Narrow" panose="020B0506020202020B04" pitchFamily="34" charset="0"/>
-      <p:regular r:id="rId59"/>
-      <p:bold r:id="rId60"/>
-      <p:italic r:id="rId61"/>
+      <p:regular r:id="rId60"/>
+      <p:bold r:id="rId61"/>
+      <p:italic r:id="rId62"/>
     </p:embeddedFont>
     <p:embeddedFont>
       <p:font typeface="Blogger Sans" panose="02000506030000020004" pitchFamily="50" charset="0"/>
-      <p:regular r:id="rId62"/>
-      <p:bold r:id="rId63"/>
+      <p:regular r:id="rId63"/>
+      <p:bold r:id="rId64"/>
     </p:embeddedFont>
     <p:embeddedFont>
       <p:font typeface="Calibri" panose="020F0502020204030204" pitchFamily="34" charset="0"/>
-      <p:regular r:id="rId64"/>
-      <p:bold r:id="rId65"/>
-      <p:italic r:id="rId66"/>
-      <p:boldItalic r:id="rId67"/>
+      <p:regular r:id="rId65"/>
+      <p:bold r:id="rId66"/>
+      <p:italic r:id="rId67"/>
+      <p:boldItalic r:id="rId68"/>
     </p:embeddedFont>
     <p:embeddedFont>
       <p:font typeface="Consolas" panose="020B0609020204030204" pitchFamily="49" charset="0"/>
-      <p:regular r:id="rId68"/>
-      <p:bold r:id="rId69"/>
-      <p:italic r:id="rId70"/>
-      <p:boldItalic r:id="rId71"/>
+      <p:regular r:id="rId69"/>
+      <p:bold r:id="rId70"/>
+      <p:italic r:id="rId71"/>
+      <p:boldItalic r:id="rId72"/>
     </p:embeddedFont>
     <p:embeddedFont>
       <p:font typeface="Segoe UI" panose="020B0502040204020203" pitchFamily="34" charset="0"/>
-      <p:regular r:id="rId72"/>
-      <p:bold r:id="rId73"/>
-      <p:italic r:id="rId74"/>
-      <p:boldItalic r:id="rId75"/>
+      <p:regular r:id="rId73"/>
+      <p:bold r:id="rId74"/>
+      <p:italic r:id="rId75"/>
+      <p:boldItalic r:id="rId76"/>
     </p:embeddedFont>
   </p:embeddedFontLst>
   <p:defaultTextStyle>
@@ -9632,7 +9633,7 @@
           <a:p>
             <a:fld id="{AAB1E9D1-C262-4CF5-AED2-7DBFF7C74527}" type="datetimeFigureOut">
               <a:rPr lang="nl-BE" smtClean="0"/>
-              <a:t>14/09/2020</a:t>
+              <a:t>5/10/2020</a:t>
             </a:fld>
             <a:endParaRPr lang="nl-BE"/>
           </a:p>
@@ -10299,7 +10300,7 @@
                 </a:solidFill>
               </a:rPr>
               <a:pPr eaLnBrk="1" hangingPunct="1"/>
-              <a:t>23</a:t>
+              <a:t>24</a:t>
             </a:fld>
             <a:endParaRPr lang="en-US" sz="1200">
               <a:solidFill>
@@ -10535,7 +10536,7 @@
             <a:fld id="{5AF9016E-1FD8-4575-9F0F-FA24CD91C9E2}" type="slidenum">
               <a:rPr lang="nl-NL" smtClean="0"/>
               <a:pPr eaLnBrk="1" hangingPunct="1"/>
-              <a:t>31</a:t>
+              <a:t>32</a:t>
             </a:fld>
             <a:endParaRPr lang="nl-NL"/>
           </a:p>
@@ -10827,7 +10828,7 @@
               <a:pPr>
                 <a:defRPr/>
               </a:pPr>
-              <a:t>32</a:t>
+              <a:t>33</a:t>
             </a:fld>
             <a:endParaRPr lang="en-US">
               <a:solidFill>
@@ -11005,7 +11006,7 @@
             <a:fld id="{5AF9016E-1FD8-4575-9F0F-FA24CD91C9E2}" type="slidenum">
               <a:rPr lang="nl-NL" smtClean="0"/>
               <a:pPr eaLnBrk="1" hangingPunct="1"/>
-              <a:t>33</a:t>
+              <a:t>34</a:t>
             </a:fld>
             <a:endParaRPr lang="nl-NL"/>
           </a:p>
@@ -11377,7 +11378,7 @@
             <a:fld id="{32110545-A426-45A0-A51E-7A445A8342AF}" type="slidenum">
               <a:rPr lang="nl-NL" smtClean="0"/>
               <a:pPr eaLnBrk="1" hangingPunct="1"/>
-              <a:t>35</a:t>
+              <a:t>36</a:t>
             </a:fld>
             <a:endParaRPr lang="nl-NL"/>
           </a:p>
@@ -11749,7 +11750,7 @@
             <a:fld id="{1534FC16-EE58-40A3-ABD5-DE7D47633F2D}" type="slidenum">
               <a:rPr lang="nl-NL" smtClean="0"/>
               <a:pPr eaLnBrk="1" hangingPunct="1"/>
-              <a:t>37</a:t>
+              <a:t>38</a:t>
             </a:fld>
             <a:endParaRPr lang="nl-NL"/>
           </a:p>
@@ -12125,7 +12126,7 @@
                 </a:solidFill>
               </a:rPr>
               <a:pPr eaLnBrk="1" hangingPunct="1"/>
-              <a:t>38</a:t>
+              <a:t>39</a:t>
             </a:fld>
             <a:endParaRPr lang="en-US" sz="1300">
               <a:solidFill>
@@ -12365,7 +12366,7 @@
                 </a:solidFill>
               </a:rPr>
               <a:pPr eaLnBrk="1" hangingPunct="1"/>
-              <a:t>39</a:t>
+              <a:t>40</a:t>
             </a:fld>
             <a:endParaRPr lang="en-US" sz="1300">
               <a:solidFill>
@@ -12605,7 +12606,7 @@
                 </a:solidFill>
               </a:rPr>
               <a:pPr eaLnBrk="1" hangingPunct="1"/>
-              <a:t>43</a:t>
+              <a:t>44</a:t>
             </a:fld>
             <a:endParaRPr lang="en-US" sz="1200">
               <a:solidFill>
@@ -12845,7 +12846,7 @@
                 </a:solidFill>
               </a:rPr>
               <a:pPr eaLnBrk="1" hangingPunct="1"/>
-              <a:t>44</a:t>
+              <a:t>45</a:t>
             </a:fld>
             <a:endParaRPr lang="en-US" sz="1200">
               <a:solidFill>
@@ -13325,7 +13326,7 @@
                 </a:solidFill>
               </a:rPr>
               <a:pPr eaLnBrk="1" hangingPunct="1"/>
-              <a:t>9</a:t>
+              <a:t>10</a:t>
             </a:fld>
             <a:endParaRPr lang="en-US" sz="1200">
               <a:solidFill>
@@ -13565,7 +13566,7 @@
                 </a:solidFill>
               </a:rPr>
               <a:pPr eaLnBrk="1" hangingPunct="1"/>
-              <a:t>10</a:t>
+              <a:t>11</a:t>
             </a:fld>
             <a:endParaRPr lang="en-US" sz="1200">
               <a:solidFill>
@@ -13805,7 +13806,7 @@
                 </a:solidFill>
               </a:rPr>
               <a:pPr eaLnBrk="1" hangingPunct="1"/>
-              <a:t>13</a:t>
+              <a:t>14</a:t>
             </a:fld>
             <a:endParaRPr lang="en-US" sz="1200">
               <a:solidFill>
@@ -14045,7 +14046,7 @@
                 </a:solidFill>
               </a:rPr>
               <a:pPr eaLnBrk="1" hangingPunct="1"/>
-              <a:t>14</a:t>
+              <a:t>15</a:t>
             </a:fld>
             <a:endParaRPr lang="en-US" sz="1200">
               <a:solidFill>
@@ -14285,7 +14286,7 @@
                 </a:solidFill>
               </a:rPr>
               <a:pPr eaLnBrk="1" hangingPunct="1"/>
-              <a:t>15</a:t>
+              <a:t>16</a:t>
             </a:fld>
             <a:endParaRPr lang="en-US" sz="1200">
               <a:solidFill>
@@ -14525,7 +14526,7 @@
                 </a:solidFill>
               </a:rPr>
               <a:pPr eaLnBrk="1" hangingPunct="1"/>
-              <a:t>19</a:t>
+              <a:t>20</a:t>
             </a:fld>
             <a:endParaRPr lang="en-US" sz="1200">
               <a:solidFill>
@@ -14765,7 +14766,7 @@
                 </a:solidFill>
               </a:rPr>
               <a:pPr eaLnBrk="1" hangingPunct="1"/>
-              <a:t>21</a:t>
+              <a:t>22</a:t>
             </a:fld>
             <a:endParaRPr lang="en-US" sz="1200">
               <a:solidFill>
@@ -15101,7 +15102,7 @@
           <a:p>
             <a:fld id="{2661A00B-007A-4326-8859-8C83DD4C6E5D}" type="datetimeFigureOut">
               <a:rPr lang="nl-BE" smtClean="0"/>
-              <a:t>14/09/2020</a:t>
+              <a:t>5/10/2020</a:t>
             </a:fld>
             <a:endParaRPr lang="nl-BE"/>
           </a:p>
@@ -15394,7 +15395,7 @@
           <a:p>
             <a:fld id="{2661A00B-007A-4326-8859-8C83DD4C6E5D}" type="datetimeFigureOut">
               <a:rPr lang="nl-BE" smtClean="0"/>
-              <a:t>14/09/2020</a:t>
+              <a:t>5/10/2020</a:t>
             </a:fld>
             <a:endParaRPr lang="nl-BE"/>
           </a:p>
@@ -15604,7 +15605,7 @@
           <a:p>
             <a:fld id="{2661A00B-007A-4326-8859-8C83DD4C6E5D}" type="datetimeFigureOut">
               <a:rPr lang="nl-BE" smtClean="0"/>
-              <a:t>14/09/2020</a:t>
+              <a:t>5/10/2020</a:t>
             </a:fld>
             <a:endParaRPr lang="nl-BE"/>
           </a:p>
@@ -15834,7 +15835,7 @@
           <a:p>
             <a:fld id="{2661A00B-007A-4326-8859-8C83DD4C6E5D}" type="datetimeFigureOut">
               <a:rPr lang="nl-BE" smtClean="0"/>
-              <a:t>14/09/2020</a:t>
+              <a:t>5/10/2020</a:t>
             </a:fld>
             <a:endParaRPr lang="nl-BE"/>
           </a:p>
@@ -16110,7 +16111,7 @@
           <a:p>
             <a:fld id="{2661A00B-007A-4326-8859-8C83DD4C6E5D}" type="datetimeFigureOut">
               <a:rPr lang="nl-BE" smtClean="0"/>
-              <a:t>14/09/2020</a:t>
+              <a:t>5/10/2020</a:t>
             </a:fld>
             <a:endParaRPr lang="nl-BE"/>
           </a:p>
@@ -16378,7 +16379,7 @@
           <a:p>
             <a:fld id="{2661A00B-007A-4326-8859-8C83DD4C6E5D}" type="datetimeFigureOut">
               <a:rPr lang="nl-BE" smtClean="0"/>
-              <a:t>14/09/2020</a:t>
+              <a:t>5/10/2020</a:t>
             </a:fld>
             <a:endParaRPr lang="nl-BE"/>
           </a:p>
@@ -16793,7 +16794,7 @@
           <a:p>
             <a:fld id="{2661A00B-007A-4326-8859-8C83DD4C6E5D}" type="datetimeFigureOut">
               <a:rPr lang="nl-BE" smtClean="0"/>
-              <a:t>14/09/2020</a:t>
+              <a:t>5/10/2020</a:t>
             </a:fld>
             <a:endParaRPr lang="nl-BE"/>
           </a:p>
@@ -16935,7 +16936,7 @@
           <a:p>
             <a:fld id="{2661A00B-007A-4326-8859-8C83DD4C6E5D}" type="datetimeFigureOut">
               <a:rPr lang="nl-BE" smtClean="0"/>
-              <a:t>14/09/2020</a:t>
+              <a:t>5/10/2020</a:t>
             </a:fld>
             <a:endParaRPr lang="nl-BE"/>
           </a:p>
@@ -17048,7 +17049,7 @@
           <a:p>
             <a:fld id="{2661A00B-007A-4326-8859-8C83DD4C6E5D}" type="datetimeFigureOut">
               <a:rPr lang="nl-BE" smtClean="0"/>
-              <a:t>14/09/2020</a:t>
+              <a:t>5/10/2020</a:t>
             </a:fld>
             <a:endParaRPr lang="nl-BE"/>
           </a:p>
@@ -17361,7 +17362,7 @@
           <a:p>
             <a:fld id="{2661A00B-007A-4326-8859-8C83DD4C6E5D}" type="datetimeFigureOut">
               <a:rPr lang="nl-BE" smtClean="0"/>
-              <a:t>14/09/2020</a:t>
+              <a:t>5/10/2020</a:t>
             </a:fld>
             <a:endParaRPr lang="nl-BE"/>
           </a:p>
@@ -17654,7 +17655,7 @@
           <a:p>
             <a:fld id="{2661A00B-007A-4326-8859-8C83DD4C6E5D}" type="datetimeFigureOut">
               <a:rPr lang="nl-BE" smtClean="0"/>
-              <a:t>14/09/2020</a:t>
+              <a:t>5/10/2020</a:t>
             </a:fld>
             <a:endParaRPr lang="nl-BE"/>
           </a:p>
@@ -17897,7 +17898,7 @@
           <a:p>
             <a:fld id="{2661A00B-007A-4326-8859-8C83DD4C6E5D}" type="datetimeFigureOut">
               <a:rPr lang="nl-BE" smtClean="0"/>
-              <a:t>14/09/2020</a:t>
+              <a:t>5/10/2020</a:t>
             </a:fld>
             <a:endParaRPr lang="nl-BE"/>
           </a:p>
@@ -18499,6 +18500,125 @@
       </p:grpSpPr>
       <p:sp>
         <p:nvSpPr>
+          <p:cNvPr id="7172" name="Rectangle 2"/>
+          <p:cNvSpPr>
+            <a:spLocks noGrp="1" noChangeArrowheads="1"/>
+          </p:cNvSpPr>
+          <p:nvPr>
+            <p:ph type="title"/>
+          </p:nvPr>
+        </p:nvSpPr>
+        <p:spPr>
+          <a:xfrm>
+            <a:off x="556532" y="643467"/>
+            <a:ext cx="11210925" cy="744836"/>
+          </a:xfrm>
+        </p:spPr>
+        <p:txBody>
+          <a:bodyPr vert="horz" lIns="91440" tIns="45720" rIns="91440" bIns="45720" rtlCol="0" anchor="ctr">
+            <a:normAutofit/>
+          </a:bodyPr>
+          <a:lstStyle/>
+          <a:p>
+            <a:pPr algn="ctr"/>
+            <a:r>
+              <a:rPr lang="en-US" sz="3200" kern="1200">
+                <a:latin typeface="+mj-lt"/>
+                <a:ea typeface="+mj-ea"/>
+                <a:cs typeface="+mj-cs"/>
+              </a:rPr>
+              <a:t>Gebruik van de while loop</a:t>
+            </a:r>
+          </a:p>
+        </p:txBody>
+      </p:sp>
+      <p:pic>
+        <p:nvPicPr>
+          <p:cNvPr id="1026" name="Picture 2">
+            <a:extLst>
+              <a:ext uri="{FF2B5EF4-FFF2-40B4-BE49-F238E27FC236}">
+                <a16:creationId xmlns:a16="http://schemas.microsoft.com/office/drawing/2014/main" id="{DD91C193-5882-4E6C-B0EF-76F77BE31435}"/>
+              </a:ext>
+            </a:extLst>
+          </p:cNvPr>
+          <p:cNvPicPr>
+            <a:picLocks noChangeAspect="1" noChangeArrowheads="1"/>
+          </p:cNvPicPr>
+          <p:nvPr/>
+        </p:nvPicPr>
+        <p:blipFill>
+          <a:blip r:embed="rId3">
+            <a:extLst>
+              <a:ext uri="{28A0092B-C50C-407E-A947-70E740481C1C}">
+                <a14:useLocalDpi xmlns:a14="http://schemas.microsoft.com/office/drawing/2010/main" val="0"/>
+              </a:ext>
+            </a:extLst>
+          </a:blip>
+          <a:srcRect/>
+          <a:stretch>
+            <a:fillRect/>
+          </a:stretch>
+        </p:blipFill>
+        <p:spPr bwMode="auto">
+          <a:xfrm>
+            <a:off x="3313652" y="1545063"/>
+            <a:ext cx="4819563" cy="4757774"/>
+          </a:xfrm>
+          <a:prstGeom prst="rect">
+            <a:avLst/>
+          </a:prstGeom>
+          <a:noFill/>
+          <a:extLst>
+            <a:ext uri="{909E8E84-426E-40DD-AFC4-6F175D3DCCD1}">
+              <a14:hiddenFill xmlns:a14="http://schemas.microsoft.com/office/drawing/2010/main">
+                <a:solidFill>
+                  <a:srgbClr val="FFFFFF"/>
+                </a:solidFill>
+              </a14:hiddenFill>
+            </a:ext>
+          </a:extLst>
+        </p:spPr>
+      </p:pic>
+    </p:spTree>
+    <p:extLst>
+      <p:ext uri="{BB962C8B-B14F-4D97-AF65-F5344CB8AC3E}">
+        <p14:creationId xmlns:p14="http://schemas.microsoft.com/office/powerpoint/2010/main" val="951265260"/>
+      </p:ext>
+    </p:extLst>
+  </p:cSld>
+  <p:clrMapOvr>
+    <a:masterClrMapping/>
+  </p:clrMapOvr>
+</p:sld>
+</file>
+
+<file path=ppt/slides/slide11.xml><?xml version="1.0" encoding="utf-8"?>
+<p:sld xmlns:a="http://schemas.openxmlformats.org/drawingml/2006/main" xmlns:r="http://schemas.openxmlformats.org/officeDocument/2006/relationships" xmlns:p="http://schemas.openxmlformats.org/presentationml/2006/main">
+  <p:cSld>
+    <p:bg>
+      <p:bgPr>
+        <a:solidFill>
+          <a:schemeClr val="bg1"/>
+        </a:solidFill>
+        <a:effectLst/>
+      </p:bgPr>
+    </p:bg>
+    <p:spTree>
+      <p:nvGrpSpPr>
+        <p:cNvPr id="1" name=""/>
+        <p:cNvGrpSpPr/>
+        <p:nvPr/>
+      </p:nvGrpSpPr>
+      <p:grpSpPr>
+        <a:xfrm>
+          <a:off x="0" y="0"/>
+          <a:ext cx="0" cy="0"/>
+          <a:chOff x="0" y="0"/>
+          <a:chExt cx="0" cy="0"/>
+        </a:xfrm>
+      </p:grpSpPr>
+      <p:sp>
+        <p:nvSpPr>
           <p:cNvPr id="8196" name="Rectangle 2"/>
           <p:cNvSpPr>
             <a:spLocks noGrp="1" noChangeArrowheads="1"/>
@@ -18704,7 +18824,7 @@
 </p:sld>
 </file>
 
-<file path=ppt/slides/slide11.xml><?xml version="1.0" encoding="utf-8"?>
+<file path=ppt/slides/slide12.xml><?xml version="1.0" encoding="utf-8"?>
 <p:sld xmlns:a="http://schemas.openxmlformats.org/drawingml/2006/main" xmlns:r="http://schemas.openxmlformats.org/officeDocument/2006/relationships" xmlns:p="http://schemas.openxmlformats.org/presentationml/2006/main">
   <p:cSld>
     <p:spTree>
@@ -18949,7 +19069,7 @@
                   <a:spcPct val="0"/>
                 </a:spcAft>
               </a:pPr>
-              <a:t>11</a:t>
+              <a:t>12</a:t>
             </a:fld>
             <a:endParaRPr lang="nl-NL">
               <a:solidFill>
@@ -19153,7 +19273,7 @@
 </p:sld>
 </file>
 
-<file path=ppt/slides/slide12.xml><?xml version="1.0" encoding="utf-8"?>
+<file path=ppt/slides/slide13.xml><?xml version="1.0" encoding="utf-8"?>
 <p:sld xmlns:a="http://schemas.openxmlformats.org/drawingml/2006/main" xmlns:r="http://schemas.openxmlformats.org/officeDocument/2006/relationships" xmlns:p="http://schemas.openxmlformats.org/presentationml/2006/main">
   <p:cSld>
     <p:spTree>
@@ -19331,7 +19451,7 @@
 </p:sld>
 </file>
 
-<file path=ppt/slides/slide13.xml><?xml version="1.0" encoding="utf-8"?>
+<file path=ppt/slides/slide14.xml><?xml version="1.0" encoding="utf-8"?>
 <p:sld xmlns:a="http://schemas.openxmlformats.org/drawingml/2006/main" xmlns:r="http://schemas.openxmlformats.org/officeDocument/2006/relationships" xmlns:p="http://schemas.openxmlformats.org/presentationml/2006/main">
   <p:cSld>
     <p:spTree>
@@ -19694,7 +19814,7 @@
 </p:sld>
 </file>
 
-<file path=ppt/slides/slide14.xml><?xml version="1.0" encoding="utf-8"?>
+<file path=ppt/slides/slide15.xml><?xml version="1.0" encoding="utf-8"?>
 <p:sld xmlns:a="http://schemas.openxmlformats.org/drawingml/2006/main" xmlns:r="http://schemas.openxmlformats.org/officeDocument/2006/relationships" xmlns:p="http://schemas.openxmlformats.org/presentationml/2006/main">
   <p:cSld>
     <p:spTree>
@@ -20273,7 +20393,7 @@
 </p:sld>
 </file>
 
-<file path=ppt/slides/slide15.xml><?xml version="1.0" encoding="utf-8"?>
+<file path=ppt/slides/slide16.xml><?xml version="1.0" encoding="utf-8"?>
 <p:sld xmlns:a="http://schemas.openxmlformats.org/drawingml/2006/main" xmlns:r="http://schemas.openxmlformats.org/officeDocument/2006/relationships" xmlns:p="http://schemas.openxmlformats.org/presentationml/2006/main">
   <p:cSld>
     <p:bg>
@@ -20446,7 +20566,7 @@
 </p:sld>
 </file>
 
-<file path=ppt/slides/slide16.xml><?xml version="1.0" encoding="utf-8"?>
+<file path=ppt/slides/slide17.xml><?xml version="1.0" encoding="utf-8"?>
 <p:sld xmlns:a="http://schemas.openxmlformats.org/drawingml/2006/main" xmlns:r="http://schemas.openxmlformats.org/officeDocument/2006/relationships" xmlns:p="http://schemas.openxmlformats.org/presentationml/2006/main">
   <p:cSld>
     <p:spTree>
@@ -20592,7 +20712,7 @@
 </p:sld>
 </file>
 
-<file path=ppt/slides/slide17.xml><?xml version="1.0" encoding="utf-8"?>
+<file path=ppt/slides/slide18.xml><?xml version="1.0" encoding="utf-8"?>
 <p:sld xmlns:a="http://schemas.openxmlformats.org/drawingml/2006/main" xmlns:r="http://schemas.openxmlformats.org/officeDocument/2006/relationships" xmlns:p="http://schemas.openxmlformats.org/presentationml/2006/main">
   <p:cSld>
     <p:bg>
@@ -20696,7 +20816,7 @@
 </p:sld>
 </file>
 
-<file path=ppt/slides/slide18.xml><?xml version="1.0" encoding="utf-8"?>
+<file path=ppt/slides/slide19.xml><?xml version="1.0" encoding="utf-8"?>
 <p:sld xmlns:a="http://schemas.openxmlformats.org/drawingml/2006/main" xmlns:r="http://schemas.openxmlformats.org/officeDocument/2006/relationships" xmlns:p="http://schemas.openxmlformats.org/presentationml/2006/main">
   <p:cSld>
     <p:bg>
@@ -20794,7 +20914,169 @@
 </p:sld>
 </file>
 
-<file path=ppt/slides/slide19.xml><?xml version="1.0" encoding="utf-8"?>
+<file path=ppt/slides/slide2.xml><?xml version="1.0" encoding="utf-8"?>
+<p:sld xmlns:a="http://schemas.openxmlformats.org/drawingml/2006/main" xmlns:r="http://schemas.openxmlformats.org/officeDocument/2006/relationships" xmlns:p="http://schemas.openxmlformats.org/presentationml/2006/main">
+  <p:cSld>
+    <p:spTree>
+      <p:nvGrpSpPr>
+        <p:cNvPr id="1" name=""/>
+        <p:cNvGrpSpPr/>
+        <p:nvPr/>
+      </p:nvGrpSpPr>
+      <p:grpSpPr>
+        <a:xfrm>
+          <a:off x="0" y="0"/>
+          <a:ext cx="0" cy="0"/>
+          <a:chOff x="0" y="0"/>
+          <a:chExt cx="0" cy="0"/>
+        </a:xfrm>
+      </p:grpSpPr>
+      <p:sp>
+        <p:nvSpPr>
+          <p:cNvPr id="2" name="Titel 1">
+            <a:extLst>
+              <a:ext uri="{FF2B5EF4-FFF2-40B4-BE49-F238E27FC236}">
+                <a16:creationId xmlns:a16="http://schemas.microsoft.com/office/drawing/2014/main" id="{C85E4D58-B128-4BFB-88F8-66FA5BAE2CD3}"/>
+              </a:ext>
+            </a:extLst>
+          </p:cNvPr>
+          <p:cNvSpPr>
+            <a:spLocks noGrp="1"/>
+          </p:cNvSpPr>
+          <p:nvPr>
+            <p:ph type="title"/>
+          </p:nvPr>
+        </p:nvSpPr>
+        <p:spPr/>
+        <p:txBody>
+          <a:bodyPr/>
+          <a:lstStyle/>
+          <a:p>
+            <a:r>
+              <a:rPr lang="nl-BE" dirty="0"/>
+              <a:t>Program flow</a:t>
+            </a:r>
+          </a:p>
+        </p:txBody>
+      </p:sp>
+      <p:sp>
+        <p:nvSpPr>
+          <p:cNvPr id="3" name="Tijdelijke aanduiding voor inhoud 2">
+            <a:extLst>
+              <a:ext uri="{FF2B5EF4-FFF2-40B4-BE49-F238E27FC236}">
+                <a16:creationId xmlns:a16="http://schemas.microsoft.com/office/drawing/2014/main" id="{B79D9470-41AD-4918-8D94-73E6A0D7E5AD}"/>
+              </a:ext>
+            </a:extLst>
+          </p:cNvPr>
+          <p:cNvSpPr>
+            <a:spLocks noGrp="1"/>
+          </p:cNvSpPr>
+          <p:nvPr>
+            <p:ph idx="1"/>
+          </p:nvPr>
+        </p:nvSpPr>
+        <p:spPr/>
+        <p:txBody>
+          <a:bodyPr/>
+          <a:lstStyle/>
+          <a:p>
+            <a:r>
+              <a:rPr lang="nl-BE" dirty="0"/>
+              <a:t>Na </a:t>
+            </a:r>
+            <a:r>
+              <a:rPr lang="nl-BE" b="1" dirty="0"/>
+              <a:t>‘straight line’ </a:t>
+            </a:r>
+            <a:r>
+              <a:rPr lang="nl-BE" dirty="0"/>
+              <a:t>en </a:t>
+            </a:r>
+            <a:r>
+              <a:rPr lang="nl-BE" b="1" dirty="0"/>
+              <a:t>‘</a:t>
+            </a:r>
+            <a:r>
+              <a:rPr lang="nl-BE" b="1" dirty="0" err="1"/>
+              <a:t>branching</a:t>
+            </a:r>
+            <a:r>
+              <a:rPr lang="nl-BE" b="1" dirty="0"/>
+              <a:t>/beslissingen’</a:t>
+            </a:r>
+            <a:r>
+              <a:rPr lang="nl-BE" dirty="0"/>
+              <a:t> nu ook </a:t>
+            </a:r>
+            <a:r>
+              <a:rPr lang="nl-BE" b="1" dirty="0"/>
+              <a:t>‘herhalingen’</a:t>
+            </a:r>
+            <a:endParaRPr lang="nl-BE" dirty="0"/>
+          </a:p>
+        </p:txBody>
+      </p:sp>
+      <p:pic>
+        <p:nvPicPr>
+          <p:cNvPr id="5122" name="Picture 2" descr="Image result for flow charts with loop funny">
+            <a:extLst>
+              <a:ext uri="{FF2B5EF4-FFF2-40B4-BE49-F238E27FC236}">
+                <a16:creationId xmlns:a16="http://schemas.microsoft.com/office/drawing/2014/main" id="{BCCEF150-FFCF-4E93-9894-7C5C610867E6}"/>
+              </a:ext>
+            </a:extLst>
+          </p:cNvPr>
+          <p:cNvPicPr>
+            <a:picLocks noChangeAspect="1" noChangeArrowheads="1"/>
+          </p:cNvPicPr>
+          <p:nvPr/>
+        </p:nvPicPr>
+        <p:blipFill>
+          <a:blip r:embed="rId2">
+            <a:extLst>
+              <a:ext uri="{28A0092B-C50C-407E-A947-70E740481C1C}">
+                <a14:useLocalDpi xmlns:a14="http://schemas.microsoft.com/office/drawing/2010/main" val="0"/>
+              </a:ext>
+            </a:extLst>
+          </a:blip>
+          <a:srcRect/>
+          <a:stretch>
+            <a:fillRect/>
+          </a:stretch>
+        </p:blipFill>
+        <p:spPr bwMode="auto">
+          <a:xfrm>
+            <a:off x="4706149" y="2571580"/>
+            <a:ext cx="3457575" cy="4114800"/>
+          </a:xfrm>
+          <a:prstGeom prst="rect">
+            <a:avLst/>
+          </a:prstGeom>
+          <a:noFill/>
+          <a:extLst>
+            <a:ext uri="{909E8E84-426E-40DD-AFC4-6F175D3DCCD1}">
+              <a14:hiddenFill xmlns:a14="http://schemas.microsoft.com/office/drawing/2010/main">
+                <a:solidFill>
+                  <a:srgbClr val="FFFFFF"/>
+                </a:solidFill>
+              </a14:hiddenFill>
+            </a:ext>
+          </a:extLst>
+        </p:spPr>
+      </p:pic>
+    </p:spTree>
+    <p:extLst>
+      <p:ext uri="{BB962C8B-B14F-4D97-AF65-F5344CB8AC3E}">
+        <p14:creationId xmlns:p14="http://schemas.microsoft.com/office/powerpoint/2010/main" val="2541441333"/>
+      </p:ext>
+    </p:extLst>
+  </p:cSld>
+  <p:clrMapOvr>
+    <a:masterClrMapping/>
+  </p:clrMapOvr>
+</p:sld>
+</file>
+
+<file path=ppt/slides/slide20.xml><?xml version="1.0" encoding="utf-8"?>
 <p:sld xmlns:a="http://schemas.openxmlformats.org/drawingml/2006/main" xmlns:r="http://schemas.openxmlformats.org/officeDocument/2006/relationships" xmlns:p="http://schemas.openxmlformats.org/presentationml/2006/main">
   <p:cSld>
     <p:bg>
@@ -20921,169 +21203,7 @@
 </p:sld>
 </file>
 
-<file path=ppt/slides/slide2.xml><?xml version="1.0" encoding="utf-8"?>
-<p:sld xmlns:a="http://schemas.openxmlformats.org/drawingml/2006/main" xmlns:r="http://schemas.openxmlformats.org/officeDocument/2006/relationships" xmlns:p="http://schemas.openxmlformats.org/presentationml/2006/main">
-  <p:cSld>
-    <p:spTree>
-      <p:nvGrpSpPr>
-        <p:cNvPr id="1" name=""/>
-        <p:cNvGrpSpPr/>
-        <p:nvPr/>
-      </p:nvGrpSpPr>
-      <p:grpSpPr>
-        <a:xfrm>
-          <a:off x="0" y="0"/>
-          <a:ext cx="0" cy="0"/>
-          <a:chOff x="0" y="0"/>
-          <a:chExt cx="0" cy="0"/>
-        </a:xfrm>
-      </p:grpSpPr>
-      <p:sp>
-        <p:nvSpPr>
-          <p:cNvPr id="2" name="Titel 1">
-            <a:extLst>
-              <a:ext uri="{FF2B5EF4-FFF2-40B4-BE49-F238E27FC236}">
-                <a16:creationId xmlns:a16="http://schemas.microsoft.com/office/drawing/2014/main" id="{C85E4D58-B128-4BFB-88F8-66FA5BAE2CD3}"/>
-              </a:ext>
-            </a:extLst>
-          </p:cNvPr>
-          <p:cNvSpPr>
-            <a:spLocks noGrp="1"/>
-          </p:cNvSpPr>
-          <p:nvPr>
-            <p:ph type="title"/>
-          </p:nvPr>
-        </p:nvSpPr>
-        <p:spPr/>
-        <p:txBody>
-          <a:bodyPr/>
-          <a:lstStyle/>
-          <a:p>
-            <a:r>
-              <a:rPr lang="nl-BE" dirty="0"/>
-              <a:t>Program flow</a:t>
-            </a:r>
-          </a:p>
-        </p:txBody>
-      </p:sp>
-      <p:sp>
-        <p:nvSpPr>
-          <p:cNvPr id="3" name="Tijdelijke aanduiding voor inhoud 2">
-            <a:extLst>
-              <a:ext uri="{FF2B5EF4-FFF2-40B4-BE49-F238E27FC236}">
-                <a16:creationId xmlns:a16="http://schemas.microsoft.com/office/drawing/2014/main" id="{B79D9470-41AD-4918-8D94-73E6A0D7E5AD}"/>
-              </a:ext>
-            </a:extLst>
-          </p:cNvPr>
-          <p:cNvSpPr>
-            <a:spLocks noGrp="1"/>
-          </p:cNvSpPr>
-          <p:nvPr>
-            <p:ph idx="1"/>
-          </p:nvPr>
-        </p:nvSpPr>
-        <p:spPr/>
-        <p:txBody>
-          <a:bodyPr/>
-          <a:lstStyle/>
-          <a:p>
-            <a:r>
-              <a:rPr lang="nl-BE" dirty="0"/>
-              <a:t>Na </a:t>
-            </a:r>
-            <a:r>
-              <a:rPr lang="nl-BE" b="1" dirty="0"/>
-              <a:t>‘straight line’ </a:t>
-            </a:r>
-            <a:r>
-              <a:rPr lang="nl-BE" dirty="0"/>
-              <a:t>en </a:t>
-            </a:r>
-            <a:r>
-              <a:rPr lang="nl-BE" b="1" dirty="0"/>
-              <a:t>‘</a:t>
-            </a:r>
-            <a:r>
-              <a:rPr lang="nl-BE" b="1" dirty="0" err="1"/>
-              <a:t>branching</a:t>
-            </a:r>
-            <a:r>
-              <a:rPr lang="nl-BE" b="1" dirty="0"/>
-              <a:t>/beslissingen’</a:t>
-            </a:r>
-            <a:r>
-              <a:rPr lang="nl-BE" dirty="0"/>
-              <a:t> nu ook </a:t>
-            </a:r>
-            <a:r>
-              <a:rPr lang="nl-BE" b="1" dirty="0"/>
-              <a:t>‘herhalingen’</a:t>
-            </a:r>
-            <a:endParaRPr lang="nl-BE" dirty="0"/>
-          </a:p>
-        </p:txBody>
-      </p:sp>
-      <p:pic>
-        <p:nvPicPr>
-          <p:cNvPr id="5122" name="Picture 2" descr="Image result for flow charts with loop funny">
-            <a:extLst>
-              <a:ext uri="{FF2B5EF4-FFF2-40B4-BE49-F238E27FC236}">
-                <a16:creationId xmlns:a16="http://schemas.microsoft.com/office/drawing/2014/main" id="{BCCEF150-FFCF-4E93-9894-7C5C610867E6}"/>
-              </a:ext>
-            </a:extLst>
-          </p:cNvPr>
-          <p:cNvPicPr>
-            <a:picLocks noChangeAspect="1" noChangeArrowheads="1"/>
-          </p:cNvPicPr>
-          <p:nvPr/>
-        </p:nvPicPr>
-        <p:blipFill>
-          <a:blip r:embed="rId2">
-            <a:extLst>
-              <a:ext uri="{28A0092B-C50C-407E-A947-70E740481C1C}">
-                <a14:useLocalDpi xmlns:a14="http://schemas.microsoft.com/office/drawing/2010/main" val="0"/>
-              </a:ext>
-            </a:extLst>
-          </a:blip>
-          <a:srcRect/>
-          <a:stretch>
-            <a:fillRect/>
-          </a:stretch>
-        </p:blipFill>
-        <p:spPr bwMode="auto">
-          <a:xfrm>
-            <a:off x="4706149" y="2571580"/>
-            <a:ext cx="3457575" cy="4114800"/>
-          </a:xfrm>
-          <a:prstGeom prst="rect">
-            <a:avLst/>
-          </a:prstGeom>
-          <a:noFill/>
-          <a:extLst>
-            <a:ext uri="{909E8E84-426E-40DD-AFC4-6F175D3DCCD1}">
-              <a14:hiddenFill xmlns:a14="http://schemas.microsoft.com/office/drawing/2010/main">
-                <a:solidFill>
-                  <a:srgbClr val="FFFFFF"/>
-                </a:solidFill>
-              </a14:hiddenFill>
-            </a:ext>
-          </a:extLst>
-        </p:spPr>
-      </p:pic>
-    </p:spTree>
-    <p:extLst>
-      <p:ext uri="{BB962C8B-B14F-4D97-AF65-F5344CB8AC3E}">
-        <p14:creationId xmlns:p14="http://schemas.microsoft.com/office/powerpoint/2010/main" val="2541441333"/>
-      </p:ext>
-    </p:extLst>
-  </p:cSld>
-  <p:clrMapOvr>
-    <a:masterClrMapping/>
-  </p:clrMapOvr>
-</p:sld>
-</file>
-
-<file path=ppt/slides/slide20.xml><?xml version="1.0" encoding="utf-8"?>
+<file path=ppt/slides/slide21.xml><?xml version="1.0" encoding="utf-8"?>
 <p:sld xmlns:a="http://schemas.openxmlformats.org/drawingml/2006/main" xmlns:r="http://schemas.openxmlformats.org/officeDocument/2006/relationships" xmlns:p="http://schemas.openxmlformats.org/presentationml/2006/main">
   <p:cSld>
     <p:spTree>
@@ -21541,7 +21661,7 @@
 </p:sld>
 </file>
 
-<file path=ppt/slides/slide21.xml><?xml version="1.0" encoding="utf-8"?>
+<file path=ppt/slides/slide22.xml><?xml version="1.0" encoding="utf-8"?>
 <p:sld xmlns:a="http://schemas.openxmlformats.org/drawingml/2006/main" xmlns:r="http://schemas.openxmlformats.org/officeDocument/2006/relationships" xmlns:p="http://schemas.openxmlformats.org/presentationml/2006/main">
   <p:cSld>
     <p:spTree>
@@ -21759,7 +21879,7 @@
 </p:sld>
 </file>
 
-<file path=ppt/slides/slide22.xml><?xml version="1.0" encoding="utf-8"?>
+<file path=ppt/slides/slide23.xml><?xml version="1.0" encoding="utf-8"?>
 <p:sld xmlns:a="http://schemas.openxmlformats.org/drawingml/2006/main" xmlns:r="http://schemas.openxmlformats.org/officeDocument/2006/relationships" xmlns:p="http://schemas.openxmlformats.org/presentationml/2006/main">
   <p:cSld>
     <p:bg>
@@ -21829,7 +21949,7 @@
 </p:sld>
 </file>
 
-<file path=ppt/slides/slide23.xml><?xml version="1.0" encoding="utf-8"?>
+<file path=ppt/slides/slide24.xml><?xml version="1.0" encoding="utf-8"?>
 <p:sld xmlns:a="http://schemas.openxmlformats.org/drawingml/2006/main" xmlns:r="http://schemas.openxmlformats.org/officeDocument/2006/relationships" xmlns:p="http://schemas.openxmlformats.org/presentationml/2006/main">
   <p:cSld>
     <p:spTree>
@@ -21946,7 +22066,7 @@
 </p:sld>
 </file>
 
-<file path=ppt/slides/slide24.xml><?xml version="1.0" encoding="utf-8"?>
+<file path=ppt/slides/slide25.xml><?xml version="1.0" encoding="utf-8"?>
 <p:sld xmlns:a="http://schemas.openxmlformats.org/drawingml/2006/main" xmlns:r="http://schemas.openxmlformats.org/officeDocument/2006/relationships" xmlns:p="http://schemas.openxmlformats.org/presentationml/2006/main">
   <p:cSld>
     <p:spTree>
@@ -22084,7 +22204,7 @@
 </p:sld>
 </file>
 
-<file path=ppt/slides/slide25.xml><?xml version="1.0" encoding="utf-8"?>
+<file path=ppt/slides/slide26.xml><?xml version="1.0" encoding="utf-8"?>
 <p:sld xmlns:a="http://schemas.openxmlformats.org/drawingml/2006/main" xmlns:r="http://schemas.openxmlformats.org/officeDocument/2006/relationships" xmlns:p="http://schemas.openxmlformats.org/presentationml/2006/main">
   <p:cSld>
     <p:spTree>
@@ -22494,7 +22614,7 @@
 </p:sld>
 </file>
 
-<file path=ppt/slides/slide26.xml><?xml version="1.0" encoding="utf-8"?>
+<file path=ppt/slides/slide27.xml><?xml version="1.0" encoding="utf-8"?>
 <p:sld xmlns:a="http://schemas.openxmlformats.org/drawingml/2006/main" xmlns:r="http://schemas.openxmlformats.org/officeDocument/2006/relationships" xmlns:p="http://schemas.openxmlformats.org/presentationml/2006/main">
   <p:cSld>
     <p:spTree>
@@ -22621,7 +22741,7 @@
 </p:sld>
 </file>
 
-<file path=ppt/slides/slide27.xml><?xml version="1.0" encoding="utf-8"?>
+<file path=ppt/slides/slide28.xml><?xml version="1.0" encoding="utf-8"?>
 <p:sld xmlns:a="http://schemas.openxmlformats.org/drawingml/2006/main" xmlns:r="http://schemas.openxmlformats.org/officeDocument/2006/relationships" xmlns:p="http://schemas.openxmlformats.org/presentationml/2006/main">
   <p:cSld>
     <p:spTree>
@@ -22748,7 +22868,7 @@
 </p:sld>
 </file>
 
-<file path=ppt/slides/slide28.xml><?xml version="1.0" encoding="utf-8"?>
+<file path=ppt/slides/slide29.xml><?xml version="1.0" encoding="utf-8"?>
 <p:sld xmlns:a="http://schemas.openxmlformats.org/drawingml/2006/main" xmlns:r="http://schemas.openxmlformats.org/officeDocument/2006/relationships" xmlns:p="http://schemas.openxmlformats.org/presentationml/2006/main">
   <p:cSld>
     <p:spTree>
@@ -22947,7 +23067,7 @@
           <a:p>
             <a:fld id="{E8A62353-F7CD-46ED-8877-B27D0E33FCF8}" type="slidenum">
               <a:rPr lang="nl-BE" smtClean="0"/>
-              <a:t>28</a:t>
+              <a:t>29</a:t>
             </a:fld>
             <a:endParaRPr lang="nl-BE"/>
           </a:p>
@@ -22957,102 +23077,6 @@
     <p:extLst>
       <p:ext uri="{BB962C8B-B14F-4D97-AF65-F5344CB8AC3E}">
         <p14:creationId xmlns:p14="http://schemas.microsoft.com/office/powerpoint/2010/main" val="3777222418"/>
-      </p:ext>
-    </p:extLst>
-  </p:cSld>
-  <p:clrMapOvr>
-    <a:masterClrMapping/>
-  </p:clrMapOvr>
-</p:sld>
-</file>
-
-<file path=ppt/slides/slide29.xml><?xml version="1.0" encoding="utf-8"?>
-<p:sld xmlns:a="http://schemas.openxmlformats.org/drawingml/2006/main" xmlns:r="http://schemas.openxmlformats.org/officeDocument/2006/relationships" xmlns:p="http://schemas.openxmlformats.org/presentationml/2006/main">
-  <p:cSld>
-    <p:spTree>
-      <p:nvGrpSpPr>
-        <p:cNvPr id="1" name=""/>
-        <p:cNvGrpSpPr/>
-        <p:nvPr/>
-      </p:nvGrpSpPr>
-      <p:grpSpPr>
-        <a:xfrm>
-          <a:off x="0" y="0"/>
-          <a:ext cx="0" cy="0"/>
-          <a:chOff x="0" y="0"/>
-          <a:chExt cx="0" cy="0"/>
-        </a:xfrm>
-      </p:grpSpPr>
-      <p:sp>
-        <p:nvSpPr>
-          <p:cNvPr id="2" name="Titel 1">
-            <a:extLst>
-              <a:ext uri="{FF2B5EF4-FFF2-40B4-BE49-F238E27FC236}">
-                <a16:creationId xmlns:a16="http://schemas.microsoft.com/office/drawing/2014/main" id="{2E9EBEAB-E2B9-406E-BEED-92C5C1834415}"/>
-              </a:ext>
-            </a:extLst>
-          </p:cNvPr>
-          <p:cNvSpPr>
-            <a:spLocks noGrp="1"/>
-          </p:cNvSpPr>
-          <p:nvPr>
-            <p:ph type="ctrTitle"/>
-          </p:nvPr>
-        </p:nvSpPr>
-        <p:spPr>
-          <a:xfrm>
-            <a:off x="1533236" y="1214438"/>
-            <a:ext cx="9144000" cy="2387600"/>
-          </a:xfrm>
-        </p:spPr>
-        <p:txBody>
-          <a:bodyPr/>
-          <a:lstStyle/>
-          <a:p>
-            <a:r>
-              <a:rPr lang="nl-BE" dirty="0"/>
-              <a:t>3. </a:t>
-            </a:r>
-            <a:r>
-              <a:rPr lang="nl-BE" dirty="0" err="1"/>
-              <a:t>for</a:t>
-            </a:r>
-            <a:endParaRPr lang="nl-BE" dirty="0"/>
-          </a:p>
-        </p:txBody>
-      </p:sp>
-      <p:sp>
-        <p:nvSpPr>
-          <p:cNvPr id="3" name="Ondertitel 2">
-            <a:extLst>
-              <a:ext uri="{FF2B5EF4-FFF2-40B4-BE49-F238E27FC236}">
-                <a16:creationId xmlns:a16="http://schemas.microsoft.com/office/drawing/2014/main" id="{239436DF-594E-4536-8B72-F5CDC7A20FE2}"/>
-              </a:ext>
-            </a:extLst>
-          </p:cNvPr>
-          <p:cNvSpPr>
-            <a:spLocks noGrp="1"/>
-          </p:cNvSpPr>
-          <p:nvPr>
-            <p:ph type="subTitle" idx="1"/>
-          </p:nvPr>
-        </p:nvSpPr>
-        <p:spPr/>
-        <p:txBody>
-          <a:bodyPr/>
-          <a:lstStyle/>
-          <a:p>
-            <a:r>
-              <a:rPr lang="nl-BE" dirty="0"/>
-              <a:t>H6. Herhalingen, herhalingen, herhaling</a:t>
-            </a:r>
-          </a:p>
-        </p:txBody>
-      </p:sp>
-    </p:spTree>
-    <p:extLst>
-      <p:ext uri="{BB962C8B-B14F-4D97-AF65-F5344CB8AC3E}">
-        <p14:creationId xmlns:p14="http://schemas.microsoft.com/office/powerpoint/2010/main" val="3595987570"/>
       </p:ext>
     </p:extLst>
   </p:cSld>
@@ -23223,6 +23247,102 @@
 </file>
 
 <file path=ppt/slides/slide30.xml><?xml version="1.0" encoding="utf-8"?>
+<p:sld xmlns:a="http://schemas.openxmlformats.org/drawingml/2006/main" xmlns:r="http://schemas.openxmlformats.org/officeDocument/2006/relationships" xmlns:p="http://schemas.openxmlformats.org/presentationml/2006/main">
+  <p:cSld>
+    <p:spTree>
+      <p:nvGrpSpPr>
+        <p:cNvPr id="1" name=""/>
+        <p:cNvGrpSpPr/>
+        <p:nvPr/>
+      </p:nvGrpSpPr>
+      <p:grpSpPr>
+        <a:xfrm>
+          <a:off x="0" y="0"/>
+          <a:ext cx="0" cy="0"/>
+          <a:chOff x="0" y="0"/>
+          <a:chExt cx="0" cy="0"/>
+        </a:xfrm>
+      </p:grpSpPr>
+      <p:sp>
+        <p:nvSpPr>
+          <p:cNvPr id="2" name="Titel 1">
+            <a:extLst>
+              <a:ext uri="{FF2B5EF4-FFF2-40B4-BE49-F238E27FC236}">
+                <a16:creationId xmlns:a16="http://schemas.microsoft.com/office/drawing/2014/main" id="{2E9EBEAB-E2B9-406E-BEED-92C5C1834415}"/>
+              </a:ext>
+            </a:extLst>
+          </p:cNvPr>
+          <p:cNvSpPr>
+            <a:spLocks noGrp="1"/>
+          </p:cNvSpPr>
+          <p:nvPr>
+            <p:ph type="ctrTitle"/>
+          </p:nvPr>
+        </p:nvSpPr>
+        <p:spPr>
+          <a:xfrm>
+            <a:off x="1533236" y="1214438"/>
+            <a:ext cx="9144000" cy="2387600"/>
+          </a:xfrm>
+        </p:spPr>
+        <p:txBody>
+          <a:bodyPr/>
+          <a:lstStyle/>
+          <a:p>
+            <a:r>
+              <a:rPr lang="nl-BE" dirty="0"/>
+              <a:t>3. </a:t>
+            </a:r>
+            <a:r>
+              <a:rPr lang="nl-BE" dirty="0" err="1"/>
+              <a:t>for</a:t>
+            </a:r>
+            <a:endParaRPr lang="nl-BE" dirty="0"/>
+          </a:p>
+        </p:txBody>
+      </p:sp>
+      <p:sp>
+        <p:nvSpPr>
+          <p:cNvPr id="3" name="Ondertitel 2">
+            <a:extLst>
+              <a:ext uri="{FF2B5EF4-FFF2-40B4-BE49-F238E27FC236}">
+                <a16:creationId xmlns:a16="http://schemas.microsoft.com/office/drawing/2014/main" id="{239436DF-594E-4536-8B72-F5CDC7A20FE2}"/>
+              </a:ext>
+            </a:extLst>
+          </p:cNvPr>
+          <p:cNvSpPr>
+            <a:spLocks noGrp="1"/>
+          </p:cNvSpPr>
+          <p:nvPr>
+            <p:ph type="subTitle" idx="1"/>
+          </p:nvPr>
+        </p:nvSpPr>
+        <p:spPr/>
+        <p:txBody>
+          <a:bodyPr/>
+          <a:lstStyle/>
+          <a:p>
+            <a:r>
+              <a:rPr lang="nl-BE" dirty="0"/>
+              <a:t>H6. Herhalingen, herhalingen, herhaling</a:t>
+            </a:r>
+          </a:p>
+        </p:txBody>
+      </p:sp>
+    </p:spTree>
+    <p:extLst>
+      <p:ext uri="{BB962C8B-B14F-4D97-AF65-F5344CB8AC3E}">
+        <p14:creationId xmlns:p14="http://schemas.microsoft.com/office/powerpoint/2010/main" val="3595987570"/>
+      </p:ext>
+    </p:extLst>
+  </p:cSld>
+  <p:clrMapOvr>
+    <a:masterClrMapping/>
+  </p:clrMapOvr>
+</p:sld>
+</file>
+
+<file path=ppt/slides/slide31.xml><?xml version="1.0" encoding="utf-8"?>
 <p:sld xmlns:a="http://schemas.openxmlformats.org/drawingml/2006/main" xmlns:r="http://schemas.openxmlformats.org/officeDocument/2006/relationships" xmlns:p="http://schemas.openxmlformats.org/presentationml/2006/main">
   <p:cSld>
     <p:spTree>
@@ -23663,7 +23783,7 @@
 </p:sld>
 </file>
 
-<file path=ppt/slides/slide31.xml><?xml version="1.0" encoding="utf-8"?>
+<file path=ppt/slides/slide32.xml><?xml version="1.0" encoding="utf-8"?>
 <p:sld xmlns:a="http://schemas.openxmlformats.org/drawingml/2006/main" xmlns:r="http://schemas.openxmlformats.org/officeDocument/2006/relationships" xmlns:p="http://schemas.openxmlformats.org/presentationml/2006/main">
   <p:cSld>
     <p:spTree>
@@ -23724,7 +23844,7 @@
           <a:p>
             <a:fld id="{E8A62353-F7CD-46ED-8877-B27D0E33FCF8}" type="slidenum">
               <a:rPr lang="nl-BE" smtClean="0"/>
-              <a:t>31</a:t>
+              <a:t>32</a:t>
             </a:fld>
             <a:endParaRPr lang="nl-BE"/>
           </a:p>
@@ -23773,7 +23893,7 @@
 </p:sld>
 </file>
 
-<file path=ppt/slides/slide32.xml><?xml version="1.0" encoding="utf-8"?>
+<file path=ppt/slides/slide33.xml><?xml version="1.0" encoding="utf-8"?>
 <p:sld xmlns:a="http://schemas.openxmlformats.org/drawingml/2006/main" xmlns:r="http://schemas.openxmlformats.org/officeDocument/2006/relationships" xmlns:p="http://schemas.openxmlformats.org/presentationml/2006/main">
   <p:cSld>
     <p:spTree>
@@ -24160,7 +24280,7 @@
 </p:sld>
 </file>
 
-<file path=ppt/slides/slide33.xml><?xml version="1.0" encoding="utf-8"?>
+<file path=ppt/slides/slide34.xml><?xml version="1.0" encoding="utf-8"?>
 <p:sld xmlns:a="http://schemas.openxmlformats.org/drawingml/2006/main" xmlns:r="http://schemas.openxmlformats.org/officeDocument/2006/relationships" xmlns:p="http://schemas.openxmlformats.org/presentationml/2006/main">
   <p:cSld>
     <p:spTree>
@@ -24233,7 +24353,7 @@
           <a:p>
             <a:fld id="{E8A62353-F7CD-46ED-8877-B27D0E33FCF8}" type="slidenum">
               <a:rPr lang="nl-BE" smtClean="0"/>
-              <a:t>33</a:t>
+              <a:t>34</a:t>
             </a:fld>
             <a:endParaRPr lang="nl-BE"/>
           </a:p>
@@ -24588,7 +24708,7 @@
 </p:sld>
 </file>
 
-<file path=ppt/slides/slide34.xml><?xml version="1.0" encoding="utf-8"?>
+<file path=ppt/slides/slide35.xml><?xml version="1.0" encoding="utf-8"?>
 <p:sld xmlns:a="http://schemas.openxmlformats.org/drawingml/2006/main" xmlns:r="http://schemas.openxmlformats.org/officeDocument/2006/relationships" xmlns:p="http://schemas.openxmlformats.org/presentationml/2006/main">
   <p:cSld>
     <p:spTree>
@@ -24734,7 +24854,7 @@
 </p:sld>
 </file>
 
-<file path=ppt/slides/slide35.xml><?xml version="1.0" encoding="utf-8"?>
+<file path=ppt/slides/slide36.xml><?xml version="1.0" encoding="utf-8"?>
 <p:sld xmlns:a="http://schemas.openxmlformats.org/drawingml/2006/main" xmlns:r="http://schemas.openxmlformats.org/officeDocument/2006/relationships" xmlns:p="http://schemas.openxmlformats.org/presentationml/2006/main">
   <p:cSld>
     <p:spTree>
@@ -24830,7 +24950,7 @@
           <a:p>
             <a:fld id="{E8A62353-F7CD-46ED-8877-B27D0E33FCF8}" type="slidenum">
               <a:rPr lang="nl-BE" smtClean="0"/>
-              <a:t>35</a:t>
+              <a:t>36</a:t>
             </a:fld>
             <a:endParaRPr lang="nl-BE"/>
           </a:p>
@@ -25161,7 +25281,7 @@
 </p:sld>
 </file>
 
-<file path=ppt/slides/slide36.xml><?xml version="1.0" encoding="utf-8"?>
+<file path=ppt/slides/slide37.xml><?xml version="1.0" encoding="utf-8"?>
 <p:sld xmlns:a="http://schemas.openxmlformats.org/drawingml/2006/main" xmlns:r="http://schemas.openxmlformats.org/officeDocument/2006/relationships" xmlns:p="http://schemas.openxmlformats.org/presentationml/2006/main">
   <p:cSld>
     <p:spTree>
@@ -25718,7 +25838,7 @@
 </p:sld>
 </file>
 
-<file path=ppt/slides/slide37.xml><?xml version="1.0" encoding="utf-8"?>
+<file path=ppt/slides/slide38.xml><?xml version="1.0" encoding="utf-8"?>
 <p:sld xmlns:a="http://schemas.openxmlformats.org/drawingml/2006/main" xmlns:r="http://schemas.openxmlformats.org/officeDocument/2006/relationships" xmlns:p="http://schemas.openxmlformats.org/presentationml/2006/main">
   <p:cSld>
     <p:spTree>
@@ -25909,7 +26029,7 @@
           <a:p>
             <a:fld id="{E8A62353-F7CD-46ED-8877-B27D0E33FCF8}" type="slidenum">
               <a:rPr lang="nl-BE" smtClean="0"/>
-              <a:t>37</a:t>
+              <a:t>38</a:t>
             </a:fld>
             <a:endParaRPr lang="nl-BE"/>
           </a:p>
@@ -25928,7 +26048,7 @@
 </p:sld>
 </file>
 
-<file path=ppt/slides/slide38.xml><?xml version="1.0" encoding="utf-8"?>
+<file path=ppt/slides/slide39.xml><?xml version="1.0" encoding="utf-8"?>
 <p:sld xmlns:a="http://schemas.openxmlformats.org/drawingml/2006/main" xmlns:r="http://schemas.openxmlformats.org/officeDocument/2006/relationships" xmlns:p="http://schemas.openxmlformats.org/presentationml/2006/main" show="0">
   <p:cSld>
     <p:spTree>
@@ -26044,7 +26164,102 @@
 </p:sld>
 </file>
 
-<file path=ppt/slides/slide39.xml><?xml version="1.0" encoding="utf-8"?>
+<file path=ppt/slides/slide4.xml><?xml version="1.0" encoding="utf-8"?>
+<p:sld xmlns:a="http://schemas.openxmlformats.org/drawingml/2006/main" xmlns:r="http://schemas.openxmlformats.org/officeDocument/2006/relationships" xmlns:p="http://schemas.openxmlformats.org/presentationml/2006/main">
+  <p:cSld>
+    <p:bg>
+      <p:bgPr>
+        <a:solidFill>
+          <a:schemeClr val="bg1"/>
+        </a:solidFill>
+        <a:effectLst/>
+      </p:bgPr>
+    </p:bg>
+    <p:spTree>
+      <p:nvGrpSpPr>
+        <p:cNvPr id="1" name=""/>
+        <p:cNvGrpSpPr/>
+        <p:nvPr/>
+      </p:nvGrpSpPr>
+      <p:grpSpPr>
+        <a:xfrm>
+          <a:off x="0" y="0"/>
+          <a:ext cx="0" cy="0"/>
+          <a:chOff x="0" y="0"/>
+          <a:chExt cx="0" cy="0"/>
+        </a:xfrm>
+      </p:grpSpPr>
+      <p:sp>
+        <p:nvSpPr>
+          <p:cNvPr id="12292" name="Rectangle 2"/>
+          <p:cNvSpPr>
+            <a:spLocks noGrp="1" noChangeArrowheads="1"/>
+          </p:cNvSpPr>
+          <p:nvPr>
+            <p:ph type="title"/>
+          </p:nvPr>
+        </p:nvSpPr>
+        <p:spPr/>
+        <p:txBody>
+          <a:bodyPr>
+            <a:normAutofit/>
+          </a:bodyPr>
+          <a:lstStyle/>
+          <a:p>
+            <a:pPr eaLnBrk="1" hangingPunct="1"/>
+            <a:r>
+              <a:rPr lang="en-US" dirty="0" err="1"/>
+              <a:t>Soorten</a:t>
+            </a:r>
+            <a:r>
+              <a:rPr lang="en-US" dirty="0"/>
+              <a:t> loops</a:t>
+            </a:r>
+          </a:p>
+        </p:txBody>
+      </p:sp>
+      <p:graphicFrame>
+        <p:nvGraphicFramePr>
+          <p:cNvPr id="12295" name="Rectangle 3">
+            <a:extLst>
+              <a:ext uri="{FF2B5EF4-FFF2-40B4-BE49-F238E27FC236}">
+                <a16:creationId xmlns:a16="http://schemas.microsoft.com/office/drawing/2014/main" id="{A0962FB1-C597-4256-AB6A-7894EEB40AE2}"/>
+              </a:ext>
+            </a:extLst>
+          </p:cNvPr>
+          <p:cNvGraphicFramePr/>
+          <p:nvPr>
+            <p:extLst>
+              <p:ext uri="{D42A27DB-BD31-4B8C-83A1-F6EECF244321}">
+                <p14:modId xmlns:p14="http://schemas.microsoft.com/office/powerpoint/2010/main" val="1579173738"/>
+              </p:ext>
+            </p:extLst>
+          </p:nvPr>
+        </p:nvGraphicFramePr>
+        <p:xfrm>
+          <a:off x="838200" y="1825625"/>
+          <a:ext cx="10515600" cy="4351338"/>
+        </p:xfrm>
+        <a:graphic>
+          <a:graphicData uri="http://schemas.openxmlformats.org/drawingml/2006/diagram">
+            <dgm:relIds xmlns:dgm="http://schemas.openxmlformats.org/drawingml/2006/diagram" xmlns:r="http://schemas.openxmlformats.org/officeDocument/2006/relationships" r:dm="rId3" r:lo="rId4" r:qs="rId5" r:cs="rId6"/>
+          </a:graphicData>
+        </a:graphic>
+      </p:graphicFrame>
+    </p:spTree>
+    <p:extLst>
+      <p:ext uri="{BB962C8B-B14F-4D97-AF65-F5344CB8AC3E}">
+        <p14:creationId xmlns:p14="http://schemas.microsoft.com/office/powerpoint/2010/main" val="2466017062"/>
+      </p:ext>
+    </p:extLst>
+  </p:cSld>
+  <p:clrMapOvr>
+    <a:masterClrMapping/>
+  </p:clrMapOvr>
+</p:sld>
+</file>
+
+<file path=ppt/slides/slide40.xml><?xml version="1.0" encoding="utf-8"?>
 <p:sld xmlns:a="http://schemas.openxmlformats.org/drawingml/2006/main" xmlns:r="http://schemas.openxmlformats.org/officeDocument/2006/relationships" xmlns:p="http://schemas.openxmlformats.org/presentationml/2006/main" show="0">
   <p:cSld>
     <p:spTree>
@@ -26128,102 +26343,7 @@
 </p:sld>
 </file>
 
-<file path=ppt/slides/slide4.xml><?xml version="1.0" encoding="utf-8"?>
-<p:sld xmlns:a="http://schemas.openxmlformats.org/drawingml/2006/main" xmlns:r="http://schemas.openxmlformats.org/officeDocument/2006/relationships" xmlns:p="http://schemas.openxmlformats.org/presentationml/2006/main">
-  <p:cSld>
-    <p:bg>
-      <p:bgPr>
-        <a:solidFill>
-          <a:schemeClr val="bg1"/>
-        </a:solidFill>
-        <a:effectLst/>
-      </p:bgPr>
-    </p:bg>
-    <p:spTree>
-      <p:nvGrpSpPr>
-        <p:cNvPr id="1" name=""/>
-        <p:cNvGrpSpPr/>
-        <p:nvPr/>
-      </p:nvGrpSpPr>
-      <p:grpSpPr>
-        <a:xfrm>
-          <a:off x="0" y="0"/>
-          <a:ext cx="0" cy="0"/>
-          <a:chOff x="0" y="0"/>
-          <a:chExt cx="0" cy="0"/>
-        </a:xfrm>
-      </p:grpSpPr>
-      <p:sp>
-        <p:nvSpPr>
-          <p:cNvPr id="12292" name="Rectangle 2"/>
-          <p:cNvSpPr>
-            <a:spLocks noGrp="1" noChangeArrowheads="1"/>
-          </p:cNvSpPr>
-          <p:nvPr>
-            <p:ph type="title"/>
-          </p:nvPr>
-        </p:nvSpPr>
-        <p:spPr/>
-        <p:txBody>
-          <a:bodyPr>
-            <a:normAutofit/>
-          </a:bodyPr>
-          <a:lstStyle/>
-          <a:p>
-            <a:pPr eaLnBrk="1" hangingPunct="1"/>
-            <a:r>
-              <a:rPr lang="en-US" dirty="0" err="1"/>
-              <a:t>Soorten</a:t>
-            </a:r>
-            <a:r>
-              <a:rPr lang="en-US" dirty="0"/>
-              <a:t> loops</a:t>
-            </a:r>
-          </a:p>
-        </p:txBody>
-      </p:sp>
-      <p:graphicFrame>
-        <p:nvGraphicFramePr>
-          <p:cNvPr id="12295" name="Rectangle 3">
-            <a:extLst>
-              <a:ext uri="{FF2B5EF4-FFF2-40B4-BE49-F238E27FC236}">
-                <a16:creationId xmlns:a16="http://schemas.microsoft.com/office/drawing/2014/main" id="{A0962FB1-C597-4256-AB6A-7894EEB40AE2}"/>
-              </a:ext>
-            </a:extLst>
-          </p:cNvPr>
-          <p:cNvGraphicFramePr/>
-          <p:nvPr>
-            <p:extLst>
-              <p:ext uri="{D42A27DB-BD31-4B8C-83A1-F6EECF244321}">
-                <p14:modId xmlns:p14="http://schemas.microsoft.com/office/powerpoint/2010/main" val="1579173738"/>
-              </p:ext>
-            </p:extLst>
-          </p:nvPr>
-        </p:nvGraphicFramePr>
-        <p:xfrm>
-          <a:off x="838200" y="1825625"/>
-          <a:ext cx="10515600" cy="4351338"/>
-        </p:xfrm>
-        <a:graphic>
-          <a:graphicData uri="http://schemas.openxmlformats.org/drawingml/2006/diagram">
-            <dgm:relIds xmlns:dgm="http://schemas.openxmlformats.org/drawingml/2006/diagram" xmlns:r="http://schemas.openxmlformats.org/officeDocument/2006/relationships" r:dm="rId3" r:lo="rId4" r:qs="rId5" r:cs="rId6"/>
-          </a:graphicData>
-        </a:graphic>
-      </p:graphicFrame>
-    </p:spTree>
-    <p:extLst>
-      <p:ext uri="{BB962C8B-B14F-4D97-AF65-F5344CB8AC3E}">
-        <p14:creationId xmlns:p14="http://schemas.microsoft.com/office/powerpoint/2010/main" val="2466017062"/>
-      </p:ext>
-    </p:extLst>
-  </p:cSld>
-  <p:clrMapOvr>
-    <a:masterClrMapping/>
-  </p:clrMapOvr>
-</p:sld>
-</file>
-
-<file path=ppt/slides/slide40.xml><?xml version="1.0" encoding="utf-8"?>
+<file path=ppt/slides/slide41.xml><?xml version="1.0" encoding="utf-8"?>
 <p:sld xmlns:a="http://schemas.openxmlformats.org/drawingml/2006/main" xmlns:r="http://schemas.openxmlformats.org/officeDocument/2006/relationships" xmlns:p="http://schemas.openxmlformats.org/presentationml/2006/main">
   <p:cSld>
     <p:spTree>
@@ -26326,7 +26446,7 @@
               <a:pPr>
                 <a:defRPr/>
               </a:pPr>
-              <a:t>40</a:t>
+              <a:t>41</a:t>
             </a:fld>
             <a:endParaRPr lang="nl-NL" dirty="0"/>
           </a:p>
@@ -26952,7 +27072,7 @@
 </p:sld>
 </file>
 
-<file path=ppt/slides/slide41.xml><?xml version="1.0" encoding="utf-8"?>
+<file path=ppt/slides/slide42.xml><?xml version="1.0" encoding="utf-8"?>
 <p:sld xmlns:a="http://schemas.openxmlformats.org/drawingml/2006/main" xmlns:r="http://schemas.openxmlformats.org/officeDocument/2006/relationships" xmlns:p="http://schemas.openxmlformats.org/presentationml/2006/main">
   <p:cSld>
     <p:spTree>
@@ -27133,7 +27253,7 @@
           <a:p>
             <a:fld id="{E8A62353-F7CD-46ED-8877-B27D0E33FCF8}" type="slidenum">
               <a:rPr lang="nl-BE" smtClean="0"/>
-              <a:t>41</a:t>
+              <a:t>42</a:t>
             </a:fld>
             <a:endParaRPr lang="nl-BE"/>
           </a:p>
@@ -27152,7 +27272,7 @@
 </p:sld>
 </file>
 
-<file path=ppt/slides/slide42.xml><?xml version="1.0" encoding="utf-8"?>
+<file path=ppt/slides/slide43.xml><?xml version="1.0" encoding="utf-8"?>
 <p:sld xmlns:a="http://schemas.openxmlformats.org/drawingml/2006/main" xmlns:r="http://schemas.openxmlformats.org/officeDocument/2006/relationships" xmlns:p="http://schemas.openxmlformats.org/presentationml/2006/main">
   <p:cSld>
     <p:spTree>
@@ -27243,7 +27363,7 @@
 </p:sld>
 </file>
 
-<file path=ppt/slides/slide43.xml><?xml version="1.0" encoding="utf-8"?>
+<file path=ppt/slides/slide44.xml><?xml version="1.0" encoding="utf-8"?>
 <p:sld xmlns:a="http://schemas.openxmlformats.org/drawingml/2006/main" xmlns:r="http://schemas.openxmlformats.org/officeDocument/2006/relationships" xmlns:p="http://schemas.openxmlformats.org/presentationml/2006/main">
   <p:cSld>
     <p:bg>
@@ -27422,7 +27542,7 @@
 </p:sld>
 </file>
 
-<file path=ppt/slides/slide44.xml><?xml version="1.0" encoding="utf-8"?>
+<file path=ppt/slides/slide45.xml><?xml version="1.0" encoding="utf-8"?>
 <p:sld xmlns:a="http://schemas.openxmlformats.org/drawingml/2006/main" xmlns:r="http://schemas.openxmlformats.org/officeDocument/2006/relationships" xmlns:p="http://schemas.openxmlformats.org/presentationml/2006/main">
   <p:cSld>
     <p:spTree>
@@ -27531,7 +27651,7 @@
 </p:sld>
 </file>
 
-<file path=ppt/slides/slide45.xml><?xml version="1.0" encoding="utf-8"?>
+<file path=ppt/slides/slide46.xml><?xml version="1.0" encoding="utf-8"?>
 <p:sld xmlns:a="http://schemas.openxmlformats.org/drawingml/2006/main" xmlns:r="http://schemas.openxmlformats.org/officeDocument/2006/relationships" xmlns:p="http://schemas.openxmlformats.org/presentationml/2006/main">
   <p:cSld>
     <p:spTree>
@@ -28263,7 +28383,7 @@
 </p:sld>
 </file>
 
-<file path=ppt/slides/slide46.xml><?xml version="1.0" encoding="utf-8"?>
+<file path=ppt/slides/slide47.xml><?xml version="1.0" encoding="utf-8"?>
 <p:sld xmlns:a="http://schemas.openxmlformats.org/drawingml/2006/main" xmlns:r="http://schemas.openxmlformats.org/officeDocument/2006/relationships" xmlns:p="http://schemas.openxmlformats.org/presentationml/2006/main">
   <p:cSld>
     <p:spTree>
@@ -28614,7 +28734,7 @@
 </p:sld>
 </file>
 
-<file path=ppt/slides/slide47.xml><?xml version="1.0" encoding="utf-8"?>
+<file path=ppt/slides/slide48.xml><?xml version="1.0" encoding="utf-8"?>
 <p:sld xmlns:a="http://schemas.openxmlformats.org/drawingml/2006/main" xmlns:r="http://schemas.openxmlformats.org/officeDocument/2006/relationships" xmlns:p="http://schemas.openxmlformats.org/presentationml/2006/main">
   <p:cSld>
     <p:spTree>
@@ -29245,7 +29365,7 @@
 </p:sld>
 </file>
 
-<file path=ppt/slides/slide48.xml><?xml version="1.0" encoding="utf-8"?>
+<file path=ppt/slides/slide49.xml><?xml version="1.0" encoding="utf-8"?>
 <p:sld xmlns:a="http://schemas.openxmlformats.org/drawingml/2006/main" xmlns:r="http://schemas.openxmlformats.org/officeDocument/2006/relationships" xmlns:p="http://schemas.openxmlformats.org/presentationml/2006/main">
   <p:cSld>
     <p:spTree>
@@ -29757,381 +29877,6 @@
 </p:sld>
 </file>
 
-<file path=ppt/slides/slide49.xml><?xml version="1.0" encoding="utf-8"?>
-<p:sld xmlns:a="http://schemas.openxmlformats.org/drawingml/2006/main" xmlns:r="http://schemas.openxmlformats.org/officeDocument/2006/relationships" xmlns:p="http://schemas.openxmlformats.org/presentationml/2006/main">
-  <p:cSld>
-    <p:spTree>
-      <p:nvGrpSpPr>
-        <p:cNvPr id="1" name=""/>
-        <p:cNvGrpSpPr/>
-        <p:nvPr/>
-      </p:nvGrpSpPr>
-      <p:grpSpPr>
-        <a:xfrm>
-          <a:off x="0" y="0"/>
-          <a:ext cx="0" cy="0"/>
-          <a:chOff x="0" y="0"/>
-          <a:chExt cx="0" cy="0"/>
-        </a:xfrm>
-      </p:grpSpPr>
-      <p:sp>
-        <p:nvSpPr>
-          <p:cNvPr id="2" name="Titel 1">
-            <a:extLst>
-              <a:ext uri="{FF2B5EF4-FFF2-40B4-BE49-F238E27FC236}">
-                <a16:creationId xmlns:a16="http://schemas.microsoft.com/office/drawing/2014/main" id="{CD5BAAB7-9FCD-4881-832F-1D75F4AAC043}"/>
-              </a:ext>
-            </a:extLst>
-          </p:cNvPr>
-          <p:cNvSpPr>
-            <a:spLocks noGrp="1"/>
-          </p:cNvSpPr>
-          <p:nvPr>
-            <p:ph type="title"/>
-          </p:nvPr>
-        </p:nvSpPr>
-        <p:spPr/>
-        <p:txBody>
-          <a:bodyPr/>
-          <a:lstStyle/>
-          <a:p>
-            <a:r>
-              <a:rPr lang="nl-BE" dirty="0"/>
-              <a:t>Typische fout: </a:t>
-            </a:r>
-            <a:r>
-              <a:rPr lang="nl-BE" dirty="0" err="1"/>
-              <a:t>inner</a:t>
-            </a:r>
-            <a:r>
-              <a:rPr lang="nl-BE" dirty="0"/>
-              <a:t> teller niet </a:t>
-            </a:r>
-            <a:r>
-              <a:rPr lang="nl-BE" dirty="0" err="1"/>
-              <a:t>reseten</a:t>
-            </a:r>
-            <a:endParaRPr lang="nl-BE" dirty="0"/>
-          </a:p>
-        </p:txBody>
-      </p:sp>
-      <p:sp>
-        <p:nvSpPr>
-          <p:cNvPr id="3" name="Tijdelijke aanduiding voor inhoud 2">
-            <a:extLst>
-              <a:ext uri="{FF2B5EF4-FFF2-40B4-BE49-F238E27FC236}">
-                <a16:creationId xmlns:a16="http://schemas.microsoft.com/office/drawing/2014/main" id="{18D3DA70-B3AA-495C-B236-BCD999E06D68}"/>
-              </a:ext>
-            </a:extLst>
-          </p:cNvPr>
-          <p:cNvSpPr>
-            <a:spLocks noGrp="1"/>
-          </p:cNvSpPr>
-          <p:nvPr>
-            <p:ph idx="1"/>
-          </p:nvPr>
-        </p:nvSpPr>
-        <p:spPr/>
-        <p:txBody>
-          <a:bodyPr/>
-          <a:lstStyle/>
-          <a:p>
-            <a:r>
-              <a:rPr lang="nl-BE" dirty="0"/>
-              <a:t>For doet dat voor ons tijdens setup gratis, maar een </a:t>
-            </a:r>
-            <a:r>
-              <a:rPr lang="nl-BE" dirty="0" err="1"/>
-              <a:t>while</a:t>
-            </a:r>
-            <a:r>
-              <a:rPr lang="nl-BE" dirty="0"/>
-              <a:t> niet! Dus moeten we manueel dit doen:</a:t>
-            </a:r>
-          </a:p>
-          <a:p>
-            <a:endParaRPr lang="nl-BE" dirty="0"/>
-          </a:p>
-          <a:p>
-            <a:r>
-              <a:rPr lang="nl-BE" dirty="0"/>
-              <a:t>Deze zal 40 keer op scherm getoond worden nu:</a:t>
-            </a:r>
-          </a:p>
-        </p:txBody>
-      </p:sp>
-      <p:sp>
-        <p:nvSpPr>
-          <p:cNvPr id="5" name="Rechthoek 4">
-            <a:extLst>
-              <a:ext uri="{FF2B5EF4-FFF2-40B4-BE49-F238E27FC236}">
-                <a16:creationId xmlns:a16="http://schemas.microsoft.com/office/drawing/2014/main" id="{59220EF2-1860-4B8F-9EF2-2EF95A7B4FBE}"/>
-              </a:ext>
-            </a:extLst>
-          </p:cNvPr>
-          <p:cNvSpPr/>
-          <p:nvPr/>
-        </p:nvSpPr>
-        <p:spPr>
-          <a:xfrm>
-            <a:off x="3659403" y="3877324"/>
-            <a:ext cx="6096000" cy="2862322"/>
-          </a:xfrm>
-          <a:prstGeom prst="rect">
-            <a:avLst/>
-          </a:prstGeom>
-        </p:spPr>
-        <p:txBody>
-          <a:bodyPr>
-            <a:spAutoFit/>
-          </a:bodyPr>
-          <a:lstStyle/>
-          <a:p>
-            <a:r>
-              <a:rPr lang="nl-BE" dirty="0">
-                <a:solidFill>
-                  <a:srgbClr val="000000"/>
-                </a:solidFill>
-                <a:latin typeface="Consolas" panose="020B0609020204030204" pitchFamily="49" charset="0"/>
-              </a:rPr>
-              <a:t> 	     </a:t>
-            </a:r>
-            <a:r>
-              <a:rPr lang="nl-BE" dirty="0">
-                <a:solidFill>
-                  <a:srgbClr val="0000FF"/>
-                </a:solidFill>
-                <a:latin typeface="Consolas" panose="020B0609020204030204" pitchFamily="49" charset="0"/>
-              </a:rPr>
-              <a:t>int</a:t>
-            </a:r>
-            <a:r>
-              <a:rPr lang="nl-BE" dirty="0">
-                <a:solidFill>
-                  <a:srgbClr val="000000"/>
-                </a:solidFill>
-                <a:latin typeface="Consolas" panose="020B0609020204030204" pitchFamily="49" charset="0"/>
-              </a:rPr>
-              <a:t> teller = 0;</a:t>
-            </a:r>
-          </a:p>
-          <a:p>
-            <a:r>
-              <a:rPr lang="nl-BE" dirty="0">
-                <a:solidFill>
-                  <a:srgbClr val="000000"/>
-                </a:solidFill>
-                <a:latin typeface="Consolas" panose="020B0609020204030204" pitchFamily="49" charset="0"/>
-              </a:rPr>
-              <a:t>	     </a:t>
-            </a:r>
-            <a:r>
-              <a:rPr lang="nl-BE" dirty="0" err="1">
-                <a:solidFill>
-                  <a:srgbClr val="0000FF"/>
-                </a:solidFill>
-                <a:latin typeface="Consolas" panose="020B0609020204030204" pitchFamily="49" charset="0"/>
-              </a:rPr>
-              <a:t>for</a:t>
-            </a:r>
-            <a:r>
-              <a:rPr lang="nl-BE" dirty="0">
-                <a:solidFill>
-                  <a:srgbClr val="000000"/>
-                </a:solidFill>
-                <a:latin typeface="Consolas" panose="020B0609020204030204" pitchFamily="49" charset="0"/>
-              </a:rPr>
-              <a:t> (</a:t>
-            </a:r>
-            <a:r>
-              <a:rPr lang="nl-BE" dirty="0">
-                <a:solidFill>
-                  <a:srgbClr val="0000FF"/>
-                </a:solidFill>
-                <a:latin typeface="Consolas" panose="020B0609020204030204" pitchFamily="49" charset="0"/>
-              </a:rPr>
-              <a:t>int</a:t>
-            </a:r>
-            <a:r>
-              <a:rPr lang="nl-BE" dirty="0">
-                <a:solidFill>
-                  <a:srgbClr val="000000"/>
-                </a:solidFill>
-                <a:latin typeface="Consolas" panose="020B0609020204030204" pitchFamily="49" charset="0"/>
-              </a:rPr>
-              <a:t> j = 0; j &lt; 4; j++)</a:t>
-            </a:r>
-          </a:p>
-          <a:p>
-            <a:r>
-              <a:rPr lang="nl-BE" dirty="0">
-                <a:solidFill>
-                  <a:srgbClr val="000000"/>
-                </a:solidFill>
-                <a:latin typeface="Consolas" panose="020B0609020204030204" pitchFamily="49" charset="0"/>
-              </a:rPr>
-              <a:t>            {</a:t>
-            </a:r>
-          </a:p>
-          <a:p>
-            <a:r>
-              <a:rPr lang="nl-BE" dirty="0">
-                <a:solidFill>
-                  <a:srgbClr val="000000"/>
-                </a:solidFill>
-                <a:latin typeface="Consolas" panose="020B0609020204030204" pitchFamily="49" charset="0"/>
-              </a:rPr>
-              <a:t>        	</a:t>
-            </a:r>
-            <a:r>
-              <a:rPr lang="nl-BE" dirty="0">
-                <a:solidFill>
-                  <a:srgbClr val="000000"/>
-                </a:solidFill>
-                <a:highlight>
-                  <a:srgbClr val="FFFF00"/>
-                </a:highlight>
-                <a:latin typeface="Consolas" panose="020B0609020204030204" pitchFamily="49" charset="0"/>
-              </a:rPr>
-              <a:t> teller = 0;</a:t>
-            </a:r>
-          </a:p>
-          <a:p>
-            <a:r>
-              <a:rPr lang="nl-BE" dirty="0">
-                <a:solidFill>
-                  <a:srgbClr val="000000"/>
-                </a:solidFill>
-                <a:latin typeface="Consolas" panose="020B0609020204030204" pitchFamily="49" charset="0"/>
-              </a:rPr>
-              <a:t>                </a:t>
-            </a:r>
-            <a:r>
-              <a:rPr lang="nl-BE" dirty="0" err="1">
-                <a:solidFill>
-                  <a:srgbClr val="0000FF"/>
-                </a:solidFill>
-                <a:latin typeface="Consolas" panose="020B0609020204030204" pitchFamily="49" charset="0"/>
-              </a:rPr>
-              <a:t>while</a:t>
-            </a:r>
-            <a:r>
-              <a:rPr lang="nl-BE" dirty="0">
-                <a:solidFill>
-                  <a:srgbClr val="000000"/>
-                </a:solidFill>
-                <a:latin typeface="Consolas" panose="020B0609020204030204" pitchFamily="49" charset="0"/>
-              </a:rPr>
-              <a:t> (teller &lt; 10)</a:t>
-            </a:r>
-          </a:p>
-          <a:p>
-            <a:r>
-              <a:rPr lang="nl-BE" dirty="0">
-                <a:solidFill>
-                  <a:srgbClr val="000000"/>
-                </a:solidFill>
-                <a:latin typeface="Consolas" panose="020B0609020204030204" pitchFamily="49" charset="0"/>
-              </a:rPr>
-              <a:t>                {</a:t>
-            </a:r>
-          </a:p>
-          <a:p>
-            <a:r>
-              <a:rPr lang="nl-BE" dirty="0">
-                <a:solidFill>
-                  <a:srgbClr val="000000"/>
-                </a:solidFill>
-                <a:latin typeface="Consolas" panose="020B0609020204030204" pitchFamily="49" charset="0"/>
-              </a:rPr>
-              <a:t>                    </a:t>
-            </a:r>
-            <a:r>
-              <a:rPr lang="nl-BE" dirty="0" err="1">
-                <a:solidFill>
-                  <a:srgbClr val="000000"/>
-                </a:solidFill>
-                <a:latin typeface="Consolas" panose="020B0609020204030204" pitchFamily="49" charset="0"/>
-              </a:rPr>
-              <a:t>Console.WriteLine</a:t>
-            </a:r>
-            <a:r>
-              <a:rPr lang="nl-BE" dirty="0">
-                <a:solidFill>
-                  <a:srgbClr val="000000"/>
-                </a:solidFill>
-                <a:latin typeface="Consolas" panose="020B0609020204030204" pitchFamily="49" charset="0"/>
-              </a:rPr>
-              <a:t>(</a:t>
-            </a:r>
-            <a:r>
-              <a:rPr lang="nl-BE" dirty="0">
-                <a:solidFill>
-                  <a:srgbClr val="A31515"/>
-                </a:solidFill>
-                <a:latin typeface="Consolas" panose="020B0609020204030204" pitchFamily="49" charset="0"/>
-              </a:rPr>
-              <a:t>"Hallo"</a:t>
-            </a:r>
-            <a:r>
-              <a:rPr lang="nl-BE" dirty="0">
-                <a:solidFill>
-                  <a:srgbClr val="000000"/>
-                </a:solidFill>
-                <a:latin typeface="Consolas" panose="020B0609020204030204" pitchFamily="49" charset="0"/>
-              </a:rPr>
-              <a:t>);</a:t>
-            </a:r>
-          </a:p>
-          <a:p>
-            <a:r>
-              <a:rPr lang="nl-BE" dirty="0">
-                <a:solidFill>
-                  <a:srgbClr val="000000"/>
-                </a:solidFill>
-                <a:latin typeface="Consolas" panose="020B0609020204030204" pitchFamily="49" charset="0"/>
-              </a:rPr>
-              <a:t>                    teller++;</a:t>
-            </a:r>
-          </a:p>
-          <a:p>
-            <a:r>
-              <a:rPr lang="nl-BE" dirty="0">
-                <a:solidFill>
-                  <a:srgbClr val="000000"/>
-                </a:solidFill>
-                <a:latin typeface="Consolas" panose="020B0609020204030204" pitchFamily="49" charset="0"/>
-              </a:rPr>
-              <a:t>                }</a:t>
-            </a:r>
-          </a:p>
-          <a:p>
-            <a:r>
-              <a:rPr lang="nl-BE" dirty="0">
-                <a:solidFill>
-                  <a:srgbClr val="000000"/>
-                </a:solidFill>
-                <a:latin typeface="Consolas" panose="020B0609020204030204" pitchFamily="49" charset="0"/>
-              </a:rPr>
-              <a:t>            }</a:t>
-            </a:r>
-            <a:endParaRPr lang="nl-BE" dirty="0"/>
-          </a:p>
-        </p:txBody>
-      </p:sp>
-    </p:spTree>
-    <p:extLst>
-      <p:ext uri="{BB962C8B-B14F-4D97-AF65-F5344CB8AC3E}">
-        <p14:creationId xmlns:p14="http://schemas.microsoft.com/office/powerpoint/2010/main" val="366688626"/>
-      </p:ext>
-    </p:extLst>
-  </p:cSld>
-  <p:clrMapOvr>
-    <a:masterClrMapping/>
-  </p:clrMapOvr>
-</p:sld>
-</file>
-
 <file path=ppt/slides/slide5.xml><?xml version="1.0" encoding="utf-8"?>
 <p:sld xmlns:a="http://schemas.openxmlformats.org/drawingml/2006/main" xmlns:r="http://schemas.openxmlformats.org/officeDocument/2006/relationships" xmlns:p="http://schemas.openxmlformats.org/presentationml/2006/main">
   <p:cSld>
@@ -30560,6 +30305,381 @@
           <p:cNvPr id="2" name="Titel 1">
             <a:extLst>
               <a:ext uri="{FF2B5EF4-FFF2-40B4-BE49-F238E27FC236}">
+                <a16:creationId xmlns:a16="http://schemas.microsoft.com/office/drawing/2014/main" id="{CD5BAAB7-9FCD-4881-832F-1D75F4AAC043}"/>
+              </a:ext>
+            </a:extLst>
+          </p:cNvPr>
+          <p:cNvSpPr>
+            <a:spLocks noGrp="1"/>
+          </p:cNvSpPr>
+          <p:nvPr>
+            <p:ph type="title"/>
+          </p:nvPr>
+        </p:nvSpPr>
+        <p:spPr/>
+        <p:txBody>
+          <a:bodyPr/>
+          <a:lstStyle/>
+          <a:p>
+            <a:r>
+              <a:rPr lang="nl-BE" dirty="0"/>
+              <a:t>Typische fout: </a:t>
+            </a:r>
+            <a:r>
+              <a:rPr lang="nl-BE" dirty="0" err="1"/>
+              <a:t>inner</a:t>
+            </a:r>
+            <a:r>
+              <a:rPr lang="nl-BE" dirty="0"/>
+              <a:t> teller niet </a:t>
+            </a:r>
+            <a:r>
+              <a:rPr lang="nl-BE" dirty="0" err="1"/>
+              <a:t>reseten</a:t>
+            </a:r>
+            <a:endParaRPr lang="nl-BE" dirty="0"/>
+          </a:p>
+        </p:txBody>
+      </p:sp>
+      <p:sp>
+        <p:nvSpPr>
+          <p:cNvPr id="3" name="Tijdelijke aanduiding voor inhoud 2">
+            <a:extLst>
+              <a:ext uri="{FF2B5EF4-FFF2-40B4-BE49-F238E27FC236}">
+                <a16:creationId xmlns:a16="http://schemas.microsoft.com/office/drawing/2014/main" id="{18D3DA70-B3AA-495C-B236-BCD999E06D68}"/>
+              </a:ext>
+            </a:extLst>
+          </p:cNvPr>
+          <p:cNvSpPr>
+            <a:spLocks noGrp="1"/>
+          </p:cNvSpPr>
+          <p:nvPr>
+            <p:ph idx="1"/>
+          </p:nvPr>
+        </p:nvSpPr>
+        <p:spPr/>
+        <p:txBody>
+          <a:bodyPr/>
+          <a:lstStyle/>
+          <a:p>
+            <a:r>
+              <a:rPr lang="nl-BE" dirty="0"/>
+              <a:t>For doet dat voor ons tijdens setup gratis, maar een </a:t>
+            </a:r>
+            <a:r>
+              <a:rPr lang="nl-BE" dirty="0" err="1"/>
+              <a:t>while</a:t>
+            </a:r>
+            <a:r>
+              <a:rPr lang="nl-BE" dirty="0"/>
+              <a:t> niet! Dus moeten we manueel dit doen:</a:t>
+            </a:r>
+          </a:p>
+          <a:p>
+            <a:endParaRPr lang="nl-BE" dirty="0"/>
+          </a:p>
+          <a:p>
+            <a:r>
+              <a:rPr lang="nl-BE" dirty="0"/>
+              <a:t>Deze zal 40 keer op scherm getoond worden nu:</a:t>
+            </a:r>
+          </a:p>
+        </p:txBody>
+      </p:sp>
+      <p:sp>
+        <p:nvSpPr>
+          <p:cNvPr id="5" name="Rechthoek 4">
+            <a:extLst>
+              <a:ext uri="{FF2B5EF4-FFF2-40B4-BE49-F238E27FC236}">
+                <a16:creationId xmlns:a16="http://schemas.microsoft.com/office/drawing/2014/main" id="{59220EF2-1860-4B8F-9EF2-2EF95A7B4FBE}"/>
+              </a:ext>
+            </a:extLst>
+          </p:cNvPr>
+          <p:cNvSpPr/>
+          <p:nvPr/>
+        </p:nvSpPr>
+        <p:spPr>
+          <a:xfrm>
+            <a:off x="3659403" y="3877324"/>
+            <a:ext cx="6096000" cy="2862322"/>
+          </a:xfrm>
+          <a:prstGeom prst="rect">
+            <a:avLst/>
+          </a:prstGeom>
+        </p:spPr>
+        <p:txBody>
+          <a:bodyPr>
+            <a:spAutoFit/>
+          </a:bodyPr>
+          <a:lstStyle/>
+          <a:p>
+            <a:r>
+              <a:rPr lang="nl-BE" dirty="0">
+                <a:solidFill>
+                  <a:srgbClr val="000000"/>
+                </a:solidFill>
+                <a:latin typeface="Consolas" panose="020B0609020204030204" pitchFamily="49" charset="0"/>
+              </a:rPr>
+              <a:t> 	     </a:t>
+            </a:r>
+            <a:r>
+              <a:rPr lang="nl-BE" dirty="0">
+                <a:solidFill>
+                  <a:srgbClr val="0000FF"/>
+                </a:solidFill>
+                <a:latin typeface="Consolas" panose="020B0609020204030204" pitchFamily="49" charset="0"/>
+              </a:rPr>
+              <a:t>int</a:t>
+            </a:r>
+            <a:r>
+              <a:rPr lang="nl-BE" dirty="0">
+                <a:solidFill>
+                  <a:srgbClr val="000000"/>
+                </a:solidFill>
+                <a:latin typeface="Consolas" panose="020B0609020204030204" pitchFamily="49" charset="0"/>
+              </a:rPr>
+              <a:t> teller = 0;</a:t>
+            </a:r>
+          </a:p>
+          <a:p>
+            <a:r>
+              <a:rPr lang="nl-BE" dirty="0">
+                <a:solidFill>
+                  <a:srgbClr val="000000"/>
+                </a:solidFill>
+                <a:latin typeface="Consolas" panose="020B0609020204030204" pitchFamily="49" charset="0"/>
+              </a:rPr>
+              <a:t>	     </a:t>
+            </a:r>
+            <a:r>
+              <a:rPr lang="nl-BE" dirty="0" err="1">
+                <a:solidFill>
+                  <a:srgbClr val="0000FF"/>
+                </a:solidFill>
+                <a:latin typeface="Consolas" panose="020B0609020204030204" pitchFamily="49" charset="0"/>
+              </a:rPr>
+              <a:t>for</a:t>
+            </a:r>
+            <a:r>
+              <a:rPr lang="nl-BE" dirty="0">
+                <a:solidFill>
+                  <a:srgbClr val="000000"/>
+                </a:solidFill>
+                <a:latin typeface="Consolas" panose="020B0609020204030204" pitchFamily="49" charset="0"/>
+              </a:rPr>
+              <a:t> (</a:t>
+            </a:r>
+            <a:r>
+              <a:rPr lang="nl-BE" dirty="0">
+                <a:solidFill>
+                  <a:srgbClr val="0000FF"/>
+                </a:solidFill>
+                <a:latin typeface="Consolas" panose="020B0609020204030204" pitchFamily="49" charset="0"/>
+              </a:rPr>
+              <a:t>int</a:t>
+            </a:r>
+            <a:r>
+              <a:rPr lang="nl-BE" dirty="0">
+                <a:solidFill>
+                  <a:srgbClr val="000000"/>
+                </a:solidFill>
+                <a:latin typeface="Consolas" panose="020B0609020204030204" pitchFamily="49" charset="0"/>
+              </a:rPr>
+              <a:t> j = 0; j &lt; 4; j++)</a:t>
+            </a:r>
+          </a:p>
+          <a:p>
+            <a:r>
+              <a:rPr lang="nl-BE" dirty="0">
+                <a:solidFill>
+                  <a:srgbClr val="000000"/>
+                </a:solidFill>
+                <a:latin typeface="Consolas" panose="020B0609020204030204" pitchFamily="49" charset="0"/>
+              </a:rPr>
+              <a:t>            {</a:t>
+            </a:r>
+          </a:p>
+          <a:p>
+            <a:r>
+              <a:rPr lang="nl-BE" dirty="0">
+                <a:solidFill>
+                  <a:srgbClr val="000000"/>
+                </a:solidFill>
+                <a:latin typeface="Consolas" panose="020B0609020204030204" pitchFamily="49" charset="0"/>
+              </a:rPr>
+              <a:t>        	</a:t>
+            </a:r>
+            <a:r>
+              <a:rPr lang="nl-BE" dirty="0">
+                <a:solidFill>
+                  <a:srgbClr val="000000"/>
+                </a:solidFill>
+                <a:highlight>
+                  <a:srgbClr val="FFFF00"/>
+                </a:highlight>
+                <a:latin typeface="Consolas" panose="020B0609020204030204" pitchFamily="49" charset="0"/>
+              </a:rPr>
+              <a:t> teller = 0;</a:t>
+            </a:r>
+          </a:p>
+          <a:p>
+            <a:r>
+              <a:rPr lang="nl-BE" dirty="0">
+                <a:solidFill>
+                  <a:srgbClr val="000000"/>
+                </a:solidFill>
+                <a:latin typeface="Consolas" panose="020B0609020204030204" pitchFamily="49" charset="0"/>
+              </a:rPr>
+              <a:t>                </a:t>
+            </a:r>
+            <a:r>
+              <a:rPr lang="nl-BE" dirty="0" err="1">
+                <a:solidFill>
+                  <a:srgbClr val="0000FF"/>
+                </a:solidFill>
+                <a:latin typeface="Consolas" panose="020B0609020204030204" pitchFamily="49" charset="0"/>
+              </a:rPr>
+              <a:t>while</a:t>
+            </a:r>
+            <a:r>
+              <a:rPr lang="nl-BE" dirty="0">
+                <a:solidFill>
+                  <a:srgbClr val="000000"/>
+                </a:solidFill>
+                <a:latin typeface="Consolas" panose="020B0609020204030204" pitchFamily="49" charset="0"/>
+              </a:rPr>
+              <a:t> (teller &lt; 10)</a:t>
+            </a:r>
+          </a:p>
+          <a:p>
+            <a:r>
+              <a:rPr lang="nl-BE" dirty="0">
+                <a:solidFill>
+                  <a:srgbClr val="000000"/>
+                </a:solidFill>
+                <a:latin typeface="Consolas" panose="020B0609020204030204" pitchFamily="49" charset="0"/>
+              </a:rPr>
+              <a:t>                {</a:t>
+            </a:r>
+          </a:p>
+          <a:p>
+            <a:r>
+              <a:rPr lang="nl-BE" dirty="0">
+                <a:solidFill>
+                  <a:srgbClr val="000000"/>
+                </a:solidFill>
+                <a:latin typeface="Consolas" panose="020B0609020204030204" pitchFamily="49" charset="0"/>
+              </a:rPr>
+              <a:t>                    </a:t>
+            </a:r>
+            <a:r>
+              <a:rPr lang="nl-BE" dirty="0" err="1">
+                <a:solidFill>
+                  <a:srgbClr val="000000"/>
+                </a:solidFill>
+                <a:latin typeface="Consolas" panose="020B0609020204030204" pitchFamily="49" charset="0"/>
+              </a:rPr>
+              <a:t>Console.WriteLine</a:t>
+            </a:r>
+            <a:r>
+              <a:rPr lang="nl-BE" dirty="0">
+                <a:solidFill>
+                  <a:srgbClr val="000000"/>
+                </a:solidFill>
+                <a:latin typeface="Consolas" panose="020B0609020204030204" pitchFamily="49" charset="0"/>
+              </a:rPr>
+              <a:t>(</a:t>
+            </a:r>
+            <a:r>
+              <a:rPr lang="nl-BE" dirty="0">
+                <a:solidFill>
+                  <a:srgbClr val="A31515"/>
+                </a:solidFill>
+                <a:latin typeface="Consolas" panose="020B0609020204030204" pitchFamily="49" charset="0"/>
+              </a:rPr>
+              <a:t>"Hallo"</a:t>
+            </a:r>
+            <a:r>
+              <a:rPr lang="nl-BE" dirty="0">
+                <a:solidFill>
+                  <a:srgbClr val="000000"/>
+                </a:solidFill>
+                <a:latin typeface="Consolas" panose="020B0609020204030204" pitchFamily="49" charset="0"/>
+              </a:rPr>
+              <a:t>);</a:t>
+            </a:r>
+          </a:p>
+          <a:p>
+            <a:r>
+              <a:rPr lang="nl-BE" dirty="0">
+                <a:solidFill>
+                  <a:srgbClr val="000000"/>
+                </a:solidFill>
+                <a:latin typeface="Consolas" panose="020B0609020204030204" pitchFamily="49" charset="0"/>
+              </a:rPr>
+              <a:t>                    teller++;</a:t>
+            </a:r>
+          </a:p>
+          <a:p>
+            <a:r>
+              <a:rPr lang="nl-BE" dirty="0">
+                <a:solidFill>
+                  <a:srgbClr val="000000"/>
+                </a:solidFill>
+                <a:latin typeface="Consolas" panose="020B0609020204030204" pitchFamily="49" charset="0"/>
+              </a:rPr>
+              <a:t>                }</a:t>
+            </a:r>
+          </a:p>
+          <a:p>
+            <a:r>
+              <a:rPr lang="nl-BE" dirty="0">
+                <a:solidFill>
+                  <a:srgbClr val="000000"/>
+                </a:solidFill>
+                <a:latin typeface="Consolas" panose="020B0609020204030204" pitchFamily="49" charset="0"/>
+              </a:rPr>
+              <a:t>            }</a:t>
+            </a:r>
+            <a:endParaRPr lang="nl-BE" dirty="0"/>
+          </a:p>
+        </p:txBody>
+      </p:sp>
+    </p:spTree>
+    <p:extLst>
+      <p:ext uri="{BB962C8B-B14F-4D97-AF65-F5344CB8AC3E}">
+        <p14:creationId xmlns:p14="http://schemas.microsoft.com/office/powerpoint/2010/main" val="366688626"/>
+      </p:ext>
+    </p:extLst>
+  </p:cSld>
+  <p:clrMapOvr>
+    <a:masterClrMapping/>
+  </p:clrMapOvr>
+</p:sld>
+</file>
+
+<file path=ppt/slides/slide51.xml><?xml version="1.0" encoding="utf-8"?>
+<p:sld xmlns:a="http://schemas.openxmlformats.org/drawingml/2006/main" xmlns:r="http://schemas.openxmlformats.org/officeDocument/2006/relationships" xmlns:p="http://schemas.openxmlformats.org/presentationml/2006/main">
+  <p:cSld>
+    <p:spTree>
+      <p:nvGrpSpPr>
+        <p:cNvPr id="1" name=""/>
+        <p:cNvGrpSpPr/>
+        <p:nvPr/>
+      </p:nvGrpSpPr>
+      <p:grpSpPr>
+        <a:xfrm>
+          <a:off x="0" y="0"/>
+          <a:ext cx="0" cy="0"/>
+          <a:chOff x="0" y="0"/>
+          <a:chExt cx="0" cy="0"/>
+        </a:xfrm>
+      </p:grpSpPr>
+      <p:sp>
+        <p:nvSpPr>
+          <p:cNvPr id="2" name="Titel 1">
+            <a:extLst>
+              <a:ext uri="{FF2B5EF4-FFF2-40B4-BE49-F238E27FC236}">
                 <a16:creationId xmlns:a16="http://schemas.microsoft.com/office/drawing/2014/main" id="{1D5E5DBE-8D4D-41A3-8EBE-56EBD36BA016}"/>
               </a:ext>
             </a:extLst>
@@ -30668,7 +30788,7 @@
 </p:sld>
 </file>
 
-<file path=ppt/slides/slide51.xml><?xml version="1.0" encoding="utf-8"?>
+<file path=ppt/slides/slide52.xml><?xml version="1.0" encoding="utf-8"?>
 <p:sld xmlns:a="http://schemas.openxmlformats.org/drawingml/2006/main" xmlns:r="http://schemas.openxmlformats.org/officeDocument/2006/relationships" xmlns:p="http://schemas.openxmlformats.org/presentationml/2006/main" show="0">
   <p:cSld>
     <p:spTree>
@@ -31131,7 +31251,7 @@
 </p:sld>
 </file>
 
-<file path=ppt/slides/slide52.xml><?xml version="1.0" encoding="utf-8"?>
+<file path=ppt/slides/slide53.xml><?xml version="1.0" encoding="utf-8"?>
 <p:sld xmlns:a="http://schemas.openxmlformats.org/drawingml/2006/main" xmlns:r="http://schemas.openxmlformats.org/officeDocument/2006/relationships" xmlns:p="http://schemas.openxmlformats.org/presentationml/2006/main" show="0">
   <p:cSld>
     <p:bg>
@@ -31291,7 +31411,7 @@
 </p:sld>
 </file>
 
-<file path=ppt/slides/slide53.xml><?xml version="1.0" encoding="utf-8"?>
+<file path=ppt/slides/slide54.xml><?xml version="1.0" encoding="utf-8"?>
 <p:sld xmlns:a="http://schemas.openxmlformats.org/drawingml/2006/main" xmlns:r="http://schemas.openxmlformats.org/officeDocument/2006/relationships" xmlns:p="http://schemas.openxmlformats.org/presentationml/2006/main" show="0">
   <p:cSld>
     <p:spTree>
@@ -31405,7 +31525,7 @@
 </p:sld>
 </file>
 
-<file path=ppt/slides/slide54.xml><?xml version="1.0" encoding="utf-8"?>
+<file path=ppt/slides/slide55.xml><?xml version="1.0" encoding="utf-8"?>
 <p:sld xmlns:a="http://schemas.openxmlformats.org/drawingml/2006/main" xmlns:r="http://schemas.openxmlformats.org/officeDocument/2006/relationships" xmlns:p="http://schemas.openxmlformats.org/presentationml/2006/main" show="0">
   <p:cSld>
     <p:spTree>
@@ -31519,7 +31639,7 @@
 </p:sld>
 </file>
 
-<file path=ppt/slides/slide55.xml><?xml version="1.0" encoding="utf-8"?>
+<file path=ppt/slides/slide56.xml><?xml version="1.0" encoding="utf-8"?>
 <p:sld xmlns:a="http://schemas.openxmlformats.org/drawingml/2006/main" xmlns:r="http://schemas.openxmlformats.org/officeDocument/2006/relationships" xmlns:p="http://schemas.openxmlformats.org/presentationml/2006/main" show="0">
   <p:cSld>
     <p:spTree>
@@ -32052,7 +32172,7 @@
 </p:sld>
 </file>
 
-<file path=ppt/slides/slide56.xml><?xml version="1.0" encoding="utf-8"?>
+<file path=ppt/slides/slide57.xml><?xml version="1.0" encoding="utf-8"?>
 <p:sld xmlns:a="http://schemas.openxmlformats.org/drawingml/2006/main" xmlns:r="http://schemas.openxmlformats.org/officeDocument/2006/relationships" xmlns:p="http://schemas.openxmlformats.org/presentationml/2006/main" show="0">
   <p:cSld>
     <p:spTree>
@@ -33285,6 +33405,139 @@
           <p:cNvPr id="2" name="Titel 1">
             <a:extLst>
               <a:ext uri="{FF2B5EF4-FFF2-40B4-BE49-F238E27FC236}">
+                <a16:creationId xmlns:a16="http://schemas.microsoft.com/office/drawing/2014/main" id="{BEBEE4F9-1C14-45CA-80C8-D9FA556A35FF}"/>
+              </a:ext>
+            </a:extLst>
+          </p:cNvPr>
+          <p:cNvSpPr>
+            <a:spLocks noGrp="1"/>
+          </p:cNvSpPr>
+          <p:nvPr>
+            <p:ph type="title"/>
+          </p:nvPr>
+        </p:nvSpPr>
+        <p:spPr/>
+        <p:txBody>
+          <a:bodyPr/>
+          <a:lstStyle/>
+          <a:p>
+            <a:r>
+              <a:rPr lang="nl-BE" dirty="0"/>
+              <a:t>Loop detectie…</a:t>
+            </a:r>
+          </a:p>
+        </p:txBody>
+      </p:sp>
+      <p:sp>
+        <p:nvSpPr>
+          <p:cNvPr id="3" name="Tijdelijke aanduiding voor inhoud 2">
+            <a:extLst>
+              <a:ext uri="{FF2B5EF4-FFF2-40B4-BE49-F238E27FC236}">
+                <a16:creationId xmlns:a16="http://schemas.microsoft.com/office/drawing/2014/main" id="{55C8211C-DF51-4CA9-8B1A-18C38C846AC9}"/>
+              </a:ext>
+            </a:extLst>
+          </p:cNvPr>
+          <p:cNvSpPr>
+            <a:spLocks noGrp="1"/>
+          </p:cNvSpPr>
+          <p:nvPr>
+            <p:ph idx="1"/>
+          </p:nvPr>
+        </p:nvSpPr>
+        <p:spPr/>
+        <p:txBody>
+          <a:bodyPr/>
+          <a:lstStyle/>
+          <a:p>
+            <a:r>
+              <a:rPr lang="nl-BE" dirty="0"/>
+              <a:t>Lijnen code kopiëren onder elkaar en eventueel licht aanpassen == grote kans dat hier een loop zal mogen gebruikt worden!</a:t>
+            </a:r>
+          </a:p>
+        </p:txBody>
+      </p:sp>
+      <p:pic>
+        <p:nvPicPr>
+          <p:cNvPr id="1026" name="Picture 2" descr="Copy Paste">
+            <a:extLst>
+              <a:ext uri="{FF2B5EF4-FFF2-40B4-BE49-F238E27FC236}">
+                <a16:creationId xmlns:a16="http://schemas.microsoft.com/office/drawing/2014/main" id="{9F5BF15D-D1A7-4CFB-8035-A9E8085C2FC6}"/>
+              </a:ext>
+            </a:extLst>
+          </p:cNvPr>
+          <p:cNvPicPr>
+            <a:picLocks noChangeAspect="1" noChangeArrowheads="1"/>
+          </p:cNvPicPr>
+          <p:nvPr/>
+        </p:nvPicPr>
+        <p:blipFill>
+          <a:blip r:embed="rId2">
+            <a:extLst>
+              <a:ext uri="{28A0092B-C50C-407E-A947-70E740481C1C}">
+                <a14:useLocalDpi xmlns:a14="http://schemas.microsoft.com/office/drawing/2010/main" val="0"/>
+              </a:ext>
+            </a:extLst>
+          </a:blip>
+          <a:srcRect/>
+          <a:stretch>
+            <a:fillRect/>
+          </a:stretch>
+        </p:blipFill>
+        <p:spPr bwMode="auto">
+          <a:xfrm>
+            <a:off x="3204335" y="2764111"/>
+            <a:ext cx="5783330" cy="3860100"/>
+          </a:xfrm>
+          <a:prstGeom prst="rect">
+            <a:avLst/>
+          </a:prstGeom>
+          <a:noFill/>
+          <a:extLst>
+            <a:ext uri="{909E8E84-426E-40DD-AFC4-6F175D3DCCD1}">
+              <a14:hiddenFill xmlns:a14="http://schemas.microsoft.com/office/drawing/2010/main">
+                <a:solidFill>
+                  <a:srgbClr val="FFFFFF"/>
+                </a:solidFill>
+              </a14:hiddenFill>
+            </a:ext>
+          </a:extLst>
+        </p:spPr>
+      </p:pic>
+    </p:spTree>
+    <p:extLst>
+      <p:ext uri="{BB962C8B-B14F-4D97-AF65-F5344CB8AC3E}">
+        <p14:creationId xmlns:p14="http://schemas.microsoft.com/office/powerpoint/2010/main" val="628141215"/>
+      </p:ext>
+    </p:extLst>
+  </p:cSld>
+  <p:clrMapOvr>
+    <a:masterClrMapping/>
+  </p:clrMapOvr>
+</p:sld>
+</file>
+
+<file path=ppt/slides/slide8.xml><?xml version="1.0" encoding="utf-8"?>
+<p:sld xmlns:a="http://schemas.openxmlformats.org/drawingml/2006/main" xmlns:r="http://schemas.openxmlformats.org/officeDocument/2006/relationships" xmlns:p="http://schemas.openxmlformats.org/presentationml/2006/main">
+  <p:cSld>
+    <p:spTree>
+      <p:nvGrpSpPr>
+        <p:cNvPr id="1" name=""/>
+        <p:cNvGrpSpPr/>
+        <p:nvPr/>
+      </p:nvGrpSpPr>
+      <p:grpSpPr>
+        <a:xfrm>
+          <a:off x="0" y="0"/>
+          <a:ext cx="0" cy="0"/>
+          <a:chOff x="0" y="0"/>
+          <a:chExt cx="0" cy="0"/>
+        </a:xfrm>
+      </p:grpSpPr>
+      <p:sp>
+        <p:nvSpPr>
+          <p:cNvPr id="2" name="Titel 1">
+            <a:extLst>
+              <a:ext uri="{FF2B5EF4-FFF2-40B4-BE49-F238E27FC236}">
                 <a16:creationId xmlns:a16="http://schemas.microsoft.com/office/drawing/2014/main" id="{FE0C72CF-8DEE-4E96-AB68-DE5363D9E2A8}"/>
               </a:ext>
             </a:extLst>
@@ -33367,7 +33620,7 @@
 </p:sld>
 </file>
 
-<file path=ppt/slides/slide8.xml><?xml version="1.0" encoding="utf-8"?>
+<file path=ppt/slides/slide9.xml><?xml version="1.0" encoding="utf-8"?>
 <p:sld xmlns:a="http://schemas.openxmlformats.org/drawingml/2006/main" xmlns:r="http://schemas.openxmlformats.org/officeDocument/2006/relationships" xmlns:p="http://schemas.openxmlformats.org/presentationml/2006/main">
   <p:cSld>
     <p:bg>
@@ -33509,125 +33762,6 @@
     <p:extLst>
       <p:ext uri="{BB962C8B-B14F-4D97-AF65-F5344CB8AC3E}">
         <p14:creationId xmlns:p14="http://schemas.microsoft.com/office/powerpoint/2010/main" val="2114551280"/>
-      </p:ext>
-    </p:extLst>
-  </p:cSld>
-  <p:clrMapOvr>
-    <a:masterClrMapping/>
-  </p:clrMapOvr>
-</p:sld>
-</file>
-
-<file path=ppt/slides/slide9.xml><?xml version="1.0" encoding="utf-8"?>
-<p:sld xmlns:a="http://schemas.openxmlformats.org/drawingml/2006/main" xmlns:r="http://schemas.openxmlformats.org/officeDocument/2006/relationships" xmlns:p="http://schemas.openxmlformats.org/presentationml/2006/main">
-  <p:cSld>
-    <p:bg>
-      <p:bgPr>
-        <a:solidFill>
-          <a:schemeClr val="bg1"/>
-        </a:solidFill>
-        <a:effectLst/>
-      </p:bgPr>
-    </p:bg>
-    <p:spTree>
-      <p:nvGrpSpPr>
-        <p:cNvPr id="1" name=""/>
-        <p:cNvGrpSpPr/>
-        <p:nvPr/>
-      </p:nvGrpSpPr>
-      <p:grpSpPr>
-        <a:xfrm>
-          <a:off x="0" y="0"/>
-          <a:ext cx="0" cy="0"/>
-          <a:chOff x="0" y="0"/>
-          <a:chExt cx="0" cy="0"/>
-        </a:xfrm>
-      </p:grpSpPr>
-      <p:sp>
-        <p:nvSpPr>
-          <p:cNvPr id="7172" name="Rectangle 2"/>
-          <p:cNvSpPr>
-            <a:spLocks noGrp="1" noChangeArrowheads="1"/>
-          </p:cNvSpPr>
-          <p:nvPr>
-            <p:ph type="title"/>
-          </p:nvPr>
-        </p:nvSpPr>
-        <p:spPr>
-          <a:xfrm>
-            <a:off x="556532" y="643467"/>
-            <a:ext cx="11210925" cy="744836"/>
-          </a:xfrm>
-        </p:spPr>
-        <p:txBody>
-          <a:bodyPr vert="horz" lIns="91440" tIns="45720" rIns="91440" bIns="45720" rtlCol="0" anchor="ctr">
-            <a:normAutofit/>
-          </a:bodyPr>
-          <a:lstStyle/>
-          <a:p>
-            <a:pPr algn="ctr"/>
-            <a:r>
-              <a:rPr lang="en-US" sz="3200" kern="1200">
-                <a:latin typeface="+mj-lt"/>
-                <a:ea typeface="+mj-ea"/>
-                <a:cs typeface="+mj-cs"/>
-              </a:rPr>
-              <a:t>Gebruik van de while loop</a:t>
-            </a:r>
-          </a:p>
-        </p:txBody>
-      </p:sp>
-      <p:pic>
-        <p:nvPicPr>
-          <p:cNvPr id="1026" name="Picture 2">
-            <a:extLst>
-              <a:ext uri="{FF2B5EF4-FFF2-40B4-BE49-F238E27FC236}">
-                <a16:creationId xmlns:a16="http://schemas.microsoft.com/office/drawing/2014/main" id="{DD91C193-5882-4E6C-B0EF-76F77BE31435}"/>
-              </a:ext>
-            </a:extLst>
-          </p:cNvPr>
-          <p:cNvPicPr>
-            <a:picLocks noChangeAspect="1" noChangeArrowheads="1"/>
-          </p:cNvPicPr>
-          <p:nvPr/>
-        </p:nvPicPr>
-        <p:blipFill>
-          <a:blip r:embed="rId3">
-            <a:extLst>
-              <a:ext uri="{28A0092B-C50C-407E-A947-70E740481C1C}">
-                <a14:useLocalDpi xmlns:a14="http://schemas.microsoft.com/office/drawing/2010/main" val="0"/>
-              </a:ext>
-            </a:extLst>
-          </a:blip>
-          <a:srcRect/>
-          <a:stretch>
-            <a:fillRect/>
-          </a:stretch>
-        </p:blipFill>
-        <p:spPr bwMode="auto">
-          <a:xfrm>
-            <a:off x="3313652" y="1545063"/>
-            <a:ext cx="4819563" cy="4757774"/>
-          </a:xfrm>
-          <a:prstGeom prst="rect">
-            <a:avLst/>
-          </a:prstGeom>
-          <a:noFill/>
-          <a:extLst>
-            <a:ext uri="{909E8E84-426E-40DD-AFC4-6F175D3DCCD1}">
-              <a14:hiddenFill xmlns:a14="http://schemas.microsoft.com/office/drawing/2010/main">
-                <a:solidFill>
-                  <a:srgbClr val="FFFFFF"/>
-                </a:solidFill>
-              </a14:hiddenFill>
-            </a:ext>
-          </a:extLst>
-        </p:spPr>
-      </p:pic>
-    </p:spTree>
-    <p:extLst>
-      <p:ext uri="{BB962C8B-B14F-4D97-AF65-F5344CB8AC3E}">
-        <p14:creationId xmlns:p14="http://schemas.microsoft.com/office/powerpoint/2010/main" val="951265260"/>
       </p:ext>
     </p:extLst>
   </p:cSld>

--- a/_SLIDES/2020_DEEL1/H6- Herhalingen/H6-herhalingen.pptx
+++ b/_SLIDES/2020_DEEL1/H6- Herhalingen/H6-herhalingen.pptx
@@ -5,7 +5,7 @@
     <p:sldMasterId id="2147483660" r:id="rId1"/>
   </p:sldMasterIdLst>
   <p:notesMasterIdLst>
-    <p:notesMasterId r:id="rId59"/>
+    <p:notesMasterId r:id="rId61"/>
   </p:notesMasterIdLst>
   <p:sldIdLst>
     <p:sldId id="326" r:id="rId2"/>
@@ -20,86 +20,88 @@
     <p:sldId id="273" r:id="rId11"/>
     <p:sldId id="275" r:id="rId12"/>
     <p:sldId id="274" r:id="rId13"/>
-    <p:sldId id="276" r:id="rId14"/>
-    <p:sldId id="277" r:id="rId15"/>
-    <p:sldId id="278" r:id="rId16"/>
-    <p:sldId id="279" r:id="rId17"/>
-    <p:sldId id="318" r:id="rId18"/>
-    <p:sldId id="282" r:id="rId19"/>
-    <p:sldId id="283" r:id="rId20"/>
-    <p:sldId id="284" r:id="rId21"/>
-    <p:sldId id="285" r:id="rId22"/>
-    <p:sldId id="286" r:id="rId23"/>
-    <p:sldId id="325" r:id="rId24"/>
-    <p:sldId id="281" r:id="rId25"/>
-    <p:sldId id="317" r:id="rId26"/>
-    <p:sldId id="288" r:id="rId27"/>
-    <p:sldId id="300" r:id="rId28"/>
-    <p:sldId id="301" r:id="rId29"/>
-    <p:sldId id="2011" r:id="rId30"/>
-    <p:sldId id="2012" r:id="rId31"/>
-    <p:sldId id="263" r:id="rId32"/>
-    <p:sldId id="303" r:id="rId33"/>
-    <p:sldId id="264" r:id="rId34"/>
-    <p:sldId id="304" r:id="rId35"/>
-    <p:sldId id="265" r:id="rId36"/>
-    <p:sldId id="305" r:id="rId37"/>
-    <p:sldId id="2013" r:id="rId38"/>
-    <p:sldId id="306" r:id="rId39"/>
-    <p:sldId id="266" r:id="rId40"/>
-    <p:sldId id="267" r:id="rId41"/>
-    <p:sldId id="269" r:id="rId42"/>
-    <p:sldId id="2014" r:id="rId43"/>
-    <p:sldId id="2015" r:id="rId44"/>
-    <p:sldId id="308" r:id="rId45"/>
-    <p:sldId id="309" r:id="rId46"/>
-    <p:sldId id="310" r:id="rId47"/>
-    <p:sldId id="319" r:id="rId48"/>
-    <p:sldId id="322" r:id="rId49"/>
-    <p:sldId id="320" r:id="rId50"/>
-    <p:sldId id="321" r:id="rId51"/>
-    <p:sldId id="323" r:id="rId52"/>
-    <p:sldId id="324" r:id="rId53"/>
-    <p:sldId id="313" r:id="rId54"/>
-    <p:sldId id="312" r:id="rId55"/>
-    <p:sldId id="314" r:id="rId56"/>
-    <p:sldId id="315" r:id="rId57"/>
-    <p:sldId id="316" r:id="rId58"/>
+    <p:sldId id="2017" r:id="rId14"/>
+    <p:sldId id="276" r:id="rId15"/>
+    <p:sldId id="277" r:id="rId16"/>
+    <p:sldId id="278" r:id="rId17"/>
+    <p:sldId id="279" r:id="rId18"/>
+    <p:sldId id="318" r:id="rId19"/>
+    <p:sldId id="2018" r:id="rId20"/>
+    <p:sldId id="282" r:id="rId21"/>
+    <p:sldId id="283" r:id="rId22"/>
+    <p:sldId id="284" r:id="rId23"/>
+    <p:sldId id="285" r:id="rId24"/>
+    <p:sldId id="286" r:id="rId25"/>
+    <p:sldId id="325" r:id="rId26"/>
+    <p:sldId id="281" r:id="rId27"/>
+    <p:sldId id="317" r:id="rId28"/>
+    <p:sldId id="288" r:id="rId29"/>
+    <p:sldId id="300" r:id="rId30"/>
+    <p:sldId id="301" r:id="rId31"/>
+    <p:sldId id="2011" r:id="rId32"/>
+    <p:sldId id="2012" r:id="rId33"/>
+    <p:sldId id="263" r:id="rId34"/>
+    <p:sldId id="303" r:id="rId35"/>
+    <p:sldId id="264" r:id="rId36"/>
+    <p:sldId id="304" r:id="rId37"/>
+    <p:sldId id="265" r:id="rId38"/>
+    <p:sldId id="305" r:id="rId39"/>
+    <p:sldId id="2013" r:id="rId40"/>
+    <p:sldId id="306" r:id="rId41"/>
+    <p:sldId id="266" r:id="rId42"/>
+    <p:sldId id="267" r:id="rId43"/>
+    <p:sldId id="269" r:id="rId44"/>
+    <p:sldId id="2014" r:id="rId45"/>
+    <p:sldId id="2015" r:id="rId46"/>
+    <p:sldId id="308" r:id="rId47"/>
+    <p:sldId id="309" r:id="rId48"/>
+    <p:sldId id="310" r:id="rId49"/>
+    <p:sldId id="319" r:id="rId50"/>
+    <p:sldId id="322" r:id="rId51"/>
+    <p:sldId id="320" r:id="rId52"/>
+    <p:sldId id="321" r:id="rId53"/>
+    <p:sldId id="323" r:id="rId54"/>
+    <p:sldId id="324" r:id="rId55"/>
+    <p:sldId id="313" r:id="rId56"/>
+    <p:sldId id="312" r:id="rId57"/>
+    <p:sldId id="314" r:id="rId58"/>
+    <p:sldId id="315" r:id="rId59"/>
+    <p:sldId id="316" r:id="rId60"/>
   </p:sldIdLst>
   <p:sldSz cx="12192000" cy="6858000"/>
   <p:notesSz cx="6858000" cy="9144000"/>
   <p:embeddedFontLst>
     <p:embeddedFont>
       <p:font typeface="Archivo Narrow" panose="020B0506020202020B04" pitchFamily="34" charset="0"/>
-      <p:regular r:id="rId60"/>
-      <p:bold r:id="rId61"/>
-      <p:italic r:id="rId62"/>
+      <p:regular r:id="rId62"/>
+      <p:bold r:id="rId63"/>
+      <p:italic r:id="rId64"/>
     </p:embeddedFont>
     <p:embeddedFont>
       <p:font typeface="Blogger Sans" panose="02000506030000020004" pitchFamily="50" charset="0"/>
-      <p:regular r:id="rId63"/>
-      <p:bold r:id="rId64"/>
+      <p:regular r:id="rId65"/>
+      <p:bold r:id="rId66"/>
     </p:embeddedFont>
     <p:embeddedFont>
       <p:font typeface="Calibri" panose="020F0502020204030204" pitchFamily="34" charset="0"/>
-      <p:regular r:id="rId65"/>
-      <p:bold r:id="rId66"/>
-      <p:italic r:id="rId67"/>
-      <p:boldItalic r:id="rId68"/>
+      <p:regular r:id="rId67"/>
+      <p:bold r:id="rId68"/>
+      <p:italic r:id="rId69"/>
+      <p:boldItalic r:id="rId70"/>
     </p:embeddedFont>
     <p:embeddedFont>
       <p:font typeface="Consolas" panose="020B0609020204030204" pitchFamily="49" charset="0"/>
-      <p:regular r:id="rId69"/>
-      <p:bold r:id="rId70"/>
-      <p:italic r:id="rId71"/>
-      <p:boldItalic r:id="rId72"/>
+      <p:regular r:id="rId71"/>
+      <p:bold r:id="rId72"/>
+      <p:italic r:id="rId73"/>
+      <p:boldItalic r:id="rId74"/>
     </p:embeddedFont>
     <p:embeddedFont>
       <p:font typeface="Segoe UI" panose="020B0502040204020203" pitchFamily="34" charset="0"/>
-      <p:regular r:id="rId73"/>
-      <p:bold r:id="rId74"/>
-      <p:italic r:id="rId75"/>
-      <p:boldItalic r:id="rId76"/>
+      <p:regular r:id="rId75"/>
+      <p:bold r:id="rId76"/>
+      <p:italic r:id="rId77"/>
+      <p:boldItalic r:id="rId78"/>
     </p:embeddedFont>
   </p:embeddedFontLst>
   <p:defaultTextStyle>
@@ -10300,7 +10302,7 @@
                 </a:solidFill>
               </a:rPr>
               <a:pPr eaLnBrk="1" hangingPunct="1"/>
-              <a:t>24</a:t>
+              <a:t>26</a:t>
             </a:fld>
             <a:endParaRPr lang="en-US" sz="1200">
               <a:solidFill>
@@ -10536,7 +10538,7 @@
             <a:fld id="{5AF9016E-1FD8-4575-9F0F-FA24CD91C9E2}" type="slidenum">
               <a:rPr lang="nl-NL" smtClean="0"/>
               <a:pPr eaLnBrk="1" hangingPunct="1"/>
-              <a:t>32</a:t>
+              <a:t>34</a:t>
             </a:fld>
             <a:endParaRPr lang="nl-NL"/>
           </a:p>
@@ -10828,7 +10830,7 @@
               <a:pPr>
                 <a:defRPr/>
               </a:pPr>
-              <a:t>33</a:t>
+              <a:t>35</a:t>
             </a:fld>
             <a:endParaRPr lang="en-US">
               <a:solidFill>
@@ -11006,7 +11008,7 @@
             <a:fld id="{5AF9016E-1FD8-4575-9F0F-FA24CD91C9E2}" type="slidenum">
               <a:rPr lang="nl-NL" smtClean="0"/>
               <a:pPr eaLnBrk="1" hangingPunct="1"/>
-              <a:t>34</a:t>
+              <a:t>36</a:t>
             </a:fld>
             <a:endParaRPr lang="nl-NL"/>
           </a:p>
@@ -11378,7 +11380,7 @@
             <a:fld id="{32110545-A426-45A0-A51E-7A445A8342AF}" type="slidenum">
               <a:rPr lang="nl-NL" smtClean="0"/>
               <a:pPr eaLnBrk="1" hangingPunct="1"/>
-              <a:t>36</a:t>
+              <a:t>38</a:t>
             </a:fld>
             <a:endParaRPr lang="nl-NL"/>
           </a:p>
@@ -11750,7 +11752,7 @@
             <a:fld id="{1534FC16-EE58-40A3-ABD5-DE7D47633F2D}" type="slidenum">
               <a:rPr lang="nl-NL" smtClean="0"/>
               <a:pPr eaLnBrk="1" hangingPunct="1"/>
-              <a:t>38</a:t>
+              <a:t>40</a:t>
             </a:fld>
             <a:endParaRPr lang="nl-NL"/>
           </a:p>
@@ -12126,7 +12128,7 @@
                 </a:solidFill>
               </a:rPr>
               <a:pPr eaLnBrk="1" hangingPunct="1"/>
-              <a:t>39</a:t>
+              <a:t>41</a:t>
             </a:fld>
             <a:endParaRPr lang="en-US" sz="1300">
               <a:solidFill>
@@ -12366,7 +12368,7 @@
                 </a:solidFill>
               </a:rPr>
               <a:pPr eaLnBrk="1" hangingPunct="1"/>
-              <a:t>40</a:t>
+              <a:t>42</a:t>
             </a:fld>
             <a:endParaRPr lang="en-US" sz="1300">
               <a:solidFill>
@@ -12606,7 +12608,7 @@
                 </a:solidFill>
               </a:rPr>
               <a:pPr eaLnBrk="1" hangingPunct="1"/>
-              <a:t>44</a:t>
+              <a:t>46</a:t>
             </a:fld>
             <a:endParaRPr lang="en-US" sz="1200">
               <a:solidFill>
@@ -12846,7 +12848,7 @@
                 </a:solidFill>
               </a:rPr>
               <a:pPr eaLnBrk="1" hangingPunct="1"/>
-              <a:t>45</a:t>
+              <a:t>47</a:t>
             </a:fld>
             <a:endParaRPr lang="en-US" sz="1200">
               <a:solidFill>
@@ -13806,7 +13808,7 @@
                 </a:solidFill>
               </a:rPr>
               <a:pPr eaLnBrk="1" hangingPunct="1"/>
-              <a:t>14</a:t>
+              <a:t>15</a:t>
             </a:fld>
             <a:endParaRPr lang="en-US" sz="1200">
               <a:solidFill>
@@ -14046,7 +14048,7 @@
                 </a:solidFill>
               </a:rPr>
               <a:pPr eaLnBrk="1" hangingPunct="1"/>
-              <a:t>15</a:t>
+              <a:t>16</a:t>
             </a:fld>
             <a:endParaRPr lang="en-US" sz="1200">
               <a:solidFill>
@@ -14286,7 +14288,7 @@
                 </a:solidFill>
               </a:rPr>
               <a:pPr eaLnBrk="1" hangingPunct="1"/>
-              <a:t>16</a:t>
+              <a:t>17</a:t>
             </a:fld>
             <a:endParaRPr lang="en-US" sz="1200">
               <a:solidFill>
@@ -14526,7 +14528,7 @@
                 </a:solidFill>
               </a:rPr>
               <a:pPr eaLnBrk="1" hangingPunct="1"/>
-              <a:t>20</a:t>
+              <a:t>22</a:t>
             </a:fld>
             <a:endParaRPr lang="en-US" sz="1200">
               <a:solidFill>
@@ -14766,7 +14768,7 @@
                 </a:solidFill>
               </a:rPr>
               <a:pPr eaLnBrk="1" hangingPunct="1"/>
-              <a:t>22</a:t>
+              <a:t>24</a:t>
             </a:fld>
             <a:endParaRPr lang="en-US" sz="1200">
               <a:solidFill>
@@ -18825,7 +18827,7 @@
 </file>
 
 <file path=ppt/slides/slide12.xml><?xml version="1.0" encoding="utf-8"?>
-<p:sld xmlns:a="http://schemas.openxmlformats.org/drawingml/2006/main" xmlns:r="http://schemas.openxmlformats.org/officeDocument/2006/relationships" xmlns:p="http://schemas.openxmlformats.org/presentationml/2006/main">
+<p:sld xmlns:a="http://schemas.openxmlformats.org/drawingml/2006/main" xmlns:r="http://schemas.openxmlformats.org/officeDocument/2006/relationships" xmlns:p="http://schemas.openxmlformats.org/presentationml/2006/main" show="0">
   <p:cSld>
     <p:spTree>
       <p:nvGrpSpPr>
@@ -19292,6 +19294,207 @@
       </p:grpSpPr>
       <p:sp>
         <p:nvSpPr>
+          <p:cNvPr id="2" name="Titel 1">
+            <a:extLst>
+              <a:ext uri="{FF2B5EF4-FFF2-40B4-BE49-F238E27FC236}">
+                <a16:creationId xmlns:a16="http://schemas.microsoft.com/office/drawing/2014/main" id="{DEA37EB1-D991-4BD1-B2A4-3FAA24191CB2}"/>
+              </a:ext>
+            </a:extLst>
+          </p:cNvPr>
+          <p:cNvSpPr>
+            <a:spLocks noGrp="1"/>
+          </p:cNvSpPr>
+          <p:nvPr>
+            <p:ph type="title"/>
+          </p:nvPr>
+        </p:nvSpPr>
+        <p:spPr/>
+        <p:txBody>
+          <a:bodyPr/>
+          <a:lstStyle/>
+          <a:p>
+            <a:r>
+              <a:rPr lang="nl-BE" dirty="0"/>
+              <a:t>Demo time</a:t>
+            </a:r>
+          </a:p>
+        </p:txBody>
+      </p:sp>
+      <p:sp>
+        <p:nvSpPr>
+          <p:cNvPr id="3" name="Tijdelijke aanduiding voor inhoud 2">
+            <a:extLst>
+              <a:ext uri="{FF2B5EF4-FFF2-40B4-BE49-F238E27FC236}">
+                <a16:creationId xmlns:a16="http://schemas.microsoft.com/office/drawing/2014/main" id="{0C497EC5-0E53-451E-9A6A-6A7435CDBDF4}"/>
+              </a:ext>
+            </a:extLst>
+          </p:cNvPr>
+          <p:cNvSpPr>
+            <a:spLocks noGrp="1"/>
+          </p:cNvSpPr>
+          <p:nvPr>
+            <p:ph idx="1"/>
+          </p:nvPr>
+        </p:nvSpPr>
+        <p:spPr/>
+        <p:txBody>
+          <a:bodyPr/>
+          <a:lstStyle/>
+          <a:p>
+            <a:r>
+              <a:rPr lang="nl-BE" dirty="0" err="1"/>
+              <a:t>While</a:t>
+            </a:r>
+            <a:endParaRPr lang="nl-BE" dirty="0"/>
+          </a:p>
+          <a:p>
+            <a:endParaRPr lang="nl-BE" dirty="0"/>
+          </a:p>
+          <a:p>
+            <a:endParaRPr lang="nl-BE" dirty="0"/>
+          </a:p>
+          <a:p>
+            <a:endParaRPr lang="nl-BE" dirty="0"/>
+          </a:p>
+        </p:txBody>
+      </p:sp>
+      <p:sp>
+        <p:nvSpPr>
+          <p:cNvPr id="4" name="Tijdelijke aanduiding voor voettekst 3">
+            <a:extLst>
+              <a:ext uri="{FF2B5EF4-FFF2-40B4-BE49-F238E27FC236}">
+                <a16:creationId xmlns:a16="http://schemas.microsoft.com/office/drawing/2014/main" id="{D096920B-D69A-472B-950F-3005BC5B29F5}"/>
+              </a:ext>
+            </a:extLst>
+          </p:cNvPr>
+          <p:cNvSpPr>
+            <a:spLocks noGrp="1"/>
+          </p:cNvSpPr>
+          <p:nvPr>
+            <p:ph type="ftr" sz="quarter" idx="11"/>
+          </p:nvPr>
+        </p:nvSpPr>
+        <p:spPr/>
+        <p:txBody>
+          <a:bodyPr/>
+          <a:lstStyle/>
+          <a:p>
+            <a:r>
+              <a:rPr lang="nl-BE"/>
+              <a:t>Zie scherp</a:t>
+            </a:r>
+            <a:endParaRPr lang="nl-BE" dirty="0"/>
+          </a:p>
+        </p:txBody>
+      </p:sp>
+      <p:pic>
+        <p:nvPicPr>
+          <p:cNvPr id="2050" name="Picture 2">
+            <a:extLst>
+              <a:ext uri="{FF2B5EF4-FFF2-40B4-BE49-F238E27FC236}">
+                <a16:creationId xmlns:a16="http://schemas.microsoft.com/office/drawing/2014/main" id="{10ACCB77-444E-4CE2-8971-A6B218E6DB4A}"/>
+              </a:ext>
+            </a:extLst>
+          </p:cNvPr>
+          <p:cNvPicPr>
+            <a:picLocks noChangeAspect="1" noChangeArrowheads="1"/>
+          </p:cNvPicPr>
+          <p:nvPr/>
+        </p:nvPicPr>
+        <p:blipFill>
+          <a:blip r:embed="rId2">
+            <a:extLst>
+              <a:ext uri="{28A0092B-C50C-407E-A947-70E740481C1C}">
+                <a14:useLocalDpi xmlns:a14="http://schemas.microsoft.com/office/drawing/2010/main" val="0"/>
+              </a:ext>
+            </a:extLst>
+          </a:blip>
+          <a:srcRect/>
+          <a:stretch>
+            <a:fillRect/>
+          </a:stretch>
+        </p:blipFill>
+        <p:spPr bwMode="auto">
+          <a:xfrm>
+            <a:off x="6494388" y="-353661"/>
+            <a:ext cx="5088012" cy="7565321"/>
+          </a:xfrm>
+          <a:prstGeom prst="rect">
+            <a:avLst/>
+          </a:prstGeom>
+          <a:noFill/>
+          <a:extLst>
+            <a:ext uri="{909E8E84-426E-40DD-AFC4-6F175D3DCCD1}">
+              <a14:hiddenFill xmlns:a14="http://schemas.microsoft.com/office/drawing/2010/main">
+                <a:solidFill>
+                  <a:srgbClr val="FFFFFF"/>
+                </a:solidFill>
+              </a14:hiddenFill>
+            </a:ext>
+          </a:extLst>
+        </p:spPr>
+      </p:pic>
+      <p:sp>
+        <p:nvSpPr>
+          <p:cNvPr id="6" name="Tijdelijke aanduiding voor dianummer 5">
+            <a:extLst>
+              <a:ext uri="{FF2B5EF4-FFF2-40B4-BE49-F238E27FC236}">
+                <a16:creationId xmlns:a16="http://schemas.microsoft.com/office/drawing/2014/main" id="{4C2D247D-CB46-42C2-BD5D-0E3892A4FBC5}"/>
+              </a:ext>
+            </a:extLst>
+          </p:cNvPr>
+          <p:cNvSpPr>
+            <a:spLocks noGrp="1"/>
+          </p:cNvSpPr>
+          <p:nvPr>
+            <p:ph type="sldNum" sz="quarter" idx="12"/>
+          </p:nvPr>
+        </p:nvSpPr>
+        <p:spPr/>
+        <p:txBody>
+          <a:bodyPr/>
+          <a:lstStyle/>
+          <a:p>
+            <a:fld id="{E8A62353-F7CD-46ED-8877-B27D0E33FCF8}" type="slidenum">
+              <a:rPr lang="nl-BE" smtClean="0"/>
+              <a:t>13</a:t>
+            </a:fld>
+            <a:endParaRPr lang="nl-BE"/>
+          </a:p>
+        </p:txBody>
+      </p:sp>
+    </p:spTree>
+    <p:extLst>
+      <p:ext uri="{BB962C8B-B14F-4D97-AF65-F5344CB8AC3E}">
+        <p14:creationId xmlns:p14="http://schemas.microsoft.com/office/powerpoint/2010/main" val="2014636525"/>
+      </p:ext>
+    </p:extLst>
+  </p:cSld>
+  <p:clrMapOvr>
+    <a:masterClrMapping/>
+  </p:clrMapOvr>
+</p:sld>
+</file>
+
+<file path=ppt/slides/slide14.xml><?xml version="1.0" encoding="utf-8"?>
+<p:sld xmlns:a="http://schemas.openxmlformats.org/drawingml/2006/main" xmlns:r="http://schemas.openxmlformats.org/officeDocument/2006/relationships" xmlns:p="http://schemas.openxmlformats.org/presentationml/2006/main">
+  <p:cSld>
+    <p:spTree>
+      <p:nvGrpSpPr>
+        <p:cNvPr id="1" name=""/>
+        <p:cNvGrpSpPr/>
+        <p:nvPr/>
+      </p:nvGrpSpPr>
+      <p:grpSpPr>
+        <a:xfrm>
+          <a:off x="0" y="0"/>
+          <a:ext cx="0" cy="0"/>
+          <a:chOff x="0" y="0"/>
+          <a:chExt cx="0" cy="0"/>
+        </a:xfrm>
+      </p:grpSpPr>
+      <p:sp>
+        <p:nvSpPr>
           <p:cNvPr id="2" name="Titel 1"/>
           <p:cNvSpPr>
             <a:spLocks noGrp="1"/>
@@ -19451,7 +19654,7 @@
 </p:sld>
 </file>
 
-<file path=ppt/slides/slide14.xml><?xml version="1.0" encoding="utf-8"?>
+<file path=ppt/slides/slide15.xml><?xml version="1.0" encoding="utf-8"?>
 <p:sld xmlns:a="http://schemas.openxmlformats.org/drawingml/2006/main" xmlns:r="http://schemas.openxmlformats.org/officeDocument/2006/relationships" xmlns:p="http://schemas.openxmlformats.org/presentationml/2006/main">
   <p:cSld>
     <p:spTree>
@@ -19814,7 +20017,7 @@
 </p:sld>
 </file>
 
-<file path=ppt/slides/slide15.xml><?xml version="1.0" encoding="utf-8"?>
+<file path=ppt/slides/slide16.xml><?xml version="1.0" encoding="utf-8"?>
 <p:sld xmlns:a="http://schemas.openxmlformats.org/drawingml/2006/main" xmlns:r="http://schemas.openxmlformats.org/officeDocument/2006/relationships" xmlns:p="http://schemas.openxmlformats.org/presentationml/2006/main">
   <p:cSld>
     <p:spTree>
@@ -20393,7 +20596,7 @@
 </p:sld>
 </file>
 
-<file path=ppt/slides/slide16.xml><?xml version="1.0" encoding="utf-8"?>
+<file path=ppt/slides/slide17.xml><?xml version="1.0" encoding="utf-8"?>
 <p:sld xmlns:a="http://schemas.openxmlformats.org/drawingml/2006/main" xmlns:r="http://schemas.openxmlformats.org/officeDocument/2006/relationships" xmlns:p="http://schemas.openxmlformats.org/presentationml/2006/main">
   <p:cSld>
     <p:bg>
@@ -20566,7 +20769,7 @@
 </p:sld>
 </file>
 
-<file path=ppt/slides/slide17.xml><?xml version="1.0" encoding="utf-8"?>
+<file path=ppt/slides/slide18.xml><?xml version="1.0" encoding="utf-8"?>
 <p:sld xmlns:a="http://schemas.openxmlformats.org/drawingml/2006/main" xmlns:r="http://schemas.openxmlformats.org/officeDocument/2006/relationships" xmlns:p="http://schemas.openxmlformats.org/presentationml/2006/main">
   <p:cSld>
     <p:spTree>
@@ -20712,7 +20915,378 @@
 </p:sld>
 </file>
 
-<file path=ppt/slides/slide18.xml><?xml version="1.0" encoding="utf-8"?>
+<file path=ppt/slides/slide19.xml><?xml version="1.0" encoding="utf-8"?>
+<p:sld xmlns:a="http://schemas.openxmlformats.org/drawingml/2006/main" xmlns:r="http://schemas.openxmlformats.org/officeDocument/2006/relationships" xmlns:p="http://schemas.openxmlformats.org/presentationml/2006/main">
+  <p:cSld>
+    <p:spTree>
+      <p:nvGrpSpPr>
+        <p:cNvPr id="1" name=""/>
+        <p:cNvGrpSpPr/>
+        <p:nvPr/>
+      </p:nvGrpSpPr>
+      <p:grpSpPr>
+        <a:xfrm>
+          <a:off x="0" y="0"/>
+          <a:ext cx="0" cy="0"/>
+          <a:chOff x="0" y="0"/>
+          <a:chExt cx="0" cy="0"/>
+        </a:xfrm>
+      </p:grpSpPr>
+      <p:sp>
+        <p:nvSpPr>
+          <p:cNvPr id="2" name="Titel 1">
+            <a:extLst>
+              <a:ext uri="{FF2B5EF4-FFF2-40B4-BE49-F238E27FC236}">
+                <a16:creationId xmlns:a16="http://schemas.microsoft.com/office/drawing/2014/main" id="{DEA37EB1-D991-4BD1-B2A4-3FAA24191CB2}"/>
+              </a:ext>
+            </a:extLst>
+          </p:cNvPr>
+          <p:cNvSpPr>
+            <a:spLocks noGrp="1"/>
+          </p:cNvSpPr>
+          <p:nvPr>
+            <p:ph type="title"/>
+          </p:nvPr>
+        </p:nvSpPr>
+        <p:spPr/>
+        <p:txBody>
+          <a:bodyPr/>
+          <a:lstStyle/>
+          <a:p>
+            <a:r>
+              <a:rPr lang="nl-BE" dirty="0"/>
+              <a:t>Demo time</a:t>
+            </a:r>
+          </a:p>
+        </p:txBody>
+      </p:sp>
+      <p:sp>
+        <p:nvSpPr>
+          <p:cNvPr id="3" name="Tijdelijke aanduiding voor inhoud 2">
+            <a:extLst>
+              <a:ext uri="{FF2B5EF4-FFF2-40B4-BE49-F238E27FC236}">
+                <a16:creationId xmlns:a16="http://schemas.microsoft.com/office/drawing/2014/main" id="{0C497EC5-0E53-451E-9A6A-6A7435CDBDF4}"/>
+              </a:ext>
+            </a:extLst>
+          </p:cNvPr>
+          <p:cNvSpPr>
+            <a:spLocks noGrp="1"/>
+          </p:cNvSpPr>
+          <p:nvPr>
+            <p:ph idx="1"/>
+          </p:nvPr>
+        </p:nvSpPr>
+        <p:spPr/>
+        <p:txBody>
+          <a:bodyPr/>
+          <a:lstStyle/>
+          <a:p>
+            <a:r>
+              <a:rPr lang="nl-BE" dirty="0" err="1"/>
+              <a:t>While</a:t>
+            </a:r>
+            <a:r>
+              <a:rPr lang="nl-BE" dirty="0"/>
+              <a:t> met </a:t>
+            </a:r>
+            <a:r>
+              <a:rPr lang="nl-BE" dirty="0" err="1"/>
+              <a:t>wachterwaarde</a:t>
+            </a:r>
+            <a:endParaRPr lang="nl-BE" dirty="0"/>
+          </a:p>
+          <a:p>
+            <a:endParaRPr lang="nl-BE" dirty="0"/>
+          </a:p>
+          <a:p>
+            <a:endParaRPr lang="nl-BE" dirty="0"/>
+          </a:p>
+          <a:p>
+            <a:endParaRPr lang="nl-BE" dirty="0"/>
+          </a:p>
+        </p:txBody>
+      </p:sp>
+      <p:sp>
+        <p:nvSpPr>
+          <p:cNvPr id="4" name="Tijdelijke aanduiding voor voettekst 3">
+            <a:extLst>
+              <a:ext uri="{FF2B5EF4-FFF2-40B4-BE49-F238E27FC236}">
+                <a16:creationId xmlns:a16="http://schemas.microsoft.com/office/drawing/2014/main" id="{D096920B-D69A-472B-950F-3005BC5B29F5}"/>
+              </a:ext>
+            </a:extLst>
+          </p:cNvPr>
+          <p:cNvSpPr>
+            <a:spLocks noGrp="1"/>
+          </p:cNvSpPr>
+          <p:nvPr>
+            <p:ph type="ftr" sz="quarter" idx="11"/>
+          </p:nvPr>
+        </p:nvSpPr>
+        <p:spPr/>
+        <p:txBody>
+          <a:bodyPr/>
+          <a:lstStyle/>
+          <a:p>
+            <a:r>
+              <a:rPr lang="nl-BE"/>
+              <a:t>Zie scherp</a:t>
+            </a:r>
+            <a:endParaRPr lang="nl-BE" dirty="0"/>
+          </a:p>
+        </p:txBody>
+      </p:sp>
+      <p:pic>
+        <p:nvPicPr>
+          <p:cNvPr id="2050" name="Picture 2">
+            <a:extLst>
+              <a:ext uri="{FF2B5EF4-FFF2-40B4-BE49-F238E27FC236}">
+                <a16:creationId xmlns:a16="http://schemas.microsoft.com/office/drawing/2014/main" id="{10ACCB77-444E-4CE2-8971-A6B218E6DB4A}"/>
+              </a:ext>
+            </a:extLst>
+          </p:cNvPr>
+          <p:cNvPicPr>
+            <a:picLocks noChangeAspect="1" noChangeArrowheads="1"/>
+          </p:cNvPicPr>
+          <p:nvPr/>
+        </p:nvPicPr>
+        <p:blipFill>
+          <a:blip r:embed="rId2">
+            <a:extLst>
+              <a:ext uri="{28A0092B-C50C-407E-A947-70E740481C1C}">
+                <a14:useLocalDpi xmlns:a14="http://schemas.microsoft.com/office/drawing/2010/main" val="0"/>
+              </a:ext>
+            </a:extLst>
+          </a:blip>
+          <a:srcRect/>
+          <a:stretch>
+            <a:fillRect/>
+          </a:stretch>
+        </p:blipFill>
+        <p:spPr bwMode="auto">
+          <a:xfrm>
+            <a:off x="6494388" y="-353661"/>
+            <a:ext cx="5088012" cy="7565321"/>
+          </a:xfrm>
+          <a:prstGeom prst="rect">
+            <a:avLst/>
+          </a:prstGeom>
+          <a:noFill/>
+          <a:extLst>
+            <a:ext uri="{909E8E84-426E-40DD-AFC4-6F175D3DCCD1}">
+              <a14:hiddenFill xmlns:a14="http://schemas.microsoft.com/office/drawing/2010/main">
+                <a:solidFill>
+                  <a:srgbClr val="FFFFFF"/>
+                </a:solidFill>
+              </a14:hiddenFill>
+            </a:ext>
+          </a:extLst>
+        </p:spPr>
+      </p:pic>
+      <p:sp>
+        <p:nvSpPr>
+          <p:cNvPr id="6" name="Tijdelijke aanduiding voor dianummer 5">
+            <a:extLst>
+              <a:ext uri="{FF2B5EF4-FFF2-40B4-BE49-F238E27FC236}">
+                <a16:creationId xmlns:a16="http://schemas.microsoft.com/office/drawing/2014/main" id="{4C2D247D-CB46-42C2-BD5D-0E3892A4FBC5}"/>
+              </a:ext>
+            </a:extLst>
+          </p:cNvPr>
+          <p:cNvSpPr>
+            <a:spLocks noGrp="1"/>
+          </p:cNvSpPr>
+          <p:nvPr>
+            <p:ph type="sldNum" sz="quarter" idx="12"/>
+          </p:nvPr>
+        </p:nvSpPr>
+        <p:spPr/>
+        <p:txBody>
+          <a:bodyPr/>
+          <a:lstStyle/>
+          <a:p>
+            <a:fld id="{E8A62353-F7CD-46ED-8877-B27D0E33FCF8}" type="slidenum">
+              <a:rPr lang="nl-BE" smtClean="0"/>
+              <a:t>19</a:t>
+            </a:fld>
+            <a:endParaRPr lang="nl-BE"/>
+          </a:p>
+        </p:txBody>
+      </p:sp>
+    </p:spTree>
+    <p:extLst>
+      <p:ext uri="{BB962C8B-B14F-4D97-AF65-F5344CB8AC3E}">
+        <p14:creationId xmlns:p14="http://schemas.microsoft.com/office/powerpoint/2010/main" val="2055738953"/>
+      </p:ext>
+    </p:extLst>
+  </p:cSld>
+  <p:clrMapOvr>
+    <a:masterClrMapping/>
+  </p:clrMapOvr>
+</p:sld>
+</file>
+
+<file path=ppt/slides/slide2.xml><?xml version="1.0" encoding="utf-8"?>
+<p:sld xmlns:a="http://schemas.openxmlformats.org/drawingml/2006/main" xmlns:r="http://schemas.openxmlformats.org/officeDocument/2006/relationships" xmlns:p="http://schemas.openxmlformats.org/presentationml/2006/main">
+  <p:cSld>
+    <p:spTree>
+      <p:nvGrpSpPr>
+        <p:cNvPr id="1" name=""/>
+        <p:cNvGrpSpPr/>
+        <p:nvPr/>
+      </p:nvGrpSpPr>
+      <p:grpSpPr>
+        <a:xfrm>
+          <a:off x="0" y="0"/>
+          <a:ext cx="0" cy="0"/>
+          <a:chOff x="0" y="0"/>
+          <a:chExt cx="0" cy="0"/>
+        </a:xfrm>
+      </p:grpSpPr>
+      <p:sp>
+        <p:nvSpPr>
+          <p:cNvPr id="2" name="Titel 1">
+            <a:extLst>
+              <a:ext uri="{FF2B5EF4-FFF2-40B4-BE49-F238E27FC236}">
+                <a16:creationId xmlns:a16="http://schemas.microsoft.com/office/drawing/2014/main" id="{C85E4D58-B128-4BFB-88F8-66FA5BAE2CD3}"/>
+              </a:ext>
+            </a:extLst>
+          </p:cNvPr>
+          <p:cNvSpPr>
+            <a:spLocks noGrp="1"/>
+          </p:cNvSpPr>
+          <p:nvPr>
+            <p:ph type="title"/>
+          </p:nvPr>
+        </p:nvSpPr>
+        <p:spPr/>
+        <p:txBody>
+          <a:bodyPr/>
+          <a:lstStyle/>
+          <a:p>
+            <a:r>
+              <a:rPr lang="nl-BE" dirty="0"/>
+              <a:t>Program flow</a:t>
+            </a:r>
+          </a:p>
+        </p:txBody>
+      </p:sp>
+      <p:sp>
+        <p:nvSpPr>
+          <p:cNvPr id="3" name="Tijdelijke aanduiding voor inhoud 2">
+            <a:extLst>
+              <a:ext uri="{FF2B5EF4-FFF2-40B4-BE49-F238E27FC236}">
+                <a16:creationId xmlns:a16="http://schemas.microsoft.com/office/drawing/2014/main" id="{B79D9470-41AD-4918-8D94-73E6A0D7E5AD}"/>
+              </a:ext>
+            </a:extLst>
+          </p:cNvPr>
+          <p:cNvSpPr>
+            <a:spLocks noGrp="1"/>
+          </p:cNvSpPr>
+          <p:nvPr>
+            <p:ph idx="1"/>
+          </p:nvPr>
+        </p:nvSpPr>
+        <p:spPr/>
+        <p:txBody>
+          <a:bodyPr/>
+          <a:lstStyle/>
+          <a:p>
+            <a:r>
+              <a:rPr lang="nl-BE" dirty="0"/>
+              <a:t>Na </a:t>
+            </a:r>
+            <a:r>
+              <a:rPr lang="nl-BE" b="1" dirty="0"/>
+              <a:t>‘straight line’ </a:t>
+            </a:r>
+            <a:r>
+              <a:rPr lang="nl-BE" dirty="0"/>
+              <a:t>en </a:t>
+            </a:r>
+            <a:r>
+              <a:rPr lang="nl-BE" b="1" dirty="0"/>
+              <a:t>‘</a:t>
+            </a:r>
+            <a:r>
+              <a:rPr lang="nl-BE" b="1" dirty="0" err="1"/>
+              <a:t>branching</a:t>
+            </a:r>
+            <a:r>
+              <a:rPr lang="nl-BE" b="1" dirty="0"/>
+              <a:t>/beslissingen’</a:t>
+            </a:r>
+            <a:r>
+              <a:rPr lang="nl-BE" dirty="0"/>
+              <a:t> nu ook </a:t>
+            </a:r>
+            <a:r>
+              <a:rPr lang="nl-BE" b="1" dirty="0"/>
+              <a:t>‘herhalingen’</a:t>
+            </a:r>
+            <a:endParaRPr lang="nl-BE" dirty="0"/>
+          </a:p>
+        </p:txBody>
+      </p:sp>
+      <p:pic>
+        <p:nvPicPr>
+          <p:cNvPr id="5122" name="Picture 2" descr="Image result for flow charts with loop funny">
+            <a:extLst>
+              <a:ext uri="{FF2B5EF4-FFF2-40B4-BE49-F238E27FC236}">
+                <a16:creationId xmlns:a16="http://schemas.microsoft.com/office/drawing/2014/main" id="{BCCEF150-FFCF-4E93-9894-7C5C610867E6}"/>
+              </a:ext>
+            </a:extLst>
+          </p:cNvPr>
+          <p:cNvPicPr>
+            <a:picLocks noChangeAspect="1" noChangeArrowheads="1"/>
+          </p:cNvPicPr>
+          <p:nvPr/>
+        </p:nvPicPr>
+        <p:blipFill>
+          <a:blip r:embed="rId2">
+            <a:extLst>
+              <a:ext uri="{28A0092B-C50C-407E-A947-70E740481C1C}">
+                <a14:useLocalDpi xmlns:a14="http://schemas.microsoft.com/office/drawing/2010/main" val="0"/>
+              </a:ext>
+            </a:extLst>
+          </a:blip>
+          <a:srcRect/>
+          <a:stretch>
+            <a:fillRect/>
+          </a:stretch>
+        </p:blipFill>
+        <p:spPr bwMode="auto">
+          <a:xfrm>
+            <a:off x="4706149" y="2571580"/>
+            <a:ext cx="3457575" cy="4114800"/>
+          </a:xfrm>
+          <a:prstGeom prst="rect">
+            <a:avLst/>
+          </a:prstGeom>
+          <a:noFill/>
+          <a:extLst>
+            <a:ext uri="{909E8E84-426E-40DD-AFC4-6F175D3DCCD1}">
+              <a14:hiddenFill xmlns:a14="http://schemas.microsoft.com/office/drawing/2010/main">
+                <a:solidFill>
+                  <a:srgbClr val="FFFFFF"/>
+                </a:solidFill>
+              </a14:hiddenFill>
+            </a:ext>
+          </a:extLst>
+        </p:spPr>
+      </p:pic>
+    </p:spTree>
+    <p:extLst>
+      <p:ext uri="{BB962C8B-B14F-4D97-AF65-F5344CB8AC3E}">
+        <p14:creationId xmlns:p14="http://schemas.microsoft.com/office/powerpoint/2010/main" val="2541441333"/>
+      </p:ext>
+    </p:extLst>
+  </p:cSld>
+  <p:clrMapOvr>
+    <a:masterClrMapping/>
+  </p:clrMapOvr>
+</p:sld>
+</file>
+
+<file path=ppt/slides/slide20.xml><?xml version="1.0" encoding="utf-8"?>
 <p:sld xmlns:a="http://schemas.openxmlformats.org/drawingml/2006/main" xmlns:r="http://schemas.openxmlformats.org/officeDocument/2006/relationships" xmlns:p="http://schemas.openxmlformats.org/presentationml/2006/main">
   <p:cSld>
     <p:bg>
@@ -20816,7 +21390,7 @@
 </p:sld>
 </file>
 
-<file path=ppt/slides/slide19.xml><?xml version="1.0" encoding="utf-8"?>
+<file path=ppt/slides/slide21.xml><?xml version="1.0" encoding="utf-8"?>
 <p:sld xmlns:a="http://schemas.openxmlformats.org/drawingml/2006/main" xmlns:r="http://schemas.openxmlformats.org/officeDocument/2006/relationships" xmlns:p="http://schemas.openxmlformats.org/presentationml/2006/main">
   <p:cSld>
     <p:bg>
@@ -20914,169 +21488,7 @@
 </p:sld>
 </file>
 
-<file path=ppt/slides/slide2.xml><?xml version="1.0" encoding="utf-8"?>
-<p:sld xmlns:a="http://schemas.openxmlformats.org/drawingml/2006/main" xmlns:r="http://schemas.openxmlformats.org/officeDocument/2006/relationships" xmlns:p="http://schemas.openxmlformats.org/presentationml/2006/main">
-  <p:cSld>
-    <p:spTree>
-      <p:nvGrpSpPr>
-        <p:cNvPr id="1" name=""/>
-        <p:cNvGrpSpPr/>
-        <p:nvPr/>
-      </p:nvGrpSpPr>
-      <p:grpSpPr>
-        <a:xfrm>
-          <a:off x="0" y="0"/>
-          <a:ext cx="0" cy="0"/>
-          <a:chOff x="0" y="0"/>
-          <a:chExt cx="0" cy="0"/>
-        </a:xfrm>
-      </p:grpSpPr>
-      <p:sp>
-        <p:nvSpPr>
-          <p:cNvPr id="2" name="Titel 1">
-            <a:extLst>
-              <a:ext uri="{FF2B5EF4-FFF2-40B4-BE49-F238E27FC236}">
-                <a16:creationId xmlns:a16="http://schemas.microsoft.com/office/drawing/2014/main" id="{C85E4D58-B128-4BFB-88F8-66FA5BAE2CD3}"/>
-              </a:ext>
-            </a:extLst>
-          </p:cNvPr>
-          <p:cNvSpPr>
-            <a:spLocks noGrp="1"/>
-          </p:cNvSpPr>
-          <p:nvPr>
-            <p:ph type="title"/>
-          </p:nvPr>
-        </p:nvSpPr>
-        <p:spPr/>
-        <p:txBody>
-          <a:bodyPr/>
-          <a:lstStyle/>
-          <a:p>
-            <a:r>
-              <a:rPr lang="nl-BE" dirty="0"/>
-              <a:t>Program flow</a:t>
-            </a:r>
-          </a:p>
-        </p:txBody>
-      </p:sp>
-      <p:sp>
-        <p:nvSpPr>
-          <p:cNvPr id="3" name="Tijdelijke aanduiding voor inhoud 2">
-            <a:extLst>
-              <a:ext uri="{FF2B5EF4-FFF2-40B4-BE49-F238E27FC236}">
-                <a16:creationId xmlns:a16="http://schemas.microsoft.com/office/drawing/2014/main" id="{B79D9470-41AD-4918-8D94-73E6A0D7E5AD}"/>
-              </a:ext>
-            </a:extLst>
-          </p:cNvPr>
-          <p:cNvSpPr>
-            <a:spLocks noGrp="1"/>
-          </p:cNvSpPr>
-          <p:nvPr>
-            <p:ph idx="1"/>
-          </p:nvPr>
-        </p:nvSpPr>
-        <p:spPr/>
-        <p:txBody>
-          <a:bodyPr/>
-          <a:lstStyle/>
-          <a:p>
-            <a:r>
-              <a:rPr lang="nl-BE" dirty="0"/>
-              <a:t>Na </a:t>
-            </a:r>
-            <a:r>
-              <a:rPr lang="nl-BE" b="1" dirty="0"/>
-              <a:t>‘straight line’ </a:t>
-            </a:r>
-            <a:r>
-              <a:rPr lang="nl-BE" dirty="0"/>
-              <a:t>en </a:t>
-            </a:r>
-            <a:r>
-              <a:rPr lang="nl-BE" b="1" dirty="0"/>
-              <a:t>‘</a:t>
-            </a:r>
-            <a:r>
-              <a:rPr lang="nl-BE" b="1" dirty="0" err="1"/>
-              <a:t>branching</a:t>
-            </a:r>
-            <a:r>
-              <a:rPr lang="nl-BE" b="1" dirty="0"/>
-              <a:t>/beslissingen’</a:t>
-            </a:r>
-            <a:r>
-              <a:rPr lang="nl-BE" dirty="0"/>
-              <a:t> nu ook </a:t>
-            </a:r>
-            <a:r>
-              <a:rPr lang="nl-BE" b="1" dirty="0"/>
-              <a:t>‘herhalingen’</a:t>
-            </a:r>
-            <a:endParaRPr lang="nl-BE" dirty="0"/>
-          </a:p>
-        </p:txBody>
-      </p:sp>
-      <p:pic>
-        <p:nvPicPr>
-          <p:cNvPr id="5122" name="Picture 2" descr="Image result for flow charts with loop funny">
-            <a:extLst>
-              <a:ext uri="{FF2B5EF4-FFF2-40B4-BE49-F238E27FC236}">
-                <a16:creationId xmlns:a16="http://schemas.microsoft.com/office/drawing/2014/main" id="{BCCEF150-FFCF-4E93-9894-7C5C610867E6}"/>
-              </a:ext>
-            </a:extLst>
-          </p:cNvPr>
-          <p:cNvPicPr>
-            <a:picLocks noChangeAspect="1" noChangeArrowheads="1"/>
-          </p:cNvPicPr>
-          <p:nvPr/>
-        </p:nvPicPr>
-        <p:blipFill>
-          <a:blip r:embed="rId2">
-            <a:extLst>
-              <a:ext uri="{28A0092B-C50C-407E-A947-70E740481C1C}">
-                <a14:useLocalDpi xmlns:a14="http://schemas.microsoft.com/office/drawing/2010/main" val="0"/>
-              </a:ext>
-            </a:extLst>
-          </a:blip>
-          <a:srcRect/>
-          <a:stretch>
-            <a:fillRect/>
-          </a:stretch>
-        </p:blipFill>
-        <p:spPr bwMode="auto">
-          <a:xfrm>
-            <a:off x="4706149" y="2571580"/>
-            <a:ext cx="3457575" cy="4114800"/>
-          </a:xfrm>
-          <a:prstGeom prst="rect">
-            <a:avLst/>
-          </a:prstGeom>
-          <a:noFill/>
-          <a:extLst>
-            <a:ext uri="{909E8E84-426E-40DD-AFC4-6F175D3DCCD1}">
-              <a14:hiddenFill xmlns:a14="http://schemas.microsoft.com/office/drawing/2010/main">
-                <a:solidFill>
-                  <a:srgbClr val="FFFFFF"/>
-                </a:solidFill>
-              </a14:hiddenFill>
-            </a:ext>
-          </a:extLst>
-        </p:spPr>
-      </p:pic>
-    </p:spTree>
-    <p:extLst>
-      <p:ext uri="{BB962C8B-B14F-4D97-AF65-F5344CB8AC3E}">
-        <p14:creationId xmlns:p14="http://schemas.microsoft.com/office/powerpoint/2010/main" val="2541441333"/>
-      </p:ext>
-    </p:extLst>
-  </p:cSld>
-  <p:clrMapOvr>
-    <a:masterClrMapping/>
-  </p:clrMapOvr>
-</p:sld>
-</file>
-
-<file path=ppt/slides/slide20.xml><?xml version="1.0" encoding="utf-8"?>
+<file path=ppt/slides/slide22.xml><?xml version="1.0" encoding="utf-8"?>
 <p:sld xmlns:a="http://schemas.openxmlformats.org/drawingml/2006/main" xmlns:r="http://schemas.openxmlformats.org/officeDocument/2006/relationships" xmlns:p="http://schemas.openxmlformats.org/presentationml/2006/main">
   <p:cSld>
     <p:bg>
@@ -21203,7 +21615,7 @@
 </p:sld>
 </file>
 
-<file path=ppt/slides/slide21.xml><?xml version="1.0" encoding="utf-8"?>
+<file path=ppt/slides/slide23.xml><?xml version="1.0" encoding="utf-8"?>
 <p:sld xmlns:a="http://schemas.openxmlformats.org/drawingml/2006/main" xmlns:r="http://schemas.openxmlformats.org/officeDocument/2006/relationships" xmlns:p="http://schemas.openxmlformats.org/presentationml/2006/main">
   <p:cSld>
     <p:spTree>
@@ -21661,7 +22073,7 @@
 </p:sld>
 </file>
 
-<file path=ppt/slides/slide22.xml><?xml version="1.0" encoding="utf-8"?>
+<file path=ppt/slides/slide24.xml><?xml version="1.0" encoding="utf-8"?>
 <p:sld xmlns:a="http://schemas.openxmlformats.org/drawingml/2006/main" xmlns:r="http://schemas.openxmlformats.org/officeDocument/2006/relationships" xmlns:p="http://schemas.openxmlformats.org/presentationml/2006/main">
   <p:cSld>
     <p:spTree>
@@ -21879,7 +22291,7 @@
 </p:sld>
 </file>
 
-<file path=ppt/slides/slide23.xml><?xml version="1.0" encoding="utf-8"?>
+<file path=ppt/slides/slide25.xml><?xml version="1.0" encoding="utf-8"?>
 <p:sld xmlns:a="http://schemas.openxmlformats.org/drawingml/2006/main" xmlns:r="http://schemas.openxmlformats.org/officeDocument/2006/relationships" xmlns:p="http://schemas.openxmlformats.org/presentationml/2006/main">
   <p:cSld>
     <p:bg>
@@ -21949,7 +22361,7 @@
 </p:sld>
 </file>
 
-<file path=ppt/slides/slide24.xml><?xml version="1.0" encoding="utf-8"?>
+<file path=ppt/slides/slide26.xml><?xml version="1.0" encoding="utf-8"?>
 <p:sld xmlns:a="http://schemas.openxmlformats.org/drawingml/2006/main" xmlns:r="http://schemas.openxmlformats.org/officeDocument/2006/relationships" xmlns:p="http://schemas.openxmlformats.org/presentationml/2006/main">
   <p:cSld>
     <p:spTree>
@@ -22066,7 +22478,7 @@
 </p:sld>
 </file>
 
-<file path=ppt/slides/slide25.xml><?xml version="1.0" encoding="utf-8"?>
+<file path=ppt/slides/slide27.xml><?xml version="1.0" encoding="utf-8"?>
 <p:sld xmlns:a="http://schemas.openxmlformats.org/drawingml/2006/main" xmlns:r="http://schemas.openxmlformats.org/officeDocument/2006/relationships" xmlns:p="http://schemas.openxmlformats.org/presentationml/2006/main">
   <p:cSld>
     <p:spTree>
@@ -22204,7 +22616,7 @@
 </p:sld>
 </file>
 
-<file path=ppt/slides/slide26.xml><?xml version="1.0" encoding="utf-8"?>
+<file path=ppt/slides/slide28.xml><?xml version="1.0" encoding="utf-8"?>
 <p:sld xmlns:a="http://schemas.openxmlformats.org/drawingml/2006/main" xmlns:r="http://schemas.openxmlformats.org/officeDocument/2006/relationships" xmlns:p="http://schemas.openxmlformats.org/presentationml/2006/main">
   <p:cSld>
     <p:spTree>
@@ -22614,7 +23026,7 @@
 </p:sld>
 </file>
 
-<file path=ppt/slides/slide27.xml><?xml version="1.0" encoding="utf-8"?>
+<file path=ppt/slides/slide29.xml><?xml version="1.0" encoding="utf-8"?>
 <p:sld xmlns:a="http://schemas.openxmlformats.org/drawingml/2006/main" xmlns:r="http://schemas.openxmlformats.org/officeDocument/2006/relationships" xmlns:p="http://schemas.openxmlformats.org/presentationml/2006/main">
   <p:cSld>
     <p:spTree>
@@ -22732,351 +23144,6 @@
     <p:extLst>
       <p:ext uri="{BB962C8B-B14F-4D97-AF65-F5344CB8AC3E}">
         <p14:creationId xmlns:p14="http://schemas.microsoft.com/office/powerpoint/2010/main" val="3218642574"/>
-      </p:ext>
-    </p:extLst>
-  </p:cSld>
-  <p:clrMapOvr>
-    <a:masterClrMapping/>
-  </p:clrMapOvr>
-</p:sld>
-</file>
-
-<file path=ppt/slides/slide28.xml><?xml version="1.0" encoding="utf-8"?>
-<p:sld xmlns:a="http://schemas.openxmlformats.org/drawingml/2006/main" xmlns:r="http://schemas.openxmlformats.org/officeDocument/2006/relationships" xmlns:p="http://schemas.openxmlformats.org/presentationml/2006/main">
-  <p:cSld>
-    <p:spTree>
-      <p:nvGrpSpPr>
-        <p:cNvPr id="1" name=""/>
-        <p:cNvGrpSpPr/>
-        <p:nvPr/>
-      </p:nvGrpSpPr>
-      <p:grpSpPr>
-        <a:xfrm>
-          <a:off x="0" y="0"/>
-          <a:ext cx="0" cy="0"/>
-          <a:chOff x="0" y="0"/>
-          <a:chExt cx="0" cy="0"/>
-        </a:xfrm>
-      </p:grpSpPr>
-      <p:sp>
-        <p:nvSpPr>
-          <p:cNvPr id="2" name="Titel 1">
-            <a:extLst>
-              <a:ext uri="{FF2B5EF4-FFF2-40B4-BE49-F238E27FC236}">
-                <a16:creationId xmlns:a16="http://schemas.microsoft.com/office/drawing/2014/main" id="{40C9876A-3DCB-46B2-9D92-206D307D77E7}"/>
-              </a:ext>
-            </a:extLst>
-          </p:cNvPr>
-          <p:cNvSpPr>
-            <a:spLocks noGrp="1"/>
-          </p:cNvSpPr>
-          <p:nvPr>
-            <p:ph type="title"/>
-          </p:nvPr>
-        </p:nvSpPr>
-        <p:spPr/>
-        <p:txBody>
-          <a:bodyPr/>
-          <a:lstStyle/>
-          <a:p>
-            <a:endParaRPr lang="nl-BE"/>
-          </a:p>
-        </p:txBody>
-      </p:sp>
-      <p:sp>
-        <p:nvSpPr>
-          <p:cNvPr id="3" name="Tijdelijke aanduiding voor inhoud 2">
-            <a:extLst>
-              <a:ext uri="{FF2B5EF4-FFF2-40B4-BE49-F238E27FC236}">
-                <a16:creationId xmlns:a16="http://schemas.microsoft.com/office/drawing/2014/main" id="{4E96C786-72D5-44AD-A07C-D3295E8A7D72}"/>
-              </a:ext>
-            </a:extLst>
-          </p:cNvPr>
-          <p:cNvSpPr>
-            <a:spLocks noGrp="1"/>
-          </p:cNvSpPr>
-          <p:nvPr>
-            <p:ph idx="1"/>
-          </p:nvPr>
-        </p:nvSpPr>
-        <p:spPr/>
-        <p:txBody>
-          <a:bodyPr/>
-          <a:lstStyle/>
-          <a:p>
-            <a:endParaRPr lang="nl-BE"/>
-          </a:p>
-        </p:txBody>
-      </p:sp>
-      <p:pic>
-        <p:nvPicPr>
-          <p:cNvPr id="2050" name="Picture 2" descr="Image result for flow charts with loop funny">
-            <a:extLst>
-              <a:ext uri="{FF2B5EF4-FFF2-40B4-BE49-F238E27FC236}">
-                <a16:creationId xmlns:a16="http://schemas.microsoft.com/office/drawing/2014/main" id="{5B0131C5-E3FC-4CA5-9601-B938EDF9B229}"/>
-              </a:ext>
-            </a:extLst>
-          </p:cNvPr>
-          <p:cNvPicPr>
-            <a:picLocks noChangeAspect="1" noChangeArrowheads="1"/>
-          </p:cNvPicPr>
-          <p:nvPr/>
-        </p:nvPicPr>
-        <p:blipFill>
-          <a:blip r:embed="rId2">
-            <a:extLst>
-              <a:ext uri="{28A0092B-C50C-407E-A947-70E740481C1C}">
-                <a14:useLocalDpi xmlns:a14="http://schemas.microsoft.com/office/drawing/2010/main" val="0"/>
-              </a:ext>
-            </a:extLst>
-          </a:blip>
-          <a:srcRect/>
-          <a:stretch>
-            <a:fillRect/>
-          </a:stretch>
-        </p:blipFill>
-        <p:spPr bwMode="auto">
-          <a:xfrm>
-            <a:off x="3964034" y="633518"/>
-            <a:ext cx="4505846" cy="5021440"/>
-          </a:xfrm>
-          <a:prstGeom prst="rect">
-            <a:avLst/>
-          </a:prstGeom>
-          <a:noFill/>
-          <a:extLst>
-            <a:ext uri="{909E8E84-426E-40DD-AFC4-6F175D3DCCD1}">
-              <a14:hiddenFill xmlns:a14="http://schemas.microsoft.com/office/drawing/2010/main">
-                <a:solidFill>
-                  <a:srgbClr val="FFFFFF"/>
-                </a:solidFill>
-              </a14:hiddenFill>
-            </a:ext>
-          </a:extLst>
-        </p:spPr>
-      </p:pic>
-    </p:spTree>
-    <p:extLst>
-      <p:ext uri="{BB962C8B-B14F-4D97-AF65-F5344CB8AC3E}">
-        <p14:creationId xmlns:p14="http://schemas.microsoft.com/office/powerpoint/2010/main" val="1885829006"/>
-      </p:ext>
-    </p:extLst>
-  </p:cSld>
-  <p:clrMapOvr>
-    <a:masterClrMapping/>
-  </p:clrMapOvr>
-</p:sld>
-</file>
-
-<file path=ppt/slides/slide29.xml><?xml version="1.0" encoding="utf-8"?>
-<p:sld xmlns:a="http://schemas.openxmlformats.org/drawingml/2006/main" xmlns:r="http://schemas.openxmlformats.org/officeDocument/2006/relationships" xmlns:p="http://schemas.openxmlformats.org/presentationml/2006/main">
-  <p:cSld>
-    <p:spTree>
-      <p:nvGrpSpPr>
-        <p:cNvPr id="1" name=""/>
-        <p:cNvGrpSpPr/>
-        <p:nvPr/>
-      </p:nvGrpSpPr>
-      <p:grpSpPr>
-        <a:xfrm>
-          <a:off x="0" y="0"/>
-          <a:ext cx="0" cy="0"/>
-          <a:chOff x="0" y="0"/>
-          <a:chExt cx="0" cy="0"/>
-        </a:xfrm>
-      </p:grpSpPr>
-      <p:sp>
-        <p:nvSpPr>
-          <p:cNvPr id="2" name="Titel 1">
-            <a:extLst>
-              <a:ext uri="{FF2B5EF4-FFF2-40B4-BE49-F238E27FC236}">
-                <a16:creationId xmlns:a16="http://schemas.microsoft.com/office/drawing/2014/main" id="{DEA37EB1-D991-4BD1-B2A4-3FAA24191CB2}"/>
-              </a:ext>
-            </a:extLst>
-          </p:cNvPr>
-          <p:cNvSpPr>
-            <a:spLocks noGrp="1"/>
-          </p:cNvSpPr>
-          <p:nvPr>
-            <p:ph type="title"/>
-          </p:nvPr>
-        </p:nvSpPr>
-        <p:spPr/>
-        <p:txBody>
-          <a:bodyPr/>
-          <a:lstStyle/>
-          <a:p>
-            <a:r>
-              <a:rPr lang="nl-BE" dirty="0"/>
-              <a:t>Demo time</a:t>
-            </a:r>
-          </a:p>
-        </p:txBody>
-      </p:sp>
-      <p:sp>
-        <p:nvSpPr>
-          <p:cNvPr id="3" name="Tijdelijke aanduiding voor inhoud 2">
-            <a:extLst>
-              <a:ext uri="{FF2B5EF4-FFF2-40B4-BE49-F238E27FC236}">
-                <a16:creationId xmlns:a16="http://schemas.microsoft.com/office/drawing/2014/main" id="{0C497EC5-0E53-451E-9A6A-6A7435CDBDF4}"/>
-              </a:ext>
-            </a:extLst>
-          </p:cNvPr>
-          <p:cNvSpPr>
-            <a:spLocks noGrp="1"/>
-          </p:cNvSpPr>
-          <p:nvPr>
-            <p:ph idx="1"/>
-          </p:nvPr>
-        </p:nvSpPr>
-        <p:spPr/>
-        <p:txBody>
-          <a:bodyPr/>
-          <a:lstStyle/>
-          <a:p>
-            <a:r>
-              <a:rPr lang="nl-BE" dirty="0" err="1"/>
-              <a:t>While</a:t>
-            </a:r>
-            <a:endParaRPr lang="nl-BE" dirty="0"/>
-          </a:p>
-          <a:p>
-            <a:r>
-              <a:rPr lang="nl-BE" dirty="0"/>
-              <a:t>Do </a:t>
-            </a:r>
-            <a:r>
-              <a:rPr lang="nl-BE" dirty="0" err="1"/>
-              <a:t>While</a:t>
-            </a:r>
-            <a:endParaRPr lang="nl-BE" dirty="0"/>
-          </a:p>
-          <a:p>
-            <a:r>
-              <a:rPr lang="nl-BE" dirty="0"/>
-              <a:t>Scope bij loops</a:t>
-            </a:r>
-          </a:p>
-          <a:p>
-            <a:endParaRPr lang="nl-BE" dirty="0"/>
-          </a:p>
-          <a:p>
-            <a:endParaRPr lang="nl-BE" dirty="0"/>
-          </a:p>
-          <a:p>
-            <a:endParaRPr lang="nl-BE" dirty="0"/>
-          </a:p>
-        </p:txBody>
-      </p:sp>
-      <p:sp>
-        <p:nvSpPr>
-          <p:cNvPr id="4" name="Tijdelijke aanduiding voor voettekst 3">
-            <a:extLst>
-              <a:ext uri="{FF2B5EF4-FFF2-40B4-BE49-F238E27FC236}">
-                <a16:creationId xmlns:a16="http://schemas.microsoft.com/office/drawing/2014/main" id="{D096920B-D69A-472B-950F-3005BC5B29F5}"/>
-              </a:ext>
-            </a:extLst>
-          </p:cNvPr>
-          <p:cNvSpPr>
-            <a:spLocks noGrp="1"/>
-          </p:cNvSpPr>
-          <p:nvPr>
-            <p:ph type="ftr" sz="quarter" idx="11"/>
-          </p:nvPr>
-        </p:nvSpPr>
-        <p:spPr/>
-        <p:txBody>
-          <a:bodyPr/>
-          <a:lstStyle/>
-          <a:p>
-            <a:r>
-              <a:rPr lang="nl-BE"/>
-              <a:t>Zie scherp</a:t>
-            </a:r>
-            <a:endParaRPr lang="nl-BE" dirty="0"/>
-          </a:p>
-        </p:txBody>
-      </p:sp>
-      <p:pic>
-        <p:nvPicPr>
-          <p:cNvPr id="2050" name="Picture 2">
-            <a:extLst>
-              <a:ext uri="{FF2B5EF4-FFF2-40B4-BE49-F238E27FC236}">
-                <a16:creationId xmlns:a16="http://schemas.microsoft.com/office/drawing/2014/main" id="{10ACCB77-444E-4CE2-8971-A6B218E6DB4A}"/>
-              </a:ext>
-            </a:extLst>
-          </p:cNvPr>
-          <p:cNvPicPr>
-            <a:picLocks noChangeAspect="1" noChangeArrowheads="1"/>
-          </p:cNvPicPr>
-          <p:nvPr/>
-        </p:nvPicPr>
-        <p:blipFill>
-          <a:blip r:embed="rId2">
-            <a:extLst>
-              <a:ext uri="{28A0092B-C50C-407E-A947-70E740481C1C}">
-                <a14:useLocalDpi xmlns:a14="http://schemas.microsoft.com/office/drawing/2010/main" val="0"/>
-              </a:ext>
-            </a:extLst>
-          </a:blip>
-          <a:srcRect/>
-          <a:stretch>
-            <a:fillRect/>
-          </a:stretch>
-        </p:blipFill>
-        <p:spPr bwMode="auto">
-          <a:xfrm>
-            <a:off x="6494388" y="-353661"/>
-            <a:ext cx="5088012" cy="7565321"/>
-          </a:xfrm>
-          <a:prstGeom prst="rect">
-            <a:avLst/>
-          </a:prstGeom>
-          <a:noFill/>
-          <a:extLst>
-            <a:ext uri="{909E8E84-426E-40DD-AFC4-6F175D3DCCD1}">
-              <a14:hiddenFill xmlns:a14="http://schemas.microsoft.com/office/drawing/2010/main">
-                <a:solidFill>
-                  <a:srgbClr val="FFFFFF"/>
-                </a:solidFill>
-              </a14:hiddenFill>
-            </a:ext>
-          </a:extLst>
-        </p:spPr>
-      </p:pic>
-      <p:sp>
-        <p:nvSpPr>
-          <p:cNvPr id="6" name="Tijdelijke aanduiding voor dianummer 5">
-            <a:extLst>
-              <a:ext uri="{FF2B5EF4-FFF2-40B4-BE49-F238E27FC236}">
-                <a16:creationId xmlns:a16="http://schemas.microsoft.com/office/drawing/2014/main" id="{4C2D247D-CB46-42C2-BD5D-0E3892A4FBC5}"/>
-              </a:ext>
-            </a:extLst>
-          </p:cNvPr>
-          <p:cNvSpPr>
-            <a:spLocks noGrp="1"/>
-          </p:cNvSpPr>
-          <p:nvPr>
-            <p:ph type="sldNum" sz="quarter" idx="12"/>
-          </p:nvPr>
-        </p:nvSpPr>
-        <p:spPr/>
-        <p:txBody>
-          <a:bodyPr/>
-          <a:lstStyle/>
-          <a:p>
-            <a:fld id="{E8A62353-F7CD-46ED-8877-B27D0E33FCF8}" type="slidenum">
-              <a:rPr lang="nl-BE" smtClean="0"/>
-              <a:t>29</a:t>
-            </a:fld>
-            <a:endParaRPr lang="nl-BE"/>
-          </a:p>
-        </p:txBody>
-      </p:sp>
-    </p:spTree>
-    <p:extLst>
-      <p:ext uri="{BB962C8B-B14F-4D97-AF65-F5344CB8AC3E}">
-        <p14:creationId xmlns:p14="http://schemas.microsoft.com/office/powerpoint/2010/main" val="3777222418"/>
       </p:ext>
     </p:extLst>
   </p:cSld>
@@ -23268,6 +23335,344 @@
           <p:cNvPr id="2" name="Titel 1">
             <a:extLst>
               <a:ext uri="{FF2B5EF4-FFF2-40B4-BE49-F238E27FC236}">
+                <a16:creationId xmlns:a16="http://schemas.microsoft.com/office/drawing/2014/main" id="{40C9876A-3DCB-46B2-9D92-206D307D77E7}"/>
+              </a:ext>
+            </a:extLst>
+          </p:cNvPr>
+          <p:cNvSpPr>
+            <a:spLocks noGrp="1"/>
+          </p:cNvSpPr>
+          <p:nvPr>
+            <p:ph type="title"/>
+          </p:nvPr>
+        </p:nvSpPr>
+        <p:spPr/>
+        <p:txBody>
+          <a:bodyPr/>
+          <a:lstStyle/>
+          <a:p>
+            <a:endParaRPr lang="nl-BE"/>
+          </a:p>
+        </p:txBody>
+      </p:sp>
+      <p:sp>
+        <p:nvSpPr>
+          <p:cNvPr id="3" name="Tijdelijke aanduiding voor inhoud 2">
+            <a:extLst>
+              <a:ext uri="{FF2B5EF4-FFF2-40B4-BE49-F238E27FC236}">
+                <a16:creationId xmlns:a16="http://schemas.microsoft.com/office/drawing/2014/main" id="{4E96C786-72D5-44AD-A07C-D3295E8A7D72}"/>
+              </a:ext>
+            </a:extLst>
+          </p:cNvPr>
+          <p:cNvSpPr>
+            <a:spLocks noGrp="1"/>
+          </p:cNvSpPr>
+          <p:nvPr>
+            <p:ph idx="1"/>
+          </p:nvPr>
+        </p:nvSpPr>
+        <p:spPr/>
+        <p:txBody>
+          <a:bodyPr/>
+          <a:lstStyle/>
+          <a:p>
+            <a:endParaRPr lang="nl-BE"/>
+          </a:p>
+        </p:txBody>
+      </p:sp>
+      <p:pic>
+        <p:nvPicPr>
+          <p:cNvPr id="2050" name="Picture 2" descr="Image result for flow charts with loop funny">
+            <a:extLst>
+              <a:ext uri="{FF2B5EF4-FFF2-40B4-BE49-F238E27FC236}">
+                <a16:creationId xmlns:a16="http://schemas.microsoft.com/office/drawing/2014/main" id="{5B0131C5-E3FC-4CA5-9601-B938EDF9B229}"/>
+              </a:ext>
+            </a:extLst>
+          </p:cNvPr>
+          <p:cNvPicPr>
+            <a:picLocks noChangeAspect="1" noChangeArrowheads="1"/>
+          </p:cNvPicPr>
+          <p:nvPr/>
+        </p:nvPicPr>
+        <p:blipFill>
+          <a:blip r:embed="rId2">
+            <a:extLst>
+              <a:ext uri="{28A0092B-C50C-407E-A947-70E740481C1C}">
+                <a14:useLocalDpi xmlns:a14="http://schemas.microsoft.com/office/drawing/2010/main" val="0"/>
+              </a:ext>
+            </a:extLst>
+          </a:blip>
+          <a:srcRect/>
+          <a:stretch>
+            <a:fillRect/>
+          </a:stretch>
+        </p:blipFill>
+        <p:spPr bwMode="auto">
+          <a:xfrm>
+            <a:off x="3964034" y="633518"/>
+            <a:ext cx="4505846" cy="5021440"/>
+          </a:xfrm>
+          <a:prstGeom prst="rect">
+            <a:avLst/>
+          </a:prstGeom>
+          <a:noFill/>
+          <a:extLst>
+            <a:ext uri="{909E8E84-426E-40DD-AFC4-6F175D3DCCD1}">
+              <a14:hiddenFill xmlns:a14="http://schemas.microsoft.com/office/drawing/2010/main">
+                <a:solidFill>
+                  <a:srgbClr val="FFFFFF"/>
+                </a:solidFill>
+              </a14:hiddenFill>
+            </a:ext>
+          </a:extLst>
+        </p:spPr>
+      </p:pic>
+    </p:spTree>
+    <p:extLst>
+      <p:ext uri="{BB962C8B-B14F-4D97-AF65-F5344CB8AC3E}">
+        <p14:creationId xmlns:p14="http://schemas.microsoft.com/office/powerpoint/2010/main" val="1885829006"/>
+      </p:ext>
+    </p:extLst>
+  </p:cSld>
+  <p:clrMapOvr>
+    <a:masterClrMapping/>
+  </p:clrMapOvr>
+</p:sld>
+</file>
+
+<file path=ppt/slides/slide31.xml><?xml version="1.0" encoding="utf-8"?>
+<p:sld xmlns:a="http://schemas.openxmlformats.org/drawingml/2006/main" xmlns:r="http://schemas.openxmlformats.org/officeDocument/2006/relationships" xmlns:p="http://schemas.openxmlformats.org/presentationml/2006/main">
+  <p:cSld>
+    <p:spTree>
+      <p:nvGrpSpPr>
+        <p:cNvPr id="1" name=""/>
+        <p:cNvGrpSpPr/>
+        <p:nvPr/>
+      </p:nvGrpSpPr>
+      <p:grpSpPr>
+        <a:xfrm>
+          <a:off x="0" y="0"/>
+          <a:ext cx="0" cy="0"/>
+          <a:chOff x="0" y="0"/>
+          <a:chExt cx="0" cy="0"/>
+        </a:xfrm>
+      </p:grpSpPr>
+      <p:sp>
+        <p:nvSpPr>
+          <p:cNvPr id="2" name="Titel 1">
+            <a:extLst>
+              <a:ext uri="{FF2B5EF4-FFF2-40B4-BE49-F238E27FC236}">
+                <a16:creationId xmlns:a16="http://schemas.microsoft.com/office/drawing/2014/main" id="{DEA37EB1-D991-4BD1-B2A4-3FAA24191CB2}"/>
+              </a:ext>
+            </a:extLst>
+          </p:cNvPr>
+          <p:cNvSpPr>
+            <a:spLocks noGrp="1"/>
+          </p:cNvSpPr>
+          <p:nvPr>
+            <p:ph type="title"/>
+          </p:nvPr>
+        </p:nvSpPr>
+        <p:spPr/>
+        <p:txBody>
+          <a:bodyPr/>
+          <a:lstStyle/>
+          <a:p>
+            <a:r>
+              <a:rPr lang="nl-BE" dirty="0"/>
+              <a:t>Demo time</a:t>
+            </a:r>
+          </a:p>
+        </p:txBody>
+      </p:sp>
+      <p:sp>
+        <p:nvSpPr>
+          <p:cNvPr id="3" name="Tijdelijke aanduiding voor inhoud 2">
+            <a:extLst>
+              <a:ext uri="{FF2B5EF4-FFF2-40B4-BE49-F238E27FC236}">
+                <a16:creationId xmlns:a16="http://schemas.microsoft.com/office/drawing/2014/main" id="{0C497EC5-0E53-451E-9A6A-6A7435CDBDF4}"/>
+              </a:ext>
+            </a:extLst>
+          </p:cNvPr>
+          <p:cNvSpPr>
+            <a:spLocks noGrp="1"/>
+          </p:cNvSpPr>
+          <p:nvPr>
+            <p:ph idx="1"/>
+          </p:nvPr>
+        </p:nvSpPr>
+        <p:spPr/>
+        <p:txBody>
+          <a:bodyPr/>
+          <a:lstStyle/>
+          <a:p>
+            <a:r>
+              <a:rPr lang="nl-BE" dirty="0"/>
+              <a:t>Do </a:t>
+            </a:r>
+            <a:r>
+              <a:rPr lang="nl-BE" dirty="0" err="1"/>
+              <a:t>While</a:t>
+            </a:r>
+            <a:endParaRPr lang="nl-BE" dirty="0"/>
+          </a:p>
+          <a:p>
+            <a:r>
+              <a:rPr lang="nl-BE" dirty="0"/>
+              <a:t>Scope bij loops</a:t>
+            </a:r>
+          </a:p>
+          <a:p>
+            <a:endParaRPr lang="nl-BE" dirty="0"/>
+          </a:p>
+          <a:p>
+            <a:endParaRPr lang="nl-BE" dirty="0"/>
+          </a:p>
+          <a:p>
+            <a:endParaRPr lang="nl-BE" dirty="0"/>
+          </a:p>
+        </p:txBody>
+      </p:sp>
+      <p:sp>
+        <p:nvSpPr>
+          <p:cNvPr id="4" name="Tijdelijke aanduiding voor voettekst 3">
+            <a:extLst>
+              <a:ext uri="{FF2B5EF4-FFF2-40B4-BE49-F238E27FC236}">
+                <a16:creationId xmlns:a16="http://schemas.microsoft.com/office/drawing/2014/main" id="{D096920B-D69A-472B-950F-3005BC5B29F5}"/>
+              </a:ext>
+            </a:extLst>
+          </p:cNvPr>
+          <p:cNvSpPr>
+            <a:spLocks noGrp="1"/>
+          </p:cNvSpPr>
+          <p:nvPr>
+            <p:ph type="ftr" sz="quarter" idx="11"/>
+          </p:nvPr>
+        </p:nvSpPr>
+        <p:spPr/>
+        <p:txBody>
+          <a:bodyPr/>
+          <a:lstStyle/>
+          <a:p>
+            <a:r>
+              <a:rPr lang="nl-BE"/>
+              <a:t>Zie scherp</a:t>
+            </a:r>
+            <a:endParaRPr lang="nl-BE" dirty="0"/>
+          </a:p>
+        </p:txBody>
+      </p:sp>
+      <p:pic>
+        <p:nvPicPr>
+          <p:cNvPr id="2050" name="Picture 2">
+            <a:extLst>
+              <a:ext uri="{FF2B5EF4-FFF2-40B4-BE49-F238E27FC236}">
+                <a16:creationId xmlns:a16="http://schemas.microsoft.com/office/drawing/2014/main" id="{10ACCB77-444E-4CE2-8971-A6B218E6DB4A}"/>
+              </a:ext>
+            </a:extLst>
+          </p:cNvPr>
+          <p:cNvPicPr>
+            <a:picLocks noChangeAspect="1" noChangeArrowheads="1"/>
+          </p:cNvPicPr>
+          <p:nvPr/>
+        </p:nvPicPr>
+        <p:blipFill>
+          <a:blip r:embed="rId2">
+            <a:extLst>
+              <a:ext uri="{28A0092B-C50C-407E-A947-70E740481C1C}">
+                <a14:useLocalDpi xmlns:a14="http://schemas.microsoft.com/office/drawing/2010/main" val="0"/>
+              </a:ext>
+            </a:extLst>
+          </a:blip>
+          <a:srcRect/>
+          <a:stretch>
+            <a:fillRect/>
+          </a:stretch>
+        </p:blipFill>
+        <p:spPr bwMode="auto">
+          <a:xfrm>
+            <a:off x="6494388" y="-353661"/>
+            <a:ext cx="5088012" cy="7565321"/>
+          </a:xfrm>
+          <a:prstGeom prst="rect">
+            <a:avLst/>
+          </a:prstGeom>
+          <a:noFill/>
+          <a:extLst>
+            <a:ext uri="{909E8E84-426E-40DD-AFC4-6F175D3DCCD1}">
+              <a14:hiddenFill xmlns:a14="http://schemas.microsoft.com/office/drawing/2010/main">
+                <a:solidFill>
+                  <a:srgbClr val="FFFFFF"/>
+                </a:solidFill>
+              </a14:hiddenFill>
+            </a:ext>
+          </a:extLst>
+        </p:spPr>
+      </p:pic>
+      <p:sp>
+        <p:nvSpPr>
+          <p:cNvPr id="6" name="Tijdelijke aanduiding voor dianummer 5">
+            <a:extLst>
+              <a:ext uri="{FF2B5EF4-FFF2-40B4-BE49-F238E27FC236}">
+                <a16:creationId xmlns:a16="http://schemas.microsoft.com/office/drawing/2014/main" id="{4C2D247D-CB46-42C2-BD5D-0E3892A4FBC5}"/>
+              </a:ext>
+            </a:extLst>
+          </p:cNvPr>
+          <p:cNvSpPr>
+            <a:spLocks noGrp="1"/>
+          </p:cNvSpPr>
+          <p:nvPr>
+            <p:ph type="sldNum" sz="quarter" idx="12"/>
+          </p:nvPr>
+        </p:nvSpPr>
+        <p:spPr/>
+        <p:txBody>
+          <a:bodyPr/>
+          <a:lstStyle/>
+          <a:p>
+            <a:fld id="{E8A62353-F7CD-46ED-8877-B27D0E33FCF8}" type="slidenum">
+              <a:rPr lang="nl-BE" smtClean="0"/>
+              <a:t>31</a:t>
+            </a:fld>
+            <a:endParaRPr lang="nl-BE"/>
+          </a:p>
+        </p:txBody>
+      </p:sp>
+    </p:spTree>
+    <p:extLst>
+      <p:ext uri="{BB962C8B-B14F-4D97-AF65-F5344CB8AC3E}">
+        <p14:creationId xmlns:p14="http://schemas.microsoft.com/office/powerpoint/2010/main" val="3777222418"/>
+      </p:ext>
+    </p:extLst>
+  </p:cSld>
+  <p:clrMapOvr>
+    <a:masterClrMapping/>
+  </p:clrMapOvr>
+</p:sld>
+</file>
+
+<file path=ppt/slides/slide32.xml><?xml version="1.0" encoding="utf-8"?>
+<p:sld xmlns:a="http://schemas.openxmlformats.org/drawingml/2006/main" xmlns:r="http://schemas.openxmlformats.org/officeDocument/2006/relationships" xmlns:p="http://schemas.openxmlformats.org/presentationml/2006/main">
+  <p:cSld>
+    <p:spTree>
+      <p:nvGrpSpPr>
+        <p:cNvPr id="1" name=""/>
+        <p:cNvGrpSpPr/>
+        <p:nvPr/>
+      </p:nvGrpSpPr>
+      <p:grpSpPr>
+        <a:xfrm>
+          <a:off x="0" y="0"/>
+          <a:ext cx="0" cy="0"/>
+          <a:chOff x="0" y="0"/>
+          <a:chExt cx="0" cy="0"/>
+        </a:xfrm>
+      </p:grpSpPr>
+      <p:sp>
+        <p:nvSpPr>
+          <p:cNvPr id="2" name="Titel 1">
+            <a:extLst>
+              <a:ext uri="{FF2B5EF4-FFF2-40B4-BE49-F238E27FC236}">
                 <a16:creationId xmlns:a16="http://schemas.microsoft.com/office/drawing/2014/main" id="{2E9EBEAB-E2B9-406E-BEED-92C5C1834415}"/>
               </a:ext>
             </a:extLst>
@@ -23342,7 +23747,7 @@
 </p:sld>
 </file>
 
-<file path=ppt/slides/slide31.xml><?xml version="1.0" encoding="utf-8"?>
+<file path=ppt/slides/slide33.xml><?xml version="1.0" encoding="utf-8"?>
 <p:sld xmlns:a="http://schemas.openxmlformats.org/drawingml/2006/main" xmlns:r="http://schemas.openxmlformats.org/officeDocument/2006/relationships" xmlns:p="http://schemas.openxmlformats.org/presentationml/2006/main">
   <p:cSld>
     <p:spTree>
@@ -23783,7 +24188,7 @@
 </p:sld>
 </file>
 
-<file path=ppt/slides/slide32.xml><?xml version="1.0" encoding="utf-8"?>
+<file path=ppt/slides/slide34.xml><?xml version="1.0" encoding="utf-8"?>
 <p:sld xmlns:a="http://schemas.openxmlformats.org/drawingml/2006/main" xmlns:r="http://schemas.openxmlformats.org/officeDocument/2006/relationships" xmlns:p="http://schemas.openxmlformats.org/presentationml/2006/main">
   <p:cSld>
     <p:spTree>
@@ -23844,7 +24249,7 @@
           <a:p>
             <a:fld id="{E8A62353-F7CD-46ED-8877-B27D0E33FCF8}" type="slidenum">
               <a:rPr lang="nl-BE" smtClean="0"/>
-              <a:t>32</a:t>
+              <a:t>34</a:t>
             </a:fld>
             <a:endParaRPr lang="nl-BE"/>
           </a:p>
@@ -23893,7 +24298,7 @@
 </p:sld>
 </file>
 
-<file path=ppt/slides/slide33.xml><?xml version="1.0" encoding="utf-8"?>
+<file path=ppt/slides/slide35.xml><?xml version="1.0" encoding="utf-8"?>
 <p:sld xmlns:a="http://schemas.openxmlformats.org/drawingml/2006/main" xmlns:r="http://schemas.openxmlformats.org/officeDocument/2006/relationships" xmlns:p="http://schemas.openxmlformats.org/presentationml/2006/main">
   <p:cSld>
     <p:spTree>
@@ -24280,7 +24685,7 @@
 </p:sld>
 </file>
 
-<file path=ppt/slides/slide34.xml><?xml version="1.0" encoding="utf-8"?>
+<file path=ppt/slides/slide36.xml><?xml version="1.0" encoding="utf-8"?>
 <p:sld xmlns:a="http://schemas.openxmlformats.org/drawingml/2006/main" xmlns:r="http://schemas.openxmlformats.org/officeDocument/2006/relationships" xmlns:p="http://schemas.openxmlformats.org/presentationml/2006/main">
   <p:cSld>
     <p:spTree>
@@ -24353,7 +24758,7 @@
           <a:p>
             <a:fld id="{E8A62353-F7CD-46ED-8877-B27D0E33FCF8}" type="slidenum">
               <a:rPr lang="nl-BE" smtClean="0"/>
-              <a:t>34</a:t>
+              <a:t>36</a:t>
             </a:fld>
             <a:endParaRPr lang="nl-BE"/>
           </a:p>
@@ -24708,7 +25113,7 @@
 </p:sld>
 </file>
 
-<file path=ppt/slides/slide35.xml><?xml version="1.0" encoding="utf-8"?>
+<file path=ppt/slides/slide37.xml><?xml version="1.0" encoding="utf-8"?>
 <p:sld xmlns:a="http://schemas.openxmlformats.org/drawingml/2006/main" xmlns:r="http://schemas.openxmlformats.org/officeDocument/2006/relationships" xmlns:p="http://schemas.openxmlformats.org/presentationml/2006/main">
   <p:cSld>
     <p:spTree>
@@ -24854,7 +25259,7 @@
 </p:sld>
 </file>
 
-<file path=ppt/slides/slide36.xml><?xml version="1.0" encoding="utf-8"?>
+<file path=ppt/slides/slide38.xml><?xml version="1.0" encoding="utf-8"?>
 <p:sld xmlns:a="http://schemas.openxmlformats.org/drawingml/2006/main" xmlns:r="http://schemas.openxmlformats.org/officeDocument/2006/relationships" xmlns:p="http://schemas.openxmlformats.org/presentationml/2006/main">
   <p:cSld>
     <p:spTree>
@@ -24950,7 +25355,7 @@
           <a:p>
             <a:fld id="{E8A62353-F7CD-46ED-8877-B27D0E33FCF8}" type="slidenum">
               <a:rPr lang="nl-BE" smtClean="0"/>
-              <a:t>36</a:t>
+              <a:t>38</a:t>
             </a:fld>
             <a:endParaRPr lang="nl-BE"/>
           </a:p>
@@ -25281,7 +25686,7 @@
 </p:sld>
 </file>
 
-<file path=ppt/slides/slide37.xml><?xml version="1.0" encoding="utf-8"?>
+<file path=ppt/slides/slide39.xml><?xml version="1.0" encoding="utf-8"?>
 <p:sld xmlns:a="http://schemas.openxmlformats.org/drawingml/2006/main" xmlns:r="http://schemas.openxmlformats.org/officeDocument/2006/relationships" xmlns:p="http://schemas.openxmlformats.org/presentationml/2006/main">
   <p:cSld>
     <p:spTree>
@@ -25838,332 +26243,6 @@
 </p:sld>
 </file>
 
-<file path=ppt/slides/slide38.xml><?xml version="1.0" encoding="utf-8"?>
-<p:sld xmlns:a="http://schemas.openxmlformats.org/drawingml/2006/main" xmlns:r="http://schemas.openxmlformats.org/officeDocument/2006/relationships" xmlns:p="http://schemas.openxmlformats.org/presentationml/2006/main">
-  <p:cSld>
-    <p:spTree>
-      <p:nvGrpSpPr>
-        <p:cNvPr id="1" name=""/>
-        <p:cNvGrpSpPr/>
-        <p:nvPr/>
-      </p:nvGrpSpPr>
-      <p:grpSpPr>
-        <a:xfrm>
-          <a:off x="0" y="0"/>
-          <a:ext cx="0" cy="0"/>
-          <a:chOff x="0" y="0"/>
-          <a:chExt cx="0" cy="0"/>
-        </a:xfrm>
-      </p:grpSpPr>
-      <p:sp>
-        <p:nvSpPr>
-          <p:cNvPr id="9220" name="Rectangle 2"/>
-          <p:cNvSpPr>
-            <a:spLocks noGrp="1" noChangeArrowheads="1"/>
-          </p:cNvSpPr>
-          <p:nvPr>
-            <p:ph type="title"/>
-          </p:nvPr>
-        </p:nvSpPr>
-        <p:spPr/>
-        <p:txBody>
-          <a:bodyPr/>
-          <a:lstStyle/>
-          <a:p>
-            <a:pPr eaLnBrk="1" hangingPunct="1"/>
-            <a:r>
-              <a:rPr lang="nl-BE" dirty="0"/>
-              <a:t>conclusie</a:t>
-            </a:r>
-            <a:endParaRPr lang="nl-NL" dirty="0"/>
-          </a:p>
-        </p:txBody>
-      </p:sp>
-      <p:sp>
-        <p:nvSpPr>
-          <p:cNvPr id="9221" name="Rectangle 3"/>
-          <p:cNvSpPr>
-            <a:spLocks noGrp="1" noChangeArrowheads="1"/>
-          </p:cNvSpPr>
-          <p:nvPr>
-            <p:ph idx="1"/>
-          </p:nvPr>
-        </p:nvSpPr>
-        <p:spPr/>
-        <p:txBody>
-          <a:bodyPr/>
-          <a:lstStyle/>
-          <a:p>
-            <a:pPr eaLnBrk="1" hangingPunct="1">
-              <a:lnSpc>
-                <a:spcPct val="90000"/>
-              </a:lnSpc>
-            </a:pPr>
-            <a:r>
-              <a:rPr lang="nl-BE" dirty="0"/>
-              <a:t>Gebruik een </a:t>
-            </a:r>
-            <a:r>
-              <a:rPr lang="nl-BE" dirty="0" err="1">
-                <a:latin typeface="Consolas" pitchFamily="49" charset="0"/>
-                <a:cs typeface="Consolas" pitchFamily="49" charset="0"/>
-              </a:rPr>
-              <a:t>for</a:t>
-            </a:r>
-            <a:r>
-              <a:rPr lang="nl-BE" dirty="0"/>
-              <a:t>-lus als je op voorhand weet hoeveel keer de body moet uitgevoerd worden</a:t>
-            </a:r>
-          </a:p>
-          <a:p>
-            <a:pPr eaLnBrk="1" hangingPunct="1">
-              <a:lnSpc>
-                <a:spcPct val="90000"/>
-              </a:lnSpc>
-            </a:pPr>
-            <a:r>
-              <a:rPr lang="nl-BE" dirty="0"/>
-              <a:t>De </a:t>
-            </a:r>
-            <a:r>
-              <a:rPr lang="nl-BE" dirty="0" err="1"/>
-              <a:t>lusvariabele</a:t>
-            </a:r>
-            <a:r>
-              <a:rPr lang="nl-BE" dirty="0"/>
-              <a:t> (</a:t>
-            </a:r>
-            <a:r>
-              <a:rPr lang="nl-BE" dirty="0" err="1">
-                <a:latin typeface="Consolas" pitchFamily="49" charset="0"/>
-                <a:cs typeface="Consolas" pitchFamily="49" charset="0"/>
-              </a:rPr>
-              <a:t>number</a:t>
-            </a:r>
-            <a:r>
-              <a:rPr lang="nl-BE" dirty="0"/>
-              <a:t>) zou </a:t>
-            </a:r>
-            <a:r>
-              <a:rPr lang="nl-BE" b="1" u="sng" dirty="0"/>
-              <a:t>nooit</a:t>
-            </a:r>
-            <a:r>
-              <a:rPr lang="nl-BE" dirty="0"/>
-              <a:t> mogen veranderd worden in de body</a:t>
-            </a:r>
-          </a:p>
-          <a:p>
-            <a:pPr lvl="1" eaLnBrk="1" hangingPunct="1">
-              <a:lnSpc>
-                <a:spcPct val="90000"/>
-              </a:lnSpc>
-            </a:pPr>
-            <a:r>
-              <a:rPr lang="nl-BE" dirty="0"/>
-              <a:t>Hiervoor  bestaat de </a:t>
-            </a:r>
-            <a:r>
-              <a:rPr lang="nl-BE" dirty="0" err="1">
-                <a:latin typeface="Consolas" pitchFamily="49" charset="0"/>
-                <a:cs typeface="Consolas" pitchFamily="49" charset="0"/>
-              </a:rPr>
-              <a:t>while</a:t>
-            </a:r>
-            <a:r>
-              <a:rPr lang="nl-BE" dirty="0"/>
-              <a:t> lus!</a:t>
-            </a:r>
-          </a:p>
-          <a:p>
-            <a:pPr eaLnBrk="1" hangingPunct="1">
-              <a:lnSpc>
-                <a:spcPct val="90000"/>
-              </a:lnSpc>
-            </a:pPr>
-            <a:r>
-              <a:rPr lang="nl-BE" dirty="0"/>
-              <a:t>De </a:t>
-            </a:r>
-            <a:r>
-              <a:rPr lang="nl-BE" dirty="0" err="1"/>
-              <a:t>lusvariabele</a:t>
-            </a:r>
-            <a:r>
-              <a:rPr lang="nl-BE" dirty="0"/>
-              <a:t> mag wel gelezen of geraadpleegd worden</a:t>
-            </a:r>
-          </a:p>
-          <a:p>
-            <a:pPr eaLnBrk="1" hangingPunct="1">
-              <a:lnSpc>
-                <a:spcPct val="90000"/>
-              </a:lnSpc>
-            </a:pPr>
-            <a:endParaRPr lang="nl-BE" dirty="0"/>
-          </a:p>
-          <a:p>
-            <a:pPr eaLnBrk="1" hangingPunct="1">
-              <a:lnSpc>
-                <a:spcPct val="90000"/>
-              </a:lnSpc>
-            </a:pPr>
-            <a:endParaRPr lang="nl-BE" dirty="0"/>
-          </a:p>
-        </p:txBody>
-      </p:sp>
-      <p:sp>
-        <p:nvSpPr>
-          <p:cNvPr id="3" name="Tijdelijke aanduiding voor dianummer 2"/>
-          <p:cNvSpPr>
-            <a:spLocks noGrp="1"/>
-          </p:cNvSpPr>
-          <p:nvPr>
-            <p:ph type="sldNum" sz="quarter" idx="12"/>
-          </p:nvPr>
-        </p:nvSpPr>
-        <p:spPr/>
-        <p:txBody>
-          <a:bodyPr/>
-          <a:lstStyle/>
-          <a:p>
-            <a:fld id="{E8A62353-F7CD-46ED-8877-B27D0E33FCF8}" type="slidenum">
-              <a:rPr lang="nl-BE" smtClean="0"/>
-              <a:t>38</a:t>
-            </a:fld>
-            <a:endParaRPr lang="nl-BE"/>
-          </a:p>
-        </p:txBody>
-      </p:sp>
-    </p:spTree>
-    <p:extLst>
-      <p:ext uri="{BB962C8B-B14F-4D97-AF65-F5344CB8AC3E}">
-        <p14:creationId xmlns:p14="http://schemas.microsoft.com/office/powerpoint/2010/main" val="1509867940"/>
-      </p:ext>
-    </p:extLst>
-  </p:cSld>
-  <p:clrMapOvr>
-    <a:masterClrMapping/>
-  </p:clrMapOvr>
-</p:sld>
-</file>
-
-<file path=ppt/slides/slide39.xml><?xml version="1.0" encoding="utf-8"?>
-<p:sld xmlns:a="http://schemas.openxmlformats.org/drawingml/2006/main" xmlns:r="http://schemas.openxmlformats.org/officeDocument/2006/relationships" xmlns:p="http://schemas.openxmlformats.org/presentationml/2006/main" show="0">
-  <p:cSld>
-    <p:spTree>
-      <p:nvGrpSpPr>
-        <p:cNvPr id="1" name=""/>
-        <p:cNvGrpSpPr/>
-        <p:nvPr/>
-      </p:nvGrpSpPr>
-      <p:grpSpPr>
-        <a:xfrm>
-          <a:off x="0" y="0"/>
-          <a:ext cx="0" cy="0"/>
-          <a:chOff x="0" y="0"/>
-          <a:chExt cx="0" cy="0"/>
-        </a:xfrm>
-      </p:grpSpPr>
-      <p:sp>
-        <p:nvSpPr>
-          <p:cNvPr id="16388" name="Rectangle 2"/>
-          <p:cNvSpPr>
-            <a:spLocks noGrp="1" noChangeArrowheads="1"/>
-          </p:cNvSpPr>
-          <p:nvPr>
-            <p:ph type="title"/>
-          </p:nvPr>
-        </p:nvSpPr>
-        <p:spPr>
-          <a:xfrm>
-            <a:off x="2057400" y="228600"/>
-            <a:ext cx="8077200" cy="1143000"/>
-          </a:xfrm>
-        </p:spPr>
-        <p:txBody>
-          <a:bodyPr/>
-          <a:lstStyle/>
-          <a:p>
-            <a:pPr eaLnBrk="1" hangingPunct="1"/>
-            <a:r>
-              <a:rPr lang="en-US" dirty="0" err="1"/>
-              <a:t>Voorbeeld</a:t>
-            </a:r>
-            <a:r>
-              <a:rPr lang="en-US" dirty="0"/>
-              <a:t> for</a:t>
-            </a:r>
-          </a:p>
-        </p:txBody>
-      </p:sp>
-      <p:pic>
-        <p:nvPicPr>
-          <p:cNvPr id="16389" name="Picture 6"/>
-          <p:cNvPicPr>
-            <a:picLocks noChangeAspect="1" noChangeArrowheads="1"/>
-          </p:cNvPicPr>
-          <p:nvPr/>
-        </p:nvPicPr>
-        <p:blipFill>
-          <a:blip r:embed="rId3">
-            <a:extLst>
-              <a:ext uri="{28A0092B-C50C-407E-A947-70E740481C1C}">
-                <a14:useLocalDpi xmlns:a14="http://schemas.microsoft.com/office/drawing/2010/main" val="0"/>
-              </a:ext>
-            </a:extLst>
-          </a:blip>
-          <a:srcRect/>
-          <a:stretch>
-            <a:fillRect/>
-          </a:stretch>
-        </p:blipFill>
-        <p:spPr bwMode="auto">
-          <a:xfrm>
-            <a:off x="2776539" y="1695450"/>
-            <a:ext cx="6638925" cy="3943350"/>
-          </a:xfrm>
-          <a:prstGeom prst="rect">
-            <a:avLst/>
-          </a:prstGeom>
-          <a:noFill/>
-          <a:ln>
-            <a:noFill/>
-          </a:ln>
-          <a:extLst>
-            <a:ext uri="{909E8E84-426E-40DD-AFC4-6F175D3DCCD1}">
-              <a14:hiddenFill xmlns:a14="http://schemas.microsoft.com/office/drawing/2010/main">
-                <a:solidFill>
-                  <a:srgbClr val="FFFFFF"/>
-                </a:solidFill>
-              </a14:hiddenFill>
-            </a:ext>
-            <a:ext uri="{91240B29-F687-4F45-9708-019B960494DF}">
-              <a14:hiddenLine xmlns:a14="http://schemas.microsoft.com/office/drawing/2010/main" w="9525">
-                <a:solidFill>
-                  <a:srgbClr val="000000"/>
-                </a:solidFill>
-                <a:miter lim="800000"/>
-                <a:headEnd/>
-                <a:tailEnd/>
-              </a14:hiddenLine>
-            </a:ext>
-          </a:extLst>
-        </p:spPr>
-      </p:pic>
-    </p:spTree>
-    <p:extLst>
-      <p:ext uri="{BB962C8B-B14F-4D97-AF65-F5344CB8AC3E}">
-        <p14:creationId xmlns:p14="http://schemas.microsoft.com/office/powerpoint/2010/main" val="3146745764"/>
-      </p:ext>
-    </p:extLst>
-  </p:cSld>
-  <p:clrMapOvr>
-    <a:masterClrMapping/>
-  </p:clrMapOvr>
-</p:sld>
-</file>
-
 <file path=ppt/slides/slide4.xml><?xml version="1.0" encoding="utf-8"?>
 <p:sld xmlns:a="http://schemas.openxmlformats.org/drawingml/2006/main" xmlns:r="http://schemas.openxmlformats.org/officeDocument/2006/relationships" xmlns:p="http://schemas.openxmlformats.org/presentationml/2006/main">
   <p:cSld>
@@ -26260,6 +26339,332 @@
 </file>
 
 <file path=ppt/slides/slide40.xml><?xml version="1.0" encoding="utf-8"?>
+<p:sld xmlns:a="http://schemas.openxmlformats.org/drawingml/2006/main" xmlns:r="http://schemas.openxmlformats.org/officeDocument/2006/relationships" xmlns:p="http://schemas.openxmlformats.org/presentationml/2006/main">
+  <p:cSld>
+    <p:spTree>
+      <p:nvGrpSpPr>
+        <p:cNvPr id="1" name=""/>
+        <p:cNvGrpSpPr/>
+        <p:nvPr/>
+      </p:nvGrpSpPr>
+      <p:grpSpPr>
+        <a:xfrm>
+          <a:off x="0" y="0"/>
+          <a:ext cx="0" cy="0"/>
+          <a:chOff x="0" y="0"/>
+          <a:chExt cx="0" cy="0"/>
+        </a:xfrm>
+      </p:grpSpPr>
+      <p:sp>
+        <p:nvSpPr>
+          <p:cNvPr id="9220" name="Rectangle 2"/>
+          <p:cNvSpPr>
+            <a:spLocks noGrp="1" noChangeArrowheads="1"/>
+          </p:cNvSpPr>
+          <p:nvPr>
+            <p:ph type="title"/>
+          </p:nvPr>
+        </p:nvSpPr>
+        <p:spPr/>
+        <p:txBody>
+          <a:bodyPr/>
+          <a:lstStyle/>
+          <a:p>
+            <a:pPr eaLnBrk="1" hangingPunct="1"/>
+            <a:r>
+              <a:rPr lang="nl-BE" dirty="0"/>
+              <a:t>conclusie</a:t>
+            </a:r>
+            <a:endParaRPr lang="nl-NL" dirty="0"/>
+          </a:p>
+        </p:txBody>
+      </p:sp>
+      <p:sp>
+        <p:nvSpPr>
+          <p:cNvPr id="9221" name="Rectangle 3"/>
+          <p:cNvSpPr>
+            <a:spLocks noGrp="1" noChangeArrowheads="1"/>
+          </p:cNvSpPr>
+          <p:nvPr>
+            <p:ph idx="1"/>
+          </p:nvPr>
+        </p:nvSpPr>
+        <p:spPr/>
+        <p:txBody>
+          <a:bodyPr/>
+          <a:lstStyle/>
+          <a:p>
+            <a:pPr eaLnBrk="1" hangingPunct="1">
+              <a:lnSpc>
+                <a:spcPct val="90000"/>
+              </a:lnSpc>
+            </a:pPr>
+            <a:r>
+              <a:rPr lang="nl-BE" dirty="0"/>
+              <a:t>Gebruik een </a:t>
+            </a:r>
+            <a:r>
+              <a:rPr lang="nl-BE" dirty="0" err="1">
+                <a:latin typeface="Consolas" pitchFamily="49" charset="0"/>
+                <a:cs typeface="Consolas" pitchFamily="49" charset="0"/>
+              </a:rPr>
+              <a:t>for</a:t>
+            </a:r>
+            <a:r>
+              <a:rPr lang="nl-BE" dirty="0"/>
+              <a:t>-lus als je op voorhand weet hoeveel keer de body moet uitgevoerd worden</a:t>
+            </a:r>
+          </a:p>
+          <a:p>
+            <a:pPr eaLnBrk="1" hangingPunct="1">
+              <a:lnSpc>
+                <a:spcPct val="90000"/>
+              </a:lnSpc>
+            </a:pPr>
+            <a:r>
+              <a:rPr lang="nl-BE" dirty="0"/>
+              <a:t>De </a:t>
+            </a:r>
+            <a:r>
+              <a:rPr lang="nl-BE" dirty="0" err="1"/>
+              <a:t>lusvariabele</a:t>
+            </a:r>
+            <a:r>
+              <a:rPr lang="nl-BE" dirty="0"/>
+              <a:t> (</a:t>
+            </a:r>
+            <a:r>
+              <a:rPr lang="nl-BE" dirty="0" err="1">
+                <a:latin typeface="Consolas" pitchFamily="49" charset="0"/>
+                <a:cs typeface="Consolas" pitchFamily="49" charset="0"/>
+              </a:rPr>
+              <a:t>number</a:t>
+            </a:r>
+            <a:r>
+              <a:rPr lang="nl-BE" dirty="0"/>
+              <a:t>) zou </a:t>
+            </a:r>
+            <a:r>
+              <a:rPr lang="nl-BE" b="1" u="sng" dirty="0"/>
+              <a:t>nooit</a:t>
+            </a:r>
+            <a:r>
+              <a:rPr lang="nl-BE" dirty="0"/>
+              <a:t> mogen veranderd worden in de body</a:t>
+            </a:r>
+          </a:p>
+          <a:p>
+            <a:pPr lvl="1" eaLnBrk="1" hangingPunct="1">
+              <a:lnSpc>
+                <a:spcPct val="90000"/>
+              </a:lnSpc>
+            </a:pPr>
+            <a:r>
+              <a:rPr lang="nl-BE" dirty="0"/>
+              <a:t>Hiervoor  bestaat de </a:t>
+            </a:r>
+            <a:r>
+              <a:rPr lang="nl-BE" dirty="0" err="1">
+                <a:latin typeface="Consolas" pitchFamily="49" charset="0"/>
+                <a:cs typeface="Consolas" pitchFamily="49" charset="0"/>
+              </a:rPr>
+              <a:t>while</a:t>
+            </a:r>
+            <a:r>
+              <a:rPr lang="nl-BE" dirty="0"/>
+              <a:t> lus!</a:t>
+            </a:r>
+          </a:p>
+          <a:p>
+            <a:pPr eaLnBrk="1" hangingPunct="1">
+              <a:lnSpc>
+                <a:spcPct val="90000"/>
+              </a:lnSpc>
+            </a:pPr>
+            <a:r>
+              <a:rPr lang="nl-BE" dirty="0"/>
+              <a:t>De </a:t>
+            </a:r>
+            <a:r>
+              <a:rPr lang="nl-BE" dirty="0" err="1"/>
+              <a:t>lusvariabele</a:t>
+            </a:r>
+            <a:r>
+              <a:rPr lang="nl-BE" dirty="0"/>
+              <a:t> mag wel gelezen of geraadpleegd worden</a:t>
+            </a:r>
+          </a:p>
+          <a:p>
+            <a:pPr eaLnBrk="1" hangingPunct="1">
+              <a:lnSpc>
+                <a:spcPct val="90000"/>
+              </a:lnSpc>
+            </a:pPr>
+            <a:endParaRPr lang="nl-BE" dirty="0"/>
+          </a:p>
+          <a:p>
+            <a:pPr eaLnBrk="1" hangingPunct="1">
+              <a:lnSpc>
+                <a:spcPct val="90000"/>
+              </a:lnSpc>
+            </a:pPr>
+            <a:endParaRPr lang="nl-BE" dirty="0"/>
+          </a:p>
+        </p:txBody>
+      </p:sp>
+      <p:sp>
+        <p:nvSpPr>
+          <p:cNvPr id="3" name="Tijdelijke aanduiding voor dianummer 2"/>
+          <p:cNvSpPr>
+            <a:spLocks noGrp="1"/>
+          </p:cNvSpPr>
+          <p:nvPr>
+            <p:ph type="sldNum" sz="quarter" idx="12"/>
+          </p:nvPr>
+        </p:nvSpPr>
+        <p:spPr/>
+        <p:txBody>
+          <a:bodyPr/>
+          <a:lstStyle/>
+          <a:p>
+            <a:fld id="{E8A62353-F7CD-46ED-8877-B27D0E33FCF8}" type="slidenum">
+              <a:rPr lang="nl-BE" smtClean="0"/>
+              <a:t>40</a:t>
+            </a:fld>
+            <a:endParaRPr lang="nl-BE"/>
+          </a:p>
+        </p:txBody>
+      </p:sp>
+    </p:spTree>
+    <p:extLst>
+      <p:ext uri="{BB962C8B-B14F-4D97-AF65-F5344CB8AC3E}">
+        <p14:creationId xmlns:p14="http://schemas.microsoft.com/office/powerpoint/2010/main" val="1509867940"/>
+      </p:ext>
+    </p:extLst>
+  </p:cSld>
+  <p:clrMapOvr>
+    <a:masterClrMapping/>
+  </p:clrMapOvr>
+</p:sld>
+</file>
+
+<file path=ppt/slides/slide41.xml><?xml version="1.0" encoding="utf-8"?>
+<p:sld xmlns:a="http://schemas.openxmlformats.org/drawingml/2006/main" xmlns:r="http://schemas.openxmlformats.org/officeDocument/2006/relationships" xmlns:p="http://schemas.openxmlformats.org/presentationml/2006/main" show="0">
+  <p:cSld>
+    <p:spTree>
+      <p:nvGrpSpPr>
+        <p:cNvPr id="1" name=""/>
+        <p:cNvGrpSpPr/>
+        <p:nvPr/>
+      </p:nvGrpSpPr>
+      <p:grpSpPr>
+        <a:xfrm>
+          <a:off x="0" y="0"/>
+          <a:ext cx="0" cy="0"/>
+          <a:chOff x="0" y="0"/>
+          <a:chExt cx="0" cy="0"/>
+        </a:xfrm>
+      </p:grpSpPr>
+      <p:sp>
+        <p:nvSpPr>
+          <p:cNvPr id="16388" name="Rectangle 2"/>
+          <p:cNvSpPr>
+            <a:spLocks noGrp="1" noChangeArrowheads="1"/>
+          </p:cNvSpPr>
+          <p:nvPr>
+            <p:ph type="title"/>
+          </p:nvPr>
+        </p:nvSpPr>
+        <p:spPr>
+          <a:xfrm>
+            <a:off x="2057400" y="228600"/>
+            <a:ext cx="8077200" cy="1143000"/>
+          </a:xfrm>
+        </p:spPr>
+        <p:txBody>
+          <a:bodyPr/>
+          <a:lstStyle/>
+          <a:p>
+            <a:pPr eaLnBrk="1" hangingPunct="1"/>
+            <a:r>
+              <a:rPr lang="en-US" dirty="0" err="1"/>
+              <a:t>Voorbeeld</a:t>
+            </a:r>
+            <a:r>
+              <a:rPr lang="en-US" dirty="0"/>
+              <a:t> for</a:t>
+            </a:r>
+          </a:p>
+        </p:txBody>
+      </p:sp>
+      <p:pic>
+        <p:nvPicPr>
+          <p:cNvPr id="16389" name="Picture 6"/>
+          <p:cNvPicPr>
+            <a:picLocks noChangeAspect="1" noChangeArrowheads="1"/>
+          </p:cNvPicPr>
+          <p:nvPr/>
+        </p:nvPicPr>
+        <p:blipFill>
+          <a:blip r:embed="rId3">
+            <a:extLst>
+              <a:ext uri="{28A0092B-C50C-407E-A947-70E740481C1C}">
+                <a14:useLocalDpi xmlns:a14="http://schemas.microsoft.com/office/drawing/2010/main" val="0"/>
+              </a:ext>
+            </a:extLst>
+          </a:blip>
+          <a:srcRect/>
+          <a:stretch>
+            <a:fillRect/>
+          </a:stretch>
+        </p:blipFill>
+        <p:spPr bwMode="auto">
+          <a:xfrm>
+            <a:off x="2776539" y="1695450"/>
+            <a:ext cx="6638925" cy="3943350"/>
+          </a:xfrm>
+          <a:prstGeom prst="rect">
+            <a:avLst/>
+          </a:prstGeom>
+          <a:noFill/>
+          <a:ln>
+            <a:noFill/>
+          </a:ln>
+          <a:extLst>
+            <a:ext uri="{909E8E84-426E-40DD-AFC4-6F175D3DCCD1}">
+              <a14:hiddenFill xmlns:a14="http://schemas.microsoft.com/office/drawing/2010/main">
+                <a:solidFill>
+                  <a:srgbClr val="FFFFFF"/>
+                </a:solidFill>
+              </a14:hiddenFill>
+            </a:ext>
+            <a:ext uri="{91240B29-F687-4F45-9708-019B960494DF}">
+              <a14:hiddenLine xmlns:a14="http://schemas.microsoft.com/office/drawing/2010/main" w="9525">
+                <a:solidFill>
+                  <a:srgbClr val="000000"/>
+                </a:solidFill>
+                <a:miter lim="800000"/>
+                <a:headEnd/>
+                <a:tailEnd/>
+              </a14:hiddenLine>
+            </a:ext>
+          </a:extLst>
+        </p:spPr>
+      </p:pic>
+    </p:spTree>
+    <p:extLst>
+      <p:ext uri="{BB962C8B-B14F-4D97-AF65-F5344CB8AC3E}">
+        <p14:creationId xmlns:p14="http://schemas.microsoft.com/office/powerpoint/2010/main" val="3146745764"/>
+      </p:ext>
+    </p:extLst>
+  </p:cSld>
+  <p:clrMapOvr>
+    <a:masterClrMapping/>
+  </p:clrMapOvr>
+</p:sld>
+</file>
+
+<file path=ppt/slides/slide42.xml><?xml version="1.0" encoding="utf-8"?>
 <p:sld xmlns:a="http://schemas.openxmlformats.org/drawingml/2006/main" xmlns:r="http://schemas.openxmlformats.org/officeDocument/2006/relationships" xmlns:p="http://schemas.openxmlformats.org/presentationml/2006/main" show="0">
   <p:cSld>
     <p:spTree>
@@ -26343,7 +26748,7 @@
 </p:sld>
 </file>
 
-<file path=ppt/slides/slide41.xml><?xml version="1.0" encoding="utf-8"?>
+<file path=ppt/slides/slide43.xml><?xml version="1.0" encoding="utf-8"?>
 <p:sld xmlns:a="http://schemas.openxmlformats.org/drawingml/2006/main" xmlns:r="http://schemas.openxmlformats.org/officeDocument/2006/relationships" xmlns:p="http://schemas.openxmlformats.org/presentationml/2006/main">
   <p:cSld>
     <p:spTree>
@@ -26446,7 +26851,7 @@
               <a:pPr>
                 <a:defRPr/>
               </a:pPr>
-              <a:t>41</a:t>
+              <a:t>43</a:t>
             </a:fld>
             <a:endParaRPr lang="nl-NL" dirty="0"/>
           </a:p>
@@ -27072,7 +27477,7 @@
 </p:sld>
 </file>
 
-<file path=ppt/slides/slide42.xml><?xml version="1.0" encoding="utf-8"?>
+<file path=ppt/slides/slide44.xml><?xml version="1.0" encoding="utf-8"?>
 <p:sld xmlns:a="http://schemas.openxmlformats.org/drawingml/2006/main" xmlns:r="http://schemas.openxmlformats.org/officeDocument/2006/relationships" xmlns:p="http://schemas.openxmlformats.org/presentationml/2006/main">
   <p:cSld>
     <p:spTree>
@@ -27253,7 +27658,7 @@
           <a:p>
             <a:fld id="{E8A62353-F7CD-46ED-8877-B27D0E33FCF8}" type="slidenum">
               <a:rPr lang="nl-BE" smtClean="0"/>
-              <a:t>42</a:t>
+              <a:t>44</a:t>
             </a:fld>
             <a:endParaRPr lang="nl-BE"/>
           </a:p>
@@ -27272,7 +27677,7 @@
 </p:sld>
 </file>
 
-<file path=ppt/slides/slide43.xml><?xml version="1.0" encoding="utf-8"?>
+<file path=ppt/slides/slide45.xml><?xml version="1.0" encoding="utf-8"?>
 <p:sld xmlns:a="http://schemas.openxmlformats.org/drawingml/2006/main" xmlns:r="http://schemas.openxmlformats.org/officeDocument/2006/relationships" xmlns:p="http://schemas.openxmlformats.org/presentationml/2006/main">
   <p:cSld>
     <p:spTree>
@@ -27363,7 +27768,7 @@
 </p:sld>
 </file>
 
-<file path=ppt/slides/slide44.xml><?xml version="1.0" encoding="utf-8"?>
+<file path=ppt/slides/slide46.xml><?xml version="1.0" encoding="utf-8"?>
 <p:sld xmlns:a="http://schemas.openxmlformats.org/drawingml/2006/main" xmlns:r="http://schemas.openxmlformats.org/officeDocument/2006/relationships" xmlns:p="http://schemas.openxmlformats.org/presentationml/2006/main">
   <p:cSld>
     <p:bg>
@@ -27542,7 +27947,7 @@
 </p:sld>
 </file>
 
-<file path=ppt/slides/slide45.xml><?xml version="1.0" encoding="utf-8"?>
+<file path=ppt/slides/slide47.xml><?xml version="1.0" encoding="utf-8"?>
 <p:sld xmlns:a="http://schemas.openxmlformats.org/drawingml/2006/main" xmlns:r="http://schemas.openxmlformats.org/officeDocument/2006/relationships" xmlns:p="http://schemas.openxmlformats.org/presentationml/2006/main">
   <p:cSld>
     <p:spTree>
@@ -27651,7 +28056,7 @@
 </p:sld>
 </file>
 
-<file path=ppt/slides/slide46.xml><?xml version="1.0" encoding="utf-8"?>
+<file path=ppt/slides/slide48.xml><?xml version="1.0" encoding="utf-8"?>
 <p:sld xmlns:a="http://schemas.openxmlformats.org/drawingml/2006/main" xmlns:r="http://schemas.openxmlformats.org/officeDocument/2006/relationships" xmlns:p="http://schemas.openxmlformats.org/presentationml/2006/main">
   <p:cSld>
     <p:spTree>
@@ -28383,7 +28788,7 @@
 </p:sld>
 </file>
 
-<file path=ppt/slides/slide47.xml><?xml version="1.0" encoding="utf-8"?>
+<file path=ppt/slides/slide49.xml><?xml version="1.0" encoding="utf-8"?>
 <p:sld xmlns:a="http://schemas.openxmlformats.org/drawingml/2006/main" xmlns:r="http://schemas.openxmlformats.org/officeDocument/2006/relationships" xmlns:p="http://schemas.openxmlformats.org/presentationml/2006/main">
   <p:cSld>
     <p:spTree>
@@ -28734,7 +29139,413 @@
 </p:sld>
 </file>
 
-<file path=ppt/slides/slide48.xml><?xml version="1.0" encoding="utf-8"?>
+<file path=ppt/slides/slide5.xml><?xml version="1.0" encoding="utf-8"?>
+<p:sld xmlns:a="http://schemas.openxmlformats.org/drawingml/2006/main" xmlns:r="http://schemas.openxmlformats.org/officeDocument/2006/relationships" xmlns:p="http://schemas.openxmlformats.org/presentationml/2006/main">
+  <p:cSld>
+    <p:bg>
+      <p:bgPr>
+        <a:solidFill>
+          <a:schemeClr val="bg1"/>
+        </a:solidFill>
+        <a:effectLst/>
+      </p:bgPr>
+    </p:bg>
+    <p:spTree>
+      <p:nvGrpSpPr>
+        <p:cNvPr id="1" name=""/>
+        <p:cNvGrpSpPr/>
+        <p:nvPr/>
+      </p:nvGrpSpPr>
+      <p:grpSpPr>
+        <a:xfrm>
+          <a:off x="0" y="0"/>
+          <a:ext cx="0" cy="0"/>
+          <a:chOff x="0" y="0"/>
+          <a:chExt cx="0" cy="0"/>
+        </a:xfrm>
+      </p:grpSpPr>
+      <p:sp>
+        <p:nvSpPr>
+          <p:cNvPr id="2" name="Titel 1">
+            <a:extLst>
+              <a:ext uri="{FF2B5EF4-FFF2-40B4-BE49-F238E27FC236}">
+                <a16:creationId xmlns:a16="http://schemas.microsoft.com/office/drawing/2014/main" id="{0326C7E2-F78F-4E06-B1E7-5B36DBFAD4DB}"/>
+              </a:ext>
+            </a:extLst>
+          </p:cNvPr>
+          <p:cNvSpPr>
+            <a:spLocks noGrp="1"/>
+          </p:cNvSpPr>
+          <p:nvPr>
+            <p:ph type="title"/>
+          </p:nvPr>
+        </p:nvSpPr>
+        <p:spPr>
+          <a:xfrm>
+            <a:off x="6094105" y="802955"/>
+            <a:ext cx="4977976" cy="1454051"/>
+          </a:xfrm>
+        </p:spPr>
+        <p:txBody>
+          <a:bodyPr>
+            <a:normAutofit/>
+          </a:bodyPr>
+          <a:lstStyle/>
+          <a:p>
+            <a:r>
+              <a:rPr lang="nl-BE" dirty="0">
+                <a:solidFill>
+                  <a:srgbClr val="000000"/>
+                </a:solidFill>
+              </a:rPr>
+              <a:t>Soorten C# loops</a:t>
+            </a:r>
+          </a:p>
+        </p:txBody>
+      </p:sp>
+      <p:sp>
+        <p:nvSpPr>
+          <p:cNvPr id="3" name="Tijdelijke aanduiding voor inhoud 2">
+            <a:extLst>
+              <a:ext uri="{FF2B5EF4-FFF2-40B4-BE49-F238E27FC236}">
+                <a16:creationId xmlns:a16="http://schemas.microsoft.com/office/drawing/2014/main" id="{DC13E358-E8D0-422A-9413-319343166E7E}"/>
+              </a:ext>
+            </a:extLst>
+          </p:cNvPr>
+          <p:cNvSpPr>
+            <a:spLocks noGrp="1"/>
+          </p:cNvSpPr>
+          <p:nvPr>
+            <p:ph idx="1"/>
+          </p:nvPr>
+        </p:nvSpPr>
+        <p:spPr>
+          <a:xfrm>
+            <a:off x="6090574" y="2421682"/>
+            <a:ext cx="4977578" cy="3639289"/>
+          </a:xfrm>
+        </p:spPr>
+        <p:txBody>
+          <a:bodyPr anchor="ctr">
+            <a:normAutofit lnSpcReduction="10000"/>
+          </a:bodyPr>
+          <a:lstStyle/>
+          <a:p>
+            <a:r>
+              <a:rPr lang="en-US" sz="2000" dirty="0">
+                <a:solidFill>
+                  <a:srgbClr val="000000"/>
+                </a:solidFill>
+              </a:rPr>
+              <a:t>3 types of loops in C#</a:t>
+            </a:r>
+          </a:p>
+          <a:p>
+            <a:pPr lvl="1"/>
+            <a:r>
+              <a:rPr lang="en-US" sz="2000" b="1" dirty="0">
+                <a:solidFill>
+                  <a:srgbClr val="000000"/>
+                </a:solidFill>
+                <a:latin typeface="Courier New" pitchFamily="1" charset="0"/>
+              </a:rPr>
+              <a:t>while</a:t>
+            </a:r>
+            <a:r>
+              <a:rPr lang="en-US" sz="2000" b="1" dirty="0">
+                <a:solidFill>
+                  <a:srgbClr val="000000"/>
+                </a:solidFill>
+              </a:rPr>
+              <a:t> loop</a:t>
+            </a:r>
+          </a:p>
+          <a:p>
+            <a:pPr lvl="1"/>
+            <a:r>
+              <a:rPr lang="en-US" sz="2000" b="1" dirty="0">
+                <a:solidFill>
+                  <a:srgbClr val="000000"/>
+                </a:solidFill>
+                <a:latin typeface="Courier New" pitchFamily="1" charset="0"/>
+              </a:rPr>
+              <a:t>for</a:t>
+            </a:r>
+            <a:r>
+              <a:rPr lang="en-US" sz="2000" b="1" dirty="0">
+                <a:solidFill>
+                  <a:srgbClr val="000000"/>
+                </a:solidFill>
+              </a:rPr>
+              <a:t> loop</a:t>
+            </a:r>
+          </a:p>
+          <a:p>
+            <a:pPr lvl="1"/>
+            <a:r>
+              <a:rPr lang="en-US" sz="2000" b="1" dirty="0">
+                <a:solidFill>
+                  <a:srgbClr val="000000"/>
+                </a:solidFill>
+                <a:latin typeface="Courier New" pitchFamily="1" charset="0"/>
+              </a:rPr>
+              <a:t>do</a:t>
+            </a:r>
+            <a:r>
+              <a:rPr lang="en-US" sz="2000" b="1" dirty="0">
+                <a:solidFill>
+                  <a:srgbClr val="000000"/>
+                </a:solidFill>
+              </a:rPr>
+              <a:t> loop (or </a:t>
+            </a:r>
+            <a:r>
+              <a:rPr lang="en-US" sz="2000" b="1" dirty="0">
+                <a:solidFill>
+                  <a:srgbClr val="000000"/>
+                </a:solidFill>
+                <a:latin typeface="Courier New" pitchFamily="1" charset="0"/>
+              </a:rPr>
+              <a:t>do-while</a:t>
+            </a:r>
+            <a:r>
+              <a:rPr lang="en-US" sz="2000" b="1" dirty="0">
+                <a:solidFill>
+                  <a:srgbClr val="000000"/>
+                </a:solidFill>
+              </a:rPr>
+              <a:t> loop)</a:t>
+            </a:r>
+          </a:p>
+          <a:p>
+            <a:r>
+              <a:rPr lang="nl-BE" sz="2400" dirty="0">
+                <a:solidFill>
+                  <a:srgbClr val="000000"/>
+                </a:solidFill>
+              </a:rPr>
+              <a:t>3 manieren om zelfde problemen op te lossen, ieder met hun eigen subtiele verschillen</a:t>
+            </a:r>
+          </a:p>
+          <a:p>
+            <a:endParaRPr lang="en-US" sz="2400" b="1" dirty="0">
+              <a:solidFill>
+                <a:srgbClr val="000000"/>
+              </a:solidFill>
+            </a:endParaRPr>
+          </a:p>
+          <a:p>
+            <a:r>
+              <a:rPr lang="en-US" sz="2400" dirty="0">
+                <a:solidFill>
+                  <a:srgbClr val="000000"/>
+                </a:solidFill>
+              </a:rPr>
+              <a:t>4e type loop “Foreach” </a:t>
+            </a:r>
+            <a:r>
+              <a:rPr lang="en-US" sz="2400" dirty="0" err="1">
+                <a:solidFill>
+                  <a:srgbClr val="000000"/>
+                </a:solidFill>
+              </a:rPr>
+              <a:t>zien</a:t>
+            </a:r>
+            <a:r>
+              <a:rPr lang="en-US" sz="2400" dirty="0">
+                <a:solidFill>
+                  <a:srgbClr val="000000"/>
+                </a:solidFill>
+              </a:rPr>
+              <a:t> we in </a:t>
+            </a:r>
+            <a:r>
+              <a:rPr lang="en-US" sz="2400" dirty="0" err="1">
+                <a:solidFill>
+                  <a:srgbClr val="000000"/>
+                </a:solidFill>
+              </a:rPr>
+              <a:t>volgende</a:t>
+            </a:r>
+            <a:r>
+              <a:rPr lang="en-US" sz="2400" dirty="0">
+                <a:solidFill>
+                  <a:srgbClr val="000000"/>
+                </a:solidFill>
+              </a:rPr>
+              <a:t> semester</a:t>
+            </a:r>
+          </a:p>
+          <a:p>
+            <a:pPr lvl="1"/>
+            <a:endParaRPr lang="en-US" sz="2000" b="1" dirty="0">
+              <a:solidFill>
+                <a:srgbClr val="000000"/>
+              </a:solidFill>
+            </a:endParaRPr>
+          </a:p>
+          <a:p>
+            <a:endParaRPr lang="nl-BE" sz="2000" b="1" dirty="0">
+              <a:solidFill>
+                <a:srgbClr val="000000"/>
+              </a:solidFill>
+            </a:endParaRPr>
+          </a:p>
+          <a:p>
+            <a:endParaRPr lang="nl-BE" sz="2000" dirty="0">
+              <a:solidFill>
+                <a:srgbClr val="000000"/>
+              </a:solidFill>
+            </a:endParaRPr>
+          </a:p>
+        </p:txBody>
+      </p:sp>
+      <p:pic>
+        <p:nvPicPr>
+          <p:cNvPr id="1026" name="Picture 2" descr="Image result for loops in programming">
+            <a:extLst>
+              <a:ext uri="{FF2B5EF4-FFF2-40B4-BE49-F238E27FC236}">
+                <a16:creationId xmlns:a16="http://schemas.microsoft.com/office/drawing/2014/main" id="{C3CA9761-2011-4ADC-8063-0798DB813D24}"/>
+              </a:ext>
+            </a:extLst>
+          </p:cNvPr>
+          <p:cNvPicPr>
+            <a:picLocks noChangeAspect="1" noChangeArrowheads="1"/>
+          </p:cNvPicPr>
+          <p:nvPr/>
+        </p:nvPicPr>
+        <p:blipFill rotWithShape="1">
+          <a:blip r:embed="rId2">
+            <a:alphaModFix/>
+            <a:extLst>
+              <a:ext uri="{28A0092B-C50C-407E-A947-70E740481C1C}">
+                <a14:useLocalDpi xmlns:a14="http://schemas.microsoft.com/office/drawing/2010/main" val="0"/>
+              </a:ext>
+            </a:extLst>
+          </a:blip>
+          <a:srcRect l="2097" r="2358" b="-3"/>
+          <a:stretch/>
+        </p:blipFill>
+        <p:spPr bwMode="auto">
+          <a:xfrm>
+            <a:off x="20" y="907231"/>
+            <a:ext cx="4838021" cy="5063738"/>
+          </a:xfrm>
+          <a:custGeom>
+            <a:avLst/>
+            <a:gdLst>
+              <a:gd name="connsiteX0" fmla="*/ 2306172 w 4838041"/>
+              <a:gd name="connsiteY0" fmla="*/ 0 h 5063738"/>
+              <a:gd name="connsiteX1" fmla="*/ 4838041 w 4838041"/>
+              <a:gd name="connsiteY1" fmla="*/ 2531869 h 5063738"/>
+              <a:gd name="connsiteX2" fmla="*/ 2306172 w 4838041"/>
+              <a:gd name="connsiteY2" fmla="*/ 5063738 h 5063738"/>
+              <a:gd name="connsiteX3" fmla="*/ 79886 w 4838041"/>
+              <a:gd name="connsiteY3" fmla="*/ 3738709 h 5063738"/>
+              <a:gd name="connsiteX4" fmla="*/ 0 w 4838041"/>
+              <a:gd name="connsiteY4" fmla="*/ 3572876 h 5063738"/>
+              <a:gd name="connsiteX5" fmla="*/ 0 w 4838041"/>
+              <a:gd name="connsiteY5" fmla="*/ 1490863 h 5063738"/>
+              <a:gd name="connsiteX6" fmla="*/ 79886 w 4838041"/>
+              <a:gd name="connsiteY6" fmla="*/ 1325030 h 5063738"/>
+              <a:gd name="connsiteX7" fmla="*/ 2306172 w 4838041"/>
+              <a:gd name="connsiteY7" fmla="*/ 0 h 5063738"/>
+            </a:gdLst>
+            <a:ahLst/>
+            <a:cxnLst>
+              <a:cxn ang="0">
+                <a:pos x="connsiteX0" y="connsiteY0"/>
+              </a:cxn>
+              <a:cxn ang="0">
+                <a:pos x="connsiteX1" y="connsiteY1"/>
+              </a:cxn>
+              <a:cxn ang="0">
+                <a:pos x="connsiteX2" y="connsiteY2"/>
+              </a:cxn>
+              <a:cxn ang="0">
+                <a:pos x="connsiteX3" y="connsiteY3"/>
+              </a:cxn>
+              <a:cxn ang="0">
+                <a:pos x="connsiteX4" y="connsiteY4"/>
+              </a:cxn>
+              <a:cxn ang="0">
+                <a:pos x="connsiteX5" y="connsiteY5"/>
+              </a:cxn>
+              <a:cxn ang="0">
+                <a:pos x="connsiteX6" y="connsiteY6"/>
+              </a:cxn>
+              <a:cxn ang="0">
+                <a:pos x="connsiteX7" y="connsiteY7"/>
+              </a:cxn>
+            </a:cxnLst>
+            <a:rect l="l" t="t" r="r" b="b"/>
+            <a:pathLst>
+              <a:path w="4838041" h="5063738">
+                <a:moveTo>
+                  <a:pt x="2306172" y="0"/>
+                </a:moveTo>
+                <a:cubicBezTo>
+                  <a:pt x="3704485" y="0"/>
+                  <a:pt x="4838041" y="1133556"/>
+                  <a:pt x="4838041" y="2531869"/>
+                </a:cubicBezTo>
+                <a:cubicBezTo>
+                  <a:pt x="4838041" y="3930182"/>
+                  <a:pt x="3704485" y="5063738"/>
+                  <a:pt x="2306172" y="5063738"/>
+                </a:cubicBezTo>
+                <a:cubicBezTo>
+                  <a:pt x="1344832" y="5063738"/>
+                  <a:pt x="508631" y="4527956"/>
+                  <a:pt x="79886" y="3738709"/>
+                </a:cubicBezTo>
+                <a:lnTo>
+                  <a:pt x="0" y="3572876"/>
+                </a:lnTo>
+                <a:lnTo>
+                  <a:pt x="0" y="1490863"/>
+                </a:lnTo>
+                <a:lnTo>
+                  <a:pt x="79886" y="1325030"/>
+                </a:lnTo>
+                <a:cubicBezTo>
+                  <a:pt x="508631" y="535783"/>
+                  <a:pt x="1344832" y="0"/>
+                  <a:pt x="2306172" y="0"/>
+                </a:cubicBezTo>
+                <a:close/>
+              </a:path>
+            </a:pathLst>
+          </a:custGeom>
+          <a:noFill/>
+          <a:effectLst>
+            <a:softEdge rad="0"/>
+          </a:effectLst>
+          <a:extLst>
+            <a:ext uri="{909E8E84-426E-40DD-AFC4-6F175D3DCCD1}">
+              <a14:hiddenFill xmlns:a14="http://schemas.microsoft.com/office/drawing/2010/main">
+                <a:solidFill>
+                  <a:srgbClr val="FFFFFF"/>
+                </a:solidFill>
+              </a14:hiddenFill>
+            </a:ext>
+          </a:extLst>
+        </p:spPr>
+      </p:pic>
+    </p:spTree>
+    <p:extLst>
+      <p:ext uri="{BB962C8B-B14F-4D97-AF65-F5344CB8AC3E}">
+        <p14:creationId xmlns:p14="http://schemas.microsoft.com/office/powerpoint/2010/main" val="4142488933"/>
+      </p:ext>
+    </p:extLst>
+  </p:cSld>
+  <p:clrMapOvr>
+    <a:masterClrMapping/>
+  </p:clrMapOvr>
+</p:sld>
+</file>
+
+<file path=ppt/slides/slide50.xml><?xml version="1.0" encoding="utf-8"?>
 <p:sld xmlns:a="http://schemas.openxmlformats.org/drawingml/2006/main" xmlns:r="http://schemas.openxmlformats.org/officeDocument/2006/relationships" xmlns:p="http://schemas.openxmlformats.org/presentationml/2006/main">
   <p:cSld>
     <p:spTree>
@@ -29365,7 +30176,7 @@
 </p:sld>
 </file>
 
-<file path=ppt/slides/slide49.xml><?xml version="1.0" encoding="utf-8"?>
+<file path=ppt/slides/slide51.xml><?xml version="1.0" encoding="utf-8"?>
 <p:sld xmlns:a="http://schemas.openxmlformats.org/drawingml/2006/main" xmlns:r="http://schemas.openxmlformats.org/officeDocument/2006/relationships" xmlns:p="http://schemas.openxmlformats.org/presentationml/2006/main">
   <p:cSld>
     <p:spTree>
@@ -29877,413 +30688,7 @@
 </p:sld>
 </file>
 
-<file path=ppt/slides/slide5.xml><?xml version="1.0" encoding="utf-8"?>
-<p:sld xmlns:a="http://schemas.openxmlformats.org/drawingml/2006/main" xmlns:r="http://schemas.openxmlformats.org/officeDocument/2006/relationships" xmlns:p="http://schemas.openxmlformats.org/presentationml/2006/main">
-  <p:cSld>
-    <p:bg>
-      <p:bgPr>
-        <a:solidFill>
-          <a:schemeClr val="bg1"/>
-        </a:solidFill>
-        <a:effectLst/>
-      </p:bgPr>
-    </p:bg>
-    <p:spTree>
-      <p:nvGrpSpPr>
-        <p:cNvPr id="1" name=""/>
-        <p:cNvGrpSpPr/>
-        <p:nvPr/>
-      </p:nvGrpSpPr>
-      <p:grpSpPr>
-        <a:xfrm>
-          <a:off x="0" y="0"/>
-          <a:ext cx="0" cy="0"/>
-          <a:chOff x="0" y="0"/>
-          <a:chExt cx="0" cy="0"/>
-        </a:xfrm>
-      </p:grpSpPr>
-      <p:sp>
-        <p:nvSpPr>
-          <p:cNvPr id="2" name="Titel 1">
-            <a:extLst>
-              <a:ext uri="{FF2B5EF4-FFF2-40B4-BE49-F238E27FC236}">
-                <a16:creationId xmlns:a16="http://schemas.microsoft.com/office/drawing/2014/main" id="{0326C7E2-F78F-4E06-B1E7-5B36DBFAD4DB}"/>
-              </a:ext>
-            </a:extLst>
-          </p:cNvPr>
-          <p:cNvSpPr>
-            <a:spLocks noGrp="1"/>
-          </p:cNvSpPr>
-          <p:nvPr>
-            <p:ph type="title"/>
-          </p:nvPr>
-        </p:nvSpPr>
-        <p:spPr>
-          <a:xfrm>
-            <a:off x="6094105" y="802955"/>
-            <a:ext cx="4977976" cy="1454051"/>
-          </a:xfrm>
-        </p:spPr>
-        <p:txBody>
-          <a:bodyPr>
-            <a:normAutofit/>
-          </a:bodyPr>
-          <a:lstStyle/>
-          <a:p>
-            <a:r>
-              <a:rPr lang="nl-BE" dirty="0">
-                <a:solidFill>
-                  <a:srgbClr val="000000"/>
-                </a:solidFill>
-              </a:rPr>
-              <a:t>Soorten C# loops</a:t>
-            </a:r>
-          </a:p>
-        </p:txBody>
-      </p:sp>
-      <p:sp>
-        <p:nvSpPr>
-          <p:cNvPr id="3" name="Tijdelijke aanduiding voor inhoud 2">
-            <a:extLst>
-              <a:ext uri="{FF2B5EF4-FFF2-40B4-BE49-F238E27FC236}">
-                <a16:creationId xmlns:a16="http://schemas.microsoft.com/office/drawing/2014/main" id="{DC13E358-E8D0-422A-9413-319343166E7E}"/>
-              </a:ext>
-            </a:extLst>
-          </p:cNvPr>
-          <p:cNvSpPr>
-            <a:spLocks noGrp="1"/>
-          </p:cNvSpPr>
-          <p:nvPr>
-            <p:ph idx="1"/>
-          </p:nvPr>
-        </p:nvSpPr>
-        <p:spPr>
-          <a:xfrm>
-            <a:off x="6090574" y="2421682"/>
-            <a:ext cx="4977578" cy="3639289"/>
-          </a:xfrm>
-        </p:spPr>
-        <p:txBody>
-          <a:bodyPr anchor="ctr">
-            <a:normAutofit lnSpcReduction="10000"/>
-          </a:bodyPr>
-          <a:lstStyle/>
-          <a:p>
-            <a:r>
-              <a:rPr lang="en-US" sz="2000" dirty="0">
-                <a:solidFill>
-                  <a:srgbClr val="000000"/>
-                </a:solidFill>
-              </a:rPr>
-              <a:t>3 types of loops in C#</a:t>
-            </a:r>
-          </a:p>
-          <a:p>
-            <a:pPr lvl="1"/>
-            <a:r>
-              <a:rPr lang="en-US" sz="2000" b="1" dirty="0">
-                <a:solidFill>
-                  <a:srgbClr val="000000"/>
-                </a:solidFill>
-                <a:latin typeface="Courier New" pitchFamily="1" charset="0"/>
-              </a:rPr>
-              <a:t>while</a:t>
-            </a:r>
-            <a:r>
-              <a:rPr lang="en-US" sz="2000" b="1" dirty="0">
-                <a:solidFill>
-                  <a:srgbClr val="000000"/>
-                </a:solidFill>
-              </a:rPr>
-              <a:t> loop</a:t>
-            </a:r>
-          </a:p>
-          <a:p>
-            <a:pPr lvl="1"/>
-            <a:r>
-              <a:rPr lang="en-US" sz="2000" b="1" dirty="0">
-                <a:solidFill>
-                  <a:srgbClr val="000000"/>
-                </a:solidFill>
-                <a:latin typeface="Courier New" pitchFamily="1" charset="0"/>
-              </a:rPr>
-              <a:t>for</a:t>
-            </a:r>
-            <a:r>
-              <a:rPr lang="en-US" sz="2000" b="1" dirty="0">
-                <a:solidFill>
-                  <a:srgbClr val="000000"/>
-                </a:solidFill>
-              </a:rPr>
-              <a:t> loop</a:t>
-            </a:r>
-          </a:p>
-          <a:p>
-            <a:pPr lvl="1"/>
-            <a:r>
-              <a:rPr lang="en-US" sz="2000" b="1" dirty="0">
-                <a:solidFill>
-                  <a:srgbClr val="000000"/>
-                </a:solidFill>
-                <a:latin typeface="Courier New" pitchFamily="1" charset="0"/>
-              </a:rPr>
-              <a:t>do</a:t>
-            </a:r>
-            <a:r>
-              <a:rPr lang="en-US" sz="2000" b="1" dirty="0">
-                <a:solidFill>
-                  <a:srgbClr val="000000"/>
-                </a:solidFill>
-              </a:rPr>
-              <a:t> loop (or </a:t>
-            </a:r>
-            <a:r>
-              <a:rPr lang="en-US" sz="2000" b="1" dirty="0">
-                <a:solidFill>
-                  <a:srgbClr val="000000"/>
-                </a:solidFill>
-                <a:latin typeface="Courier New" pitchFamily="1" charset="0"/>
-              </a:rPr>
-              <a:t>do-while</a:t>
-            </a:r>
-            <a:r>
-              <a:rPr lang="en-US" sz="2000" b="1" dirty="0">
-                <a:solidFill>
-                  <a:srgbClr val="000000"/>
-                </a:solidFill>
-              </a:rPr>
-              <a:t> loop)</a:t>
-            </a:r>
-          </a:p>
-          <a:p>
-            <a:r>
-              <a:rPr lang="nl-BE" sz="2400" dirty="0">
-                <a:solidFill>
-                  <a:srgbClr val="000000"/>
-                </a:solidFill>
-              </a:rPr>
-              <a:t>3 manieren om zelfde problemen op te lossen, ieder met hun eigen subtiele verschillen</a:t>
-            </a:r>
-          </a:p>
-          <a:p>
-            <a:endParaRPr lang="en-US" sz="2400" b="1" dirty="0">
-              <a:solidFill>
-                <a:srgbClr val="000000"/>
-              </a:solidFill>
-            </a:endParaRPr>
-          </a:p>
-          <a:p>
-            <a:r>
-              <a:rPr lang="en-US" sz="2400" dirty="0">
-                <a:solidFill>
-                  <a:srgbClr val="000000"/>
-                </a:solidFill>
-              </a:rPr>
-              <a:t>4e type loop “Foreach” </a:t>
-            </a:r>
-            <a:r>
-              <a:rPr lang="en-US" sz="2400" dirty="0" err="1">
-                <a:solidFill>
-                  <a:srgbClr val="000000"/>
-                </a:solidFill>
-              </a:rPr>
-              <a:t>zien</a:t>
-            </a:r>
-            <a:r>
-              <a:rPr lang="en-US" sz="2400" dirty="0">
-                <a:solidFill>
-                  <a:srgbClr val="000000"/>
-                </a:solidFill>
-              </a:rPr>
-              <a:t> we in </a:t>
-            </a:r>
-            <a:r>
-              <a:rPr lang="en-US" sz="2400" dirty="0" err="1">
-                <a:solidFill>
-                  <a:srgbClr val="000000"/>
-                </a:solidFill>
-              </a:rPr>
-              <a:t>volgende</a:t>
-            </a:r>
-            <a:r>
-              <a:rPr lang="en-US" sz="2400" dirty="0">
-                <a:solidFill>
-                  <a:srgbClr val="000000"/>
-                </a:solidFill>
-              </a:rPr>
-              <a:t> semester</a:t>
-            </a:r>
-          </a:p>
-          <a:p>
-            <a:pPr lvl="1"/>
-            <a:endParaRPr lang="en-US" sz="2000" b="1" dirty="0">
-              <a:solidFill>
-                <a:srgbClr val="000000"/>
-              </a:solidFill>
-            </a:endParaRPr>
-          </a:p>
-          <a:p>
-            <a:endParaRPr lang="nl-BE" sz="2000" b="1" dirty="0">
-              <a:solidFill>
-                <a:srgbClr val="000000"/>
-              </a:solidFill>
-            </a:endParaRPr>
-          </a:p>
-          <a:p>
-            <a:endParaRPr lang="nl-BE" sz="2000" dirty="0">
-              <a:solidFill>
-                <a:srgbClr val="000000"/>
-              </a:solidFill>
-            </a:endParaRPr>
-          </a:p>
-        </p:txBody>
-      </p:sp>
-      <p:pic>
-        <p:nvPicPr>
-          <p:cNvPr id="1026" name="Picture 2" descr="Image result for loops in programming">
-            <a:extLst>
-              <a:ext uri="{FF2B5EF4-FFF2-40B4-BE49-F238E27FC236}">
-                <a16:creationId xmlns:a16="http://schemas.microsoft.com/office/drawing/2014/main" id="{C3CA9761-2011-4ADC-8063-0798DB813D24}"/>
-              </a:ext>
-            </a:extLst>
-          </p:cNvPr>
-          <p:cNvPicPr>
-            <a:picLocks noChangeAspect="1" noChangeArrowheads="1"/>
-          </p:cNvPicPr>
-          <p:nvPr/>
-        </p:nvPicPr>
-        <p:blipFill rotWithShape="1">
-          <a:blip r:embed="rId2">
-            <a:alphaModFix/>
-            <a:extLst>
-              <a:ext uri="{28A0092B-C50C-407E-A947-70E740481C1C}">
-                <a14:useLocalDpi xmlns:a14="http://schemas.microsoft.com/office/drawing/2010/main" val="0"/>
-              </a:ext>
-            </a:extLst>
-          </a:blip>
-          <a:srcRect l="2097" r="2358" b="-3"/>
-          <a:stretch/>
-        </p:blipFill>
-        <p:spPr bwMode="auto">
-          <a:xfrm>
-            <a:off x="20" y="907231"/>
-            <a:ext cx="4838021" cy="5063738"/>
-          </a:xfrm>
-          <a:custGeom>
-            <a:avLst/>
-            <a:gdLst>
-              <a:gd name="connsiteX0" fmla="*/ 2306172 w 4838041"/>
-              <a:gd name="connsiteY0" fmla="*/ 0 h 5063738"/>
-              <a:gd name="connsiteX1" fmla="*/ 4838041 w 4838041"/>
-              <a:gd name="connsiteY1" fmla="*/ 2531869 h 5063738"/>
-              <a:gd name="connsiteX2" fmla="*/ 2306172 w 4838041"/>
-              <a:gd name="connsiteY2" fmla="*/ 5063738 h 5063738"/>
-              <a:gd name="connsiteX3" fmla="*/ 79886 w 4838041"/>
-              <a:gd name="connsiteY3" fmla="*/ 3738709 h 5063738"/>
-              <a:gd name="connsiteX4" fmla="*/ 0 w 4838041"/>
-              <a:gd name="connsiteY4" fmla="*/ 3572876 h 5063738"/>
-              <a:gd name="connsiteX5" fmla="*/ 0 w 4838041"/>
-              <a:gd name="connsiteY5" fmla="*/ 1490863 h 5063738"/>
-              <a:gd name="connsiteX6" fmla="*/ 79886 w 4838041"/>
-              <a:gd name="connsiteY6" fmla="*/ 1325030 h 5063738"/>
-              <a:gd name="connsiteX7" fmla="*/ 2306172 w 4838041"/>
-              <a:gd name="connsiteY7" fmla="*/ 0 h 5063738"/>
-            </a:gdLst>
-            <a:ahLst/>
-            <a:cxnLst>
-              <a:cxn ang="0">
-                <a:pos x="connsiteX0" y="connsiteY0"/>
-              </a:cxn>
-              <a:cxn ang="0">
-                <a:pos x="connsiteX1" y="connsiteY1"/>
-              </a:cxn>
-              <a:cxn ang="0">
-                <a:pos x="connsiteX2" y="connsiteY2"/>
-              </a:cxn>
-              <a:cxn ang="0">
-                <a:pos x="connsiteX3" y="connsiteY3"/>
-              </a:cxn>
-              <a:cxn ang="0">
-                <a:pos x="connsiteX4" y="connsiteY4"/>
-              </a:cxn>
-              <a:cxn ang="0">
-                <a:pos x="connsiteX5" y="connsiteY5"/>
-              </a:cxn>
-              <a:cxn ang="0">
-                <a:pos x="connsiteX6" y="connsiteY6"/>
-              </a:cxn>
-              <a:cxn ang="0">
-                <a:pos x="connsiteX7" y="connsiteY7"/>
-              </a:cxn>
-            </a:cxnLst>
-            <a:rect l="l" t="t" r="r" b="b"/>
-            <a:pathLst>
-              <a:path w="4838041" h="5063738">
-                <a:moveTo>
-                  <a:pt x="2306172" y="0"/>
-                </a:moveTo>
-                <a:cubicBezTo>
-                  <a:pt x="3704485" y="0"/>
-                  <a:pt x="4838041" y="1133556"/>
-                  <a:pt x="4838041" y="2531869"/>
-                </a:cubicBezTo>
-                <a:cubicBezTo>
-                  <a:pt x="4838041" y="3930182"/>
-                  <a:pt x="3704485" y="5063738"/>
-                  <a:pt x="2306172" y="5063738"/>
-                </a:cubicBezTo>
-                <a:cubicBezTo>
-                  <a:pt x="1344832" y="5063738"/>
-                  <a:pt x="508631" y="4527956"/>
-                  <a:pt x="79886" y="3738709"/>
-                </a:cubicBezTo>
-                <a:lnTo>
-                  <a:pt x="0" y="3572876"/>
-                </a:lnTo>
-                <a:lnTo>
-                  <a:pt x="0" y="1490863"/>
-                </a:lnTo>
-                <a:lnTo>
-                  <a:pt x="79886" y="1325030"/>
-                </a:lnTo>
-                <a:cubicBezTo>
-                  <a:pt x="508631" y="535783"/>
-                  <a:pt x="1344832" y="0"/>
-                  <a:pt x="2306172" y="0"/>
-                </a:cubicBezTo>
-                <a:close/>
-              </a:path>
-            </a:pathLst>
-          </a:custGeom>
-          <a:noFill/>
-          <a:effectLst>
-            <a:softEdge rad="0"/>
-          </a:effectLst>
-          <a:extLst>
-            <a:ext uri="{909E8E84-426E-40DD-AFC4-6F175D3DCCD1}">
-              <a14:hiddenFill xmlns:a14="http://schemas.microsoft.com/office/drawing/2010/main">
-                <a:solidFill>
-                  <a:srgbClr val="FFFFFF"/>
-                </a:solidFill>
-              </a14:hiddenFill>
-            </a:ext>
-          </a:extLst>
-        </p:spPr>
-      </p:pic>
-    </p:spTree>
-    <p:extLst>
-      <p:ext uri="{BB962C8B-B14F-4D97-AF65-F5344CB8AC3E}">
-        <p14:creationId xmlns:p14="http://schemas.microsoft.com/office/powerpoint/2010/main" val="4142488933"/>
-      </p:ext>
-    </p:extLst>
-  </p:cSld>
-  <p:clrMapOvr>
-    <a:masterClrMapping/>
-  </p:clrMapOvr>
-</p:sld>
-</file>
-
-<file path=ppt/slides/slide50.xml><?xml version="1.0" encoding="utf-8"?>
+<file path=ppt/slides/slide52.xml><?xml version="1.0" encoding="utf-8"?>
 <p:sld xmlns:a="http://schemas.openxmlformats.org/drawingml/2006/main" xmlns:r="http://schemas.openxmlformats.org/officeDocument/2006/relationships" xmlns:p="http://schemas.openxmlformats.org/presentationml/2006/main">
   <p:cSld>
     <p:spTree>
@@ -30658,7 +31063,7 @@
 </p:sld>
 </file>
 
-<file path=ppt/slides/slide51.xml><?xml version="1.0" encoding="utf-8"?>
+<file path=ppt/slides/slide53.xml><?xml version="1.0" encoding="utf-8"?>
 <p:sld xmlns:a="http://schemas.openxmlformats.org/drawingml/2006/main" xmlns:r="http://schemas.openxmlformats.org/officeDocument/2006/relationships" xmlns:p="http://schemas.openxmlformats.org/presentationml/2006/main">
   <p:cSld>
     <p:spTree>
@@ -30788,7 +31193,7 @@
 </p:sld>
 </file>
 
-<file path=ppt/slides/slide52.xml><?xml version="1.0" encoding="utf-8"?>
+<file path=ppt/slides/slide54.xml><?xml version="1.0" encoding="utf-8"?>
 <p:sld xmlns:a="http://schemas.openxmlformats.org/drawingml/2006/main" xmlns:r="http://schemas.openxmlformats.org/officeDocument/2006/relationships" xmlns:p="http://schemas.openxmlformats.org/presentationml/2006/main" show="0">
   <p:cSld>
     <p:spTree>
@@ -31251,7 +31656,7 @@
 </p:sld>
 </file>
 
-<file path=ppt/slides/slide53.xml><?xml version="1.0" encoding="utf-8"?>
+<file path=ppt/slides/slide55.xml><?xml version="1.0" encoding="utf-8"?>
 <p:sld xmlns:a="http://schemas.openxmlformats.org/drawingml/2006/main" xmlns:r="http://schemas.openxmlformats.org/officeDocument/2006/relationships" xmlns:p="http://schemas.openxmlformats.org/presentationml/2006/main" show="0">
   <p:cSld>
     <p:bg>
@@ -31411,7 +31816,7 @@
 </p:sld>
 </file>
 
-<file path=ppt/slides/slide54.xml><?xml version="1.0" encoding="utf-8"?>
+<file path=ppt/slides/slide56.xml><?xml version="1.0" encoding="utf-8"?>
 <p:sld xmlns:a="http://schemas.openxmlformats.org/drawingml/2006/main" xmlns:r="http://schemas.openxmlformats.org/officeDocument/2006/relationships" xmlns:p="http://schemas.openxmlformats.org/presentationml/2006/main" show="0">
   <p:cSld>
     <p:spTree>
@@ -31525,7 +31930,7 @@
 </p:sld>
 </file>
 
-<file path=ppt/slides/slide55.xml><?xml version="1.0" encoding="utf-8"?>
+<file path=ppt/slides/slide57.xml><?xml version="1.0" encoding="utf-8"?>
 <p:sld xmlns:a="http://schemas.openxmlformats.org/drawingml/2006/main" xmlns:r="http://schemas.openxmlformats.org/officeDocument/2006/relationships" xmlns:p="http://schemas.openxmlformats.org/presentationml/2006/main" show="0">
   <p:cSld>
     <p:spTree>
@@ -31639,7 +32044,7 @@
 </p:sld>
 </file>
 
-<file path=ppt/slides/slide56.xml><?xml version="1.0" encoding="utf-8"?>
+<file path=ppt/slides/slide58.xml><?xml version="1.0" encoding="utf-8"?>
 <p:sld xmlns:a="http://schemas.openxmlformats.org/drawingml/2006/main" xmlns:r="http://schemas.openxmlformats.org/officeDocument/2006/relationships" xmlns:p="http://schemas.openxmlformats.org/presentationml/2006/main" show="0">
   <p:cSld>
     <p:spTree>
@@ -32172,7 +32577,7 @@
 </p:sld>
 </file>
 
-<file path=ppt/slides/slide57.xml><?xml version="1.0" encoding="utf-8"?>
+<file path=ppt/slides/slide59.xml><?xml version="1.0" encoding="utf-8"?>
 <p:sld xmlns:a="http://schemas.openxmlformats.org/drawingml/2006/main" xmlns:r="http://schemas.openxmlformats.org/officeDocument/2006/relationships" xmlns:p="http://schemas.openxmlformats.org/presentationml/2006/main" show="0">
   <p:cSld>
     <p:spTree>

--- a/_SLIDES/2020_DEEL1/H6- Herhalingen/H6-herhalingen.pptx
+++ b/_SLIDES/2020_DEEL1/H6- Herhalingen/H6-herhalingen.pptx
@@ -9635,7 +9635,7 @@
           <a:p>
             <a:fld id="{AAB1E9D1-C262-4CF5-AED2-7DBFF7C74527}" type="datetimeFigureOut">
               <a:rPr lang="nl-BE" smtClean="0"/>
-              <a:t>5/10/2020</a:t>
+              <a:t>9/10/2020</a:t>
             </a:fld>
             <a:endParaRPr lang="nl-BE"/>
           </a:p>
@@ -15104,7 +15104,7 @@
           <a:p>
             <a:fld id="{2661A00B-007A-4326-8859-8C83DD4C6E5D}" type="datetimeFigureOut">
               <a:rPr lang="nl-BE" smtClean="0"/>
-              <a:t>5/10/2020</a:t>
+              <a:t>9/10/2020</a:t>
             </a:fld>
             <a:endParaRPr lang="nl-BE"/>
           </a:p>
@@ -15397,7 +15397,7 @@
           <a:p>
             <a:fld id="{2661A00B-007A-4326-8859-8C83DD4C6E5D}" type="datetimeFigureOut">
               <a:rPr lang="nl-BE" smtClean="0"/>
-              <a:t>5/10/2020</a:t>
+              <a:t>9/10/2020</a:t>
             </a:fld>
             <a:endParaRPr lang="nl-BE"/>
           </a:p>
@@ -15607,7 +15607,7 @@
           <a:p>
             <a:fld id="{2661A00B-007A-4326-8859-8C83DD4C6E5D}" type="datetimeFigureOut">
               <a:rPr lang="nl-BE" smtClean="0"/>
-              <a:t>5/10/2020</a:t>
+              <a:t>9/10/2020</a:t>
             </a:fld>
             <a:endParaRPr lang="nl-BE"/>
           </a:p>
@@ -15837,7 +15837,7 @@
           <a:p>
             <a:fld id="{2661A00B-007A-4326-8859-8C83DD4C6E5D}" type="datetimeFigureOut">
               <a:rPr lang="nl-BE" smtClean="0"/>
-              <a:t>5/10/2020</a:t>
+              <a:t>9/10/2020</a:t>
             </a:fld>
             <a:endParaRPr lang="nl-BE"/>
           </a:p>
@@ -16113,7 +16113,7 @@
           <a:p>
             <a:fld id="{2661A00B-007A-4326-8859-8C83DD4C6E5D}" type="datetimeFigureOut">
               <a:rPr lang="nl-BE" smtClean="0"/>
-              <a:t>5/10/2020</a:t>
+              <a:t>9/10/2020</a:t>
             </a:fld>
             <a:endParaRPr lang="nl-BE"/>
           </a:p>
@@ -16381,7 +16381,7 @@
           <a:p>
             <a:fld id="{2661A00B-007A-4326-8859-8C83DD4C6E5D}" type="datetimeFigureOut">
               <a:rPr lang="nl-BE" smtClean="0"/>
-              <a:t>5/10/2020</a:t>
+              <a:t>9/10/2020</a:t>
             </a:fld>
             <a:endParaRPr lang="nl-BE"/>
           </a:p>
@@ -16796,7 +16796,7 @@
           <a:p>
             <a:fld id="{2661A00B-007A-4326-8859-8C83DD4C6E5D}" type="datetimeFigureOut">
               <a:rPr lang="nl-BE" smtClean="0"/>
-              <a:t>5/10/2020</a:t>
+              <a:t>9/10/2020</a:t>
             </a:fld>
             <a:endParaRPr lang="nl-BE"/>
           </a:p>
@@ -16938,7 +16938,7 @@
           <a:p>
             <a:fld id="{2661A00B-007A-4326-8859-8C83DD4C6E5D}" type="datetimeFigureOut">
               <a:rPr lang="nl-BE" smtClean="0"/>
-              <a:t>5/10/2020</a:t>
+              <a:t>9/10/2020</a:t>
             </a:fld>
             <a:endParaRPr lang="nl-BE"/>
           </a:p>
@@ -17051,7 +17051,7 @@
           <a:p>
             <a:fld id="{2661A00B-007A-4326-8859-8C83DD4C6E5D}" type="datetimeFigureOut">
               <a:rPr lang="nl-BE" smtClean="0"/>
-              <a:t>5/10/2020</a:t>
+              <a:t>9/10/2020</a:t>
             </a:fld>
             <a:endParaRPr lang="nl-BE"/>
           </a:p>
@@ -17364,7 +17364,7 @@
           <a:p>
             <a:fld id="{2661A00B-007A-4326-8859-8C83DD4C6E5D}" type="datetimeFigureOut">
               <a:rPr lang="nl-BE" smtClean="0"/>
-              <a:t>5/10/2020</a:t>
+              <a:t>9/10/2020</a:t>
             </a:fld>
             <a:endParaRPr lang="nl-BE"/>
           </a:p>
@@ -17657,7 +17657,7 @@
           <a:p>
             <a:fld id="{2661A00B-007A-4326-8859-8C83DD4C6E5D}" type="datetimeFigureOut">
               <a:rPr lang="nl-BE" smtClean="0"/>
-              <a:t>5/10/2020</a:t>
+              <a:t>9/10/2020</a:t>
             </a:fld>
             <a:endParaRPr lang="nl-BE"/>
           </a:p>
@@ -17900,7 +17900,7 @@
           <a:p>
             <a:fld id="{2661A00B-007A-4326-8859-8C83DD4C6E5D}" type="datetimeFigureOut">
               <a:rPr lang="nl-BE" smtClean="0"/>
-              <a:t>5/10/2020</a:t>
+              <a:t>9/10/2020</a:t>
             </a:fld>
             <a:endParaRPr lang="nl-BE"/>
           </a:p>
@@ -30736,13 +30736,8 @@
             </a:r>
             <a:r>
               <a:rPr lang="nl-BE" dirty="0"/>
-              <a:t> teller niet </a:t>
-            </a:r>
-            <a:r>
-              <a:rPr lang="nl-BE" dirty="0" err="1"/>
-              <a:t>reseten</a:t>
-            </a:r>
-            <a:endParaRPr lang="nl-BE" dirty="0"/>
+              <a:t> teller niet resetten</a:t>
+            </a:r>
           </a:p>
         </p:txBody>
       </p:sp>
@@ -30777,7 +30772,7 @@
             </a:r>
             <a:r>
               <a:rPr lang="nl-BE" dirty="0"/>
-              <a:t> niet! Dus moeten we manueel dit doen:</a:t>
+              <a:t> niet! Dus moeten we dit manueel doen:</a:t>
             </a:r>
           </a:p>
           <a:p>
@@ -30786,7 +30781,7 @@
           <a:p>
             <a:r>
               <a:rPr lang="nl-BE" dirty="0"/>
-              <a:t>Deze zal 40 keer op scherm getoond worden nu:</a:t>
+              <a:t>Deze zal 40 keer op scherm getoond worden:</a:t>
             </a:r>
           </a:p>
         </p:txBody>
@@ -31064,7 +31059,7 @@
 </file>
 
 <file path=ppt/slides/slide53.xml><?xml version="1.0" encoding="utf-8"?>
-<p:sld xmlns:a="http://schemas.openxmlformats.org/drawingml/2006/main" xmlns:r="http://schemas.openxmlformats.org/officeDocument/2006/relationships" xmlns:p="http://schemas.openxmlformats.org/presentationml/2006/main">
+<p:sld xmlns:a="http://schemas.openxmlformats.org/drawingml/2006/main" xmlns:r="http://schemas.openxmlformats.org/officeDocument/2006/relationships" xmlns:p="http://schemas.openxmlformats.org/presentationml/2006/main" show="0">
   <p:cSld>
     <p:spTree>
       <p:nvGrpSpPr>
